--- a/Chassis/HackboxSS.pptx
+++ b/Chassis/HackboxSS.pptx
@@ -1,26 +1,570 @@
 
 <file path=ppt/presentation.xml><?xml version="1.0" encoding="utf-8"?>
-<p:presentation xmlns:a="http://schemas.openxmlformats.org/drawingml/2006/main" xmlns:p="http://schemas.openxmlformats.org/presentationml/2006/main" xmlns:r="http://schemas.openxmlformats.org/officeDocument/2006/relationships" xmlns:p14="http://schemas.microsoft.com/office/powerpoint/2010/main" xmlns:p15="http://schemas.microsoft.com/office/powerpoint/2012/main" xmlns:mc="http://schemas.openxmlformats.org/markup-compatibility/2006">
+<p:presentation xmlns:a="http://schemas.openxmlformats.org/drawingml/2006/main" xmlns:r="http://schemas.openxmlformats.org/officeDocument/2006/relationships" xmlns:p="http://schemas.openxmlformats.org/presentationml/2006/main">
   <p:sldMasterIdLst>
-    <p:sldMasterId id="2147483648" r:id="rId2"/>
-    <p:sldMasterId id="2147483661" r:id="rId3"/>
+    <p:sldMasterId id="2147483648" r:id="rId1"/>
+    <p:sldMasterId id="2147483661" r:id="rId2"/>
   </p:sldMasterIdLst>
+  <p:notesMasterIdLst>
+    <p:notesMasterId r:id="rId14"/>
+  </p:notesMasterIdLst>
   <p:sldIdLst>
-    <p:sldId id="256" r:id="rId4"/>
-    <p:sldId id="257" r:id="rId5"/>
-    <p:sldId id="258" r:id="rId6"/>
-    <p:sldId id="259" r:id="rId7"/>
-    <p:sldId id="260" r:id="rId8"/>
-    <p:sldId id="261" r:id="rId9"/>
-    <p:sldId id="262" r:id="rId10"/>
+    <p:sldId id="256" r:id="rId3"/>
+    <p:sldId id="257" r:id="rId4"/>
+    <p:sldId id="263" r:id="rId5"/>
+    <p:sldId id="265" r:id="rId6"/>
+    <p:sldId id="266" r:id="rId7"/>
+    <p:sldId id="259" r:id="rId8"/>
+    <p:sldId id="260" r:id="rId9"/>
+    <p:sldId id="267" r:id="rId10"/>
+    <p:sldId id="261" r:id="rId11"/>
+    <p:sldId id="268" r:id="rId12"/>
+    <p:sldId id="262" r:id="rId13"/>
   </p:sldIdLst>
   <p:sldSz cx="12192000" cy="6858000"/>
   <p:notesSz cx="7772400" cy="10058400"/>
+  <p:defaultTextStyle>
+    <a:defPPr>
+      <a:defRPr lang="en-US"/>
+    </a:defPPr>
+    <a:lvl1pPr marL="0" algn="l" defTabSz="914400" rtl="0" eaLnBrk="1" latinLnBrk="0" hangingPunct="1">
+      <a:defRPr sz="1800" kern="1200">
+        <a:solidFill>
+          <a:schemeClr val="tx1"/>
+        </a:solidFill>
+        <a:latin typeface="+mn-lt"/>
+        <a:ea typeface="+mn-ea"/>
+        <a:cs typeface="+mn-cs"/>
+      </a:defRPr>
+    </a:lvl1pPr>
+    <a:lvl2pPr marL="457200" algn="l" defTabSz="914400" rtl="0" eaLnBrk="1" latinLnBrk="0" hangingPunct="1">
+      <a:defRPr sz="1800" kern="1200">
+        <a:solidFill>
+          <a:schemeClr val="tx1"/>
+        </a:solidFill>
+        <a:latin typeface="+mn-lt"/>
+        <a:ea typeface="+mn-ea"/>
+        <a:cs typeface="+mn-cs"/>
+      </a:defRPr>
+    </a:lvl2pPr>
+    <a:lvl3pPr marL="914400" algn="l" defTabSz="914400" rtl="0" eaLnBrk="1" latinLnBrk="0" hangingPunct="1">
+      <a:defRPr sz="1800" kern="1200">
+        <a:solidFill>
+          <a:schemeClr val="tx1"/>
+        </a:solidFill>
+        <a:latin typeface="+mn-lt"/>
+        <a:ea typeface="+mn-ea"/>
+        <a:cs typeface="+mn-cs"/>
+      </a:defRPr>
+    </a:lvl3pPr>
+    <a:lvl4pPr marL="1371600" algn="l" defTabSz="914400" rtl="0" eaLnBrk="1" latinLnBrk="0" hangingPunct="1">
+      <a:defRPr sz="1800" kern="1200">
+        <a:solidFill>
+          <a:schemeClr val="tx1"/>
+        </a:solidFill>
+        <a:latin typeface="+mn-lt"/>
+        <a:ea typeface="+mn-ea"/>
+        <a:cs typeface="+mn-cs"/>
+      </a:defRPr>
+    </a:lvl4pPr>
+    <a:lvl5pPr marL="1828800" algn="l" defTabSz="914400" rtl="0" eaLnBrk="1" latinLnBrk="0" hangingPunct="1">
+      <a:defRPr sz="1800" kern="1200">
+        <a:solidFill>
+          <a:schemeClr val="tx1"/>
+        </a:solidFill>
+        <a:latin typeface="+mn-lt"/>
+        <a:ea typeface="+mn-ea"/>
+        <a:cs typeface="+mn-cs"/>
+      </a:defRPr>
+    </a:lvl5pPr>
+    <a:lvl6pPr marL="2286000" algn="l" defTabSz="914400" rtl="0" eaLnBrk="1" latinLnBrk="0" hangingPunct="1">
+      <a:defRPr sz="1800" kern="1200">
+        <a:solidFill>
+          <a:schemeClr val="tx1"/>
+        </a:solidFill>
+        <a:latin typeface="+mn-lt"/>
+        <a:ea typeface="+mn-ea"/>
+        <a:cs typeface="+mn-cs"/>
+      </a:defRPr>
+    </a:lvl6pPr>
+    <a:lvl7pPr marL="2743200" algn="l" defTabSz="914400" rtl="0" eaLnBrk="1" latinLnBrk="0" hangingPunct="1">
+      <a:defRPr sz="1800" kern="1200">
+        <a:solidFill>
+          <a:schemeClr val="tx1"/>
+        </a:solidFill>
+        <a:latin typeface="+mn-lt"/>
+        <a:ea typeface="+mn-ea"/>
+        <a:cs typeface="+mn-cs"/>
+      </a:defRPr>
+    </a:lvl7pPr>
+    <a:lvl8pPr marL="3200400" algn="l" defTabSz="914400" rtl="0" eaLnBrk="1" latinLnBrk="0" hangingPunct="1">
+      <a:defRPr sz="1800" kern="1200">
+        <a:solidFill>
+          <a:schemeClr val="tx1"/>
+        </a:solidFill>
+        <a:latin typeface="+mn-lt"/>
+        <a:ea typeface="+mn-ea"/>
+        <a:cs typeface="+mn-cs"/>
+      </a:defRPr>
+    </a:lvl8pPr>
+    <a:lvl9pPr marL="3657600" algn="l" defTabSz="914400" rtl="0" eaLnBrk="1" latinLnBrk="0" hangingPunct="1">
+      <a:defRPr sz="1800" kern="1200">
+        <a:solidFill>
+          <a:schemeClr val="tx1"/>
+        </a:solidFill>
+        <a:latin typeface="+mn-lt"/>
+        <a:ea typeface="+mn-ea"/>
+        <a:cs typeface="+mn-cs"/>
+      </a:defRPr>
+    </a:lvl9pPr>
+  </p:defaultTextStyle>
+  <p:extLst>
+    <p:ext uri="{EFAFB233-063F-42B5-8137-9DF3F51BA10A}">
+      <p15:sldGuideLst xmlns:p15="http://schemas.microsoft.com/office/powerpoint/2012/main"/>
+    </p:ext>
+  </p:extLst>
 </p:presentation>
 </file>
 
+<file path=ppt/revisionInfo.xml><?xml version="1.0" encoding="utf-8"?>
+<p1510:revInfo xmlns:a="http://schemas.openxmlformats.org/drawingml/2006/main" xmlns:r="http://schemas.openxmlformats.org/officeDocument/2006/relationships" xmlns:p1510="http://schemas.microsoft.com/office/powerpoint/2015/10/main"/>
+</file>
+
+<file path=ppt/notesMasters/notesMaster1.xml><?xml version="1.0" encoding="utf-8"?>
+<p:notesMaster xmlns:a="http://schemas.openxmlformats.org/drawingml/2006/main" xmlns:r="http://schemas.openxmlformats.org/officeDocument/2006/relationships" xmlns:p="http://schemas.openxmlformats.org/presentationml/2006/main">
+  <p:cSld>
+    <p:bg>
+      <p:bgRef idx="1001">
+        <a:schemeClr val="bg1"/>
+      </p:bgRef>
+    </p:bg>
+    <p:spTree>
+      <p:nvGrpSpPr>
+        <p:cNvPr id="1" name=""/>
+        <p:cNvGrpSpPr/>
+        <p:nvPr/>
+      </p:nvGrpSpPr>
+      <p:grpSpPr>
+        <a:xfrm>
+          <a:off x="0" y="0"/>
+          <a:ext cx="0" cy="0"/>
+          <a:chOff x="0" y="0"/>
+          <a:chExt cx="0" cy="0"/>
+        </a:xfrm>
+      </p:grpSpPr>
+      <p:sp>
+        <p:nvSpPr>
+          <p:cNvPr id="2" name="Header Placeholder 1"/>
+          <p:cNvSpPr>
+            <a:spLocks noGrp="1"/>
+          </p:cNvSpPr>
+          <p:nvPr>
+            <p:ph type="hdr" sz="quarter"/>
+          </p:nvPr>
+        </p:nvSpPr>
+        <p:spPr>
+          <a:xfrm>
+            <a:off x="0" y="0"/>
+            <a:ext cx="3368675" cy="504825"/>
+          </a:xfrm>
+          <a:prstGeom prst="rect">
+            <a:avLst/>
+          </a:prstGeom>
+        </p:spPr>
+        <p:txBody>
+          <a:bodyPr vert="horz" lIns="91440" tIns="45720" rIns="91440" bIns="45720" rtlCol="0"/>
+          <a:lstStyle>
+            <a:lvl1pPr algn="l">
+              <a:defRPr sz="1200"/>
+            </a:lvl1pPr>
+          </a:lstStyle>
+          <a:p>
+            <a:endParaRPr lang="en-US"/>
+          </a:p>
+        </p:txBody>
+      </p:sp>
+      <p:sp>
+        <p:nvSpPr>
+          <p:cNvPr id="3" name="Date Placeholder 2"/>
+          <p:cNvSpPr>
+            <a:spLocks noGrp="1"/>
+          </p:cNvSpPr>
+          <p:nvPr>
+            <p:ph type="dt" idx="1"/>
+          </p:nvPr>
+        </p:nvSpPr>
+        <p:spPr>
+          <a:xfrm>
+            <a:off x="4402138" y="0"/>
+            <a:ext cx="3368675" cy="504825"/>
+          </a:xfrm>
+          <a:prstGeom prst="rect">
+            <a:avLst/>
+          </a:prstGeom>
+        </p:spPr>
+        <p:txBody>
+          <a:bodyPr vert="horz" lIns="91440" tIns="45720" rIns="91440" bIns="45720" rtlCol="0"/>
+          <a:lstStyle>
+            <a:lvl1pPr algn="r">
+              <a:defRPr sz="1200"/>
+            </a:lvl1pPr>
+          </a:lstStyle>
+          <a:p>
+            <a:fld id="{CAC8E0D9-7FAF-4E9A-8668-267D8F27C4DB}" type="datetimeFigureOut">
+              <a:rPr lang="en-US" smtClean="0"/>
+              <a:t>8/5/2019</a:t>
+            </a:fld>
+            <a:endParaRPr lang="en-US"/>
+          </a:p>
+        </p:txBody>
+      </p:sp>
+      <p:sp>
+        <p:nvSpPr>
+          <p:cNvPr id="4" name="Slide Image Placeholder 3"/>
+          <p:cNvSpPr>
+            <a:spLocks noGrp="1" noRot="1" noChangeAspect="1"/>
+          </p:cNvSpPr>
+          <p:nvPr>
+            <p:ph type="sldImg" idx="2"/>
+          </p:nvPr>
+        </p:nvSpPr>
+        <p:spPr>
+          <a:xfrm>
+            <a:off x="869950" y="1257300"/>
+            <a:ext cx="6032500" cy="3394075"/>
+          </a:xfrm>
+          <a:prstGeom prst="rect">
+            <a:avLst/>
+          </a:prstGeom>
+          <a:noFill/>
+          <a:ln w="12700">
+            <a:solidFill>
+              <a:prstClr val="black"/>
+            </a:solidFill>
+          </a:ln>
+        </p:spPr>
+        <p:txBody>
+          <a:bodyPr vert="horz" lIns="91440" tIns="45720" rIns="91440" bIns="45720" rtlCol="0" anchor="ctr"/>
+          <a:lstStyle/>
+          <a:p>
+            <a:endParaRPr lang="en-US"/>
+          </a:p>
+        </p:txBody>
+      </p:sp>
+      <p:sp>
+        <p:nvSpPr>
+          <p:cNvPr id="5" name="Notes Placeholder 4"/>
+          <p:cNvSpPr>
+            <a:spLocks noGrp="1"/>
+          </p:cNvSpPr>
+          <p:nvPr>
+            <p:ph type="body" sz="quarter" idx="3"/>
+          </p:nvPr>
+        </p:nvSpPr>
+        <p:spPr>
+          <a:xfrm>
+            <a:off x="777875" y="4840288"/>
+            <a:ext cx="6216650" cy="3960812"/>
+          </a:xfrm>
+          <a:prstGeom prst="rect">
+            <a:avLst/>
+          </a:prstGeom>
+        </p:spPr>
+        <p:txBody>
+          <a:bodyPr vert="horz" lIns="91440" tIns="45720" rIns="91440" bIns="45720" rtlCol="0"/>
+          <a:lstStyle/>
+          <a:p>
+            <a:pPr lvl="0"/>
+            <a:r>
+              <a:rPr lang="en-US"/>
+              <a:t>Edit Master text styles</a:t>
+            </a:r>
+          </a:p>
+          <a:p>
+            <a:pPr lvl="1"/>
+            <a:r>
+              <a:rPr lang="en-US"/>
+              <a:t>Second level</a:t>
+            </a:r>
+          </a:p>
+          <a:p>
+            <a:pPr lvl="2"/>
+            <a:r>
+              <a:rPr lang="en-US"/>
+              <a:t>Third level</a:t>
+            </a:r>
+          </a:p>
+          <a:p>
+            <a:pPr lvl="3"/>
+            <a:r>
+              <a:rPr lang="en-US"/>
+              <a:t>Fourth level</a:t>
+            </a:r>
+          </a:p>
+          <a:p>
+            <a:pPr lvl="4"/>
+            <a:r>
+              <a:rPr lang="en-US"/>
+              <a:t>Fifth level</a:t>
+            </a:r>
+          </a:p>
+        </p:txBody>
+      </p:sp>
+      <p:sp>
+        <p:nvSpPr>
+          <p:cNvPr id="6" name="Footer Placeholder 5"/>
+          <p:cNvSpPr>
+            <a:spLocks noGrp="1"/>
+          </p:cNvSpPr>
+          <p:nvPr>
+            <p:ph type="ftr" sz="quarter" idx="4"/>
+          </p:nvPr>
+        </p:nvSpPr>
+        <p:spPr>
+          <a:xfrm>
+            <a:off x="0" y="9553575"/>
+            <a:ext cx="3368675" cy="504825"/>
+          </a:xfrm>
+          <a:prstGeom prst="rect">
+            <a:avLst/>
+          </a:prstGeom>
+        </p:spPr>
+        <p:txBody>
+          <a:bodyPr vert="horz" lIns="91440" tIns="45720" rIns="91440" bIns="45720" rtlCol="0" anchor="b"/>
+          <a:lstStyle>
+            <a:lvl1pPr algn="l">
+              <a:defRPr sz="1200"/>
+            </a:lvl1pPr>
+          </a:lstStyle>
+          <a:p>
+            <a:endParaRPr lang="en-US"/>
+          </a:p>
+        </p:txBody>
+      </p:sp>
+      <p:sp>
+        <p:nvSpPr>
+          <p:cNvPr id="7" name="Slide Number Placeholder 6"/>
+          <p:cNvSpPr>
+            <a:spLocks noGrp="1"/>
+          </p:cNvSpPr>
+          <p:nvPr>
+            <p:ph type="sldNum" sz="quarter" idx="5"/>
+          </p:nvPr>
+        </p:nvSpPr>
+        <p:spPr>
+          <a:xfrm>
+            <a:off x="4402138" y="9553575"/>
+            <a:ext cx="3368675" cy="504825"/>
+          </a:xfrm>
+          <a:prstGeom prst="rect">
+            <a:avLst/>
+          </a:prstGeom>
+        </p:spPr>
+        <p:txBody>
+          <a:bodyPr vert="horz" lIns="91440" tIns="45720" rIns="91440" bIns="45720" rtlCol="0" anchor="b"/>
+          <a:lstStyle>
+            <a:lvl1pPr algn="r">
+              <a:defRPr sz="1200"/>
+            </a:lvl1pPr>
+          </a:lstStyle>
+          <a:p>
+            <a:fld id="{FC72BE35-60C8-41DF-BBFB-CB981CED0048}" type="slidenum">
+              <a:rPr lang="en-US" smtClean="0"/>
+              <a:t>‹#›</a:t>
+            </a:fld>
+            <a:endParaRPr lang="en-US"/>
+          </a:p>
+        </p:txBody>
+      </p:sp>
+    </p:spTree>
+    <p:extLst>
+      <p:ext uri="{BB962C8B-B14F-4D97-AF65-F5344CB8AC3E}">
+        <p14:creationId xmlns:p14="http://schemas.microsoft.com/office/powerpoint/2010/main" val="712059766"/>
+      </p:ext>
+    </p:extLst>
+  </p:cSld>
+  <p:clrMap bg1="lt1" tx1="dk1" bg2="lt2" tx2="dk2" accent1="accent1" accent2="accent2" accent3="accent3" accent4="accent4" accent5="accent5" accent6="accent6" hlink="hlink" folHlink="folHlink"/>
+  <p:notesStyle>
+    <a:lvl1pPr marL="0" algn="l" defTabSz="914400" rtl="0" eaLnBrk="1" latinLnBrk="0" hangingPunct="1">
+      <a:defRPr sz="1200" kern="1200">
+        <a:solidFill>
+          <a:schemeClr val="tx1"/>
+        </a:solidFill>
+        <a:latin typeface="+mn-lt"/>
+        <a:ea typeface="+mn-ea"/>
+        <a:cs typeface="+mn-cs"/>
+      </a:defRPr>
+    </a:lvl1pPr>
+    <a:lvl2pPr marL="457200" algn="l" defTabSz="914400" rtl="0" eaLnBrk="1" latinLnBrk="0" hangingPunct="1">
+      <a:defRPr sz="1200" kern="1200">
+        <a:solidFill>
+          <a:schemeClr val="tx1"/>
+        </a:solidFill>
+        <a:latin typeface="+mn-lt"/>
+        <a:ea typeface="+mn-ea"/>
+        <a:cs typeface="+mn-cs"/>
+      </a:defRPr>
+    </a:lvl2pPr>
+    <a:lvl3pPr marL="914400" algn="l" defTabSz="914400" rtl="0" eaLnBrk="1" latinLnBrk="0" hangingPunct="1">
+      <a:defRPr sz="1200" kern="1200">
+        <a:solidFill>
+          <a:schemeClr val="tx1"/>
+        </a:solidFill>
+        <a:latin typeface="+mn-lt"/>
+        <a:ea typeface="+mn-ea"/>
+        <a:cs typeface="+mn-cs"/>
+      </a:defRPr>
+    </a:lvl3pPr>
+    <a:lvl4pPr marL="1371600" algn="l" defTabSz="914400" rtl="0" eaLnBrk="1" latinLnBrk="0" hangingPunct="1">
+      <a:defRPr sz="1200" kern="1200">
+        <a:solidFill>
+          <a:schemeClr val="tx1"/>
+        </a:solidFill>
+        <a:latin typeface="+mn-lt"/>
+        <a:ea typeface="+mn-ea"/>
+        <a:cs typeface="+mn-cs"/>
+      </a:defRPr>
+    </a:lvl4pPr>
+    <a:lvl5pPr marL="1828800" algn="l" defTabSz="914400" rtl="0" eaLnBrk="1" latinLnBrk="0" hangingPunct="1">
+      <a:defRPr sz="1200" kern="1200">
+        <a:solidFill>
+          <a:schemeClr val="tx1"/>
+        </a:solidFill>
+        <a:latin typeface="+mn-lt"/>
+        <a:ea typeface="+mn-ea"/>
+        <a:cs typeface="+mn-cs"/>
+      </a:defRPr>
+    </a:lvl5pPr>
+    <a:lvl6pPr marL="2286000" algn="l" defTabSz="914400" rtl="0" eaLnBrk="1" latinLnBrk="0" hangingPunct="1">
+      <a:defRPr sz="1200" kern="1200">
+        <a:solidFill>
+          <a:schemeClr val="tx1"/>
+        </a:solidFill>
+        <a:latin typeface="+mn-lt"/>
+        <a:ea typeface="+mn-ea"/>
+        <a:cs typeface="+mn-cs"/>
+      </a:defRPr>
+    </a:lvl6pPr>
+    <a:lvl7pPr marL="2743200" algn="l" defTabSz="914400" rtl="0" eaLnBrk="1" latinLnBrk="0" hangingPunct="1">
+      <a:defRPr sz="1200" kern="1200">
+        <a:solidFill>
+          <a:schemeClr val="tx1"/>
+        </a:solidFill>
+        <a:latin typeface="+mn-lt"/>
+        <a:ea typeface="+mn-ea"/>
+        <a:cs typeface="+mn-cs"/>
+      </a:defRPr>
+    </a:lvl7pPr>
+    <a:lvl8pPr marL="3200400" algn="l" defTabSz="914400" rtl="0" eaLnBrk="1" latinLnBrk="0" hangingPunct="1">
+      <a:defRPr sz="1200" kern="1200">
+        <a:solidFill>
+          <a:schemeClr val="tx1"/>
+        </a:solidFill>
+        <a:latin typeface="+mn-lt"/>
+        <a:ea typeface="+mn-ea"/>
+        <a:cs typeface="+mn-cs"/>
+      </a:defRPr>
+    </a:lvl8pPr>
+    <a:lvl9pPr marL="3657600" algn="l" defTabSz="914400" rtl="0" eaLnBrk="1" latinLnBrk="0" hangingPunct="1">
+      <a:defRPr sz="1200" kern="1200">
+        <a:solidFill>
+          <a:schemeClr val="tx1"/>
+        </a:solidFill>
+        <a:latin typeface="+mn-lt"/>
+        <a:ea typeface="+mn-ea"/>
+        <a:cs typeface="+mn-cs"/>
+      </a:defRPr>
+    </a:lvl9pPr>
+  </p:notesStyle>
+</p:notesMaster>
+</file>
+
+<file path=ppt/notesSlides/notesSlide1.xml><?xml version="1.0" encoding="utf-8"?>
+<p:notes xmlns:a="http://schemas.openxmlformats.org/drawingml/2006/main" xmlns:r="http://schemas.openxmlformats.org/officeDocument/2006/relationships" xmlns:p="http://schemas.openxmlformats.org/presentationml/2006/main">
+  <p:cSld>
+    <p:spTree>
+      <p:nvGrpSpPr>
+        <p:cNvPr id="1" name=""/>
+        <p:cNvGrpSpPr/>
+        <p:nvPr/>
+      </p:nvGrpSpPr>
+      <p:grpSpPr>
+        <a:xfrm>
+          <a:off x="0" y="0"/>
+          <a:ext cx="0" cy="0"/>
+          <a:chOff x="0" y="0"/>
+          <a:chExt cx="0" cy="0"/>
+        </a:xfrm>
+      </p:grpSpPr>
+      <p:sp>
+        <p:nvSpPr>
+          <p:cNvPr id="2" name="Slide Image Placeholder 1"/>
+          <p:cNvSpPr>
+            <a:spLocks noGrp="1" noRot="1" noChangeAspect="1"/>
+          </p:cNvSpPr>
+          <p:nvPr>
+            <p:ph type="sldImg"/>
+          </p:nvPr>
+        </p:nvSpPr>
+        <p:spPr/>
+      </p:sp>
+      <p:sp>
+        <p:nvSpPr>
+          <p:cNvPr id="3" name="Notes Placeholder 2"/>
+          <p:cNvSpPr>
+            <a:spLocks noGrp="1"/>
+          </p:cNvSpPr>
+          <p:nvPr>
+            <p:ph type="body" idx="1"/>
+          </p:nvPr>
+        </p:nvSpPr>
+        <p:spPr/>
+        <p:txBody>
+          <a:bodyPr/>
+          <a:lstStyle/>
+          <a:p>
+            <a:endParaRPr lang="en-US" dirty="0"/>
+          </a:p>
+        </p:txBody>
+      </p:sp>
+      <p:sp>
+        <p:nvSpPr>
+          <p:cNvPr id="4" name="Slide Number Placeholder 3"/>
+          <p:cNvSpPr>
+            <a:spLocks noGrp="1"/>
+          </p:cNvSpPr>
+          <p:nvPr>
+            <p:ph type="sldNum" sz="quarter" idx="10"/>
+          </p:nvPr>
+        </p:nvSpPr>
+        <p:spPr/>
+        <p:txBody>
+          <a:bodyPr/>
+          <a:lstStyle/>
+          <a:p>
+            <a:fld id="{FC72BE35-60C8-41DF-BBFB-CB981CED0048}" type="slidenum">
+              <a:rPr lang="en-US" smtClean="0"/>
+              <a:t>2</a:t>
+            </a:fld>
+            <a:endParaRPr lang="en-US"/>
+          </a:p>
+        </p:txBody>
+      </p:sp>
+    </p:spTree>
+    <p:extLst>
+      <p:ext uri="{BB962C8B-B14F-4D97-AF65-F5344CB8AC3E}">
+        <p14:creationId xmlns:p14="http://schemas.microsoft.com/office/powerpoint/2010/main" val="3150315498"/>
+      </p:ext>
+    </p:extLst>
+  </p:cSld>
+  <p:clrMapOvr>
+    <a:masterClrMapping/>
+  </p:clrMapOvr>
+</p:notes>
+</file>
+
 <file path=ppt/slideLayouts/slideLayout1.xml><?xml version="1.0" encoding="utf-8"?>
-<p:sldLayout xmlns:a="http://schemas.openxmlformats.org/drawingml/2006/main" xmlns:p="http://schemas.openxmlformats.org/presentationml/2006/main" xmlns:r="http://schemas.openxmlformats.org/officeDocument/2006/relationships" xmlns:p14="http://schemas.microsoft.com/office/powerpoint/2010/main" xmlns:p15="http://schemas.microsoft.com/office/powerpoint/2012/main" xmlns:mc="http://schemas.openxmlformats.org/markup-compatibility/2006" type="blank" preserve="1">
+<p:sldLayout xmlns:a="http://schemas.openxmlformats.org/drawingml/2006/main" xmlns:r="http://schemas.openxmlformats.org/officeDocument/2006/relationships" xmlns:p="http://schemas.openxmlformats.org/presentationml/2006/main" type="blank" preserve="1">
   <p:cSld name="Blank Slide">
     <p:spTree>
       <p:nvGrpSpPr>
@@ -38,11 +582,14 @@
       </p:grpSpPr>
     </p:spTree>
   </p:cSld>
+  <p:clrMapOvr>
+    <a:masterClrMapping/>
+  </p:clrMapOvr>
 </p:sldLayout>
 </file>
 
 <file path=ppt/slideLayouts/slideLayout10.xml><?xml version="1.0" encoding="utf-8"?>
-<p:sldLayout xmlns:a="http://schemas.openxmlformats.org/drawingml/2006/main" xmlns:p="http://schemas.openxmlformats.org/presentationml/2006/main" xmlns:r="http://schemas.openxmlformats.org/officeDocument/2006/relationships" xmlns:p14="http://schemas.microsoft.com/office/powerpoint/2010/main" xmlns:p15="http://schemas.microsoft.com/office/powerpoint/2012/main" xmlns:mc="http://schemas.openxmlformats.org/markup-compatibility/2006" type="objOverTx" preserve="1">
+<p:sldLayout xmlns:a="http://schemas.openxmlformats.org/drawingml/2006/main" xmlns:r="http://schemas.openxmlformats.org/officeDocument/2006/relationships" xmlns:p="http://schemas.openxmlformats.org/presentationml/2006/main" type="objOverTx" preserve="1">
   <p:cSld name="Title, Content over Content">
     <p:spTree>
       <p:nvGrpSpPr>
@@ -78,9 +625,10 @@
           </a:prstGeom>
         </p:spPr>
         <p:txBody>
-          <a:bodyPr lIns="0" rIns="0" tIns="0" bIns="0" anchor="ctr"/>
-          <a:p>
-            <a:endParaRPr b="0" lang="en-US" sz="1800" spc="-1" strike="noStrike">
+          <a:bodyPr lIns="0" tIns="0" rIns="0" bIns="0" anchor="ctr"/>
+          <a:lstStyle/>
+          <a:p>
+            <a:endParaRPr lang="en-US" sz="1800" b="0" strike="noStrike" spc="-1">
               <a:solidFill>
                 <a:srgbClr val="000000"/>
               </a:solidFill>
@@ -109,11 +657,12 @@
           </a:prstGeom>
         </p:spPr>
         <p:txBody>
-          <a:bodyPr lIns="0" rIns="0" tIns="0" bIns="0">
+          <a:bodyPr lIns="0" tIns="0" rIns="0" bIns="0">
             <a:normAutofit/>
           </a:bodyPr>
-          <a:p>
-            <a:endParaRPr b="0" lang="en-US" sz="2000" spc="-1" strike="noStrike">
+          <a:lstStyle/>
+          <a:p>
+            <a:endParaRPr lang="en-US" sz="2000" b="0" strike="noStrike" spc="-1">
               <a:solidFill>
                 <a:srgbClr val="595959"/>
               </a:solidFill>
@@ -142,11 +691,12 @@
           </a:prstGeom>
         </p:spPr>
         <p:txBody>
-          <a:bodyPr lIns="0" rIns="0" tIns="0" bIns="0">
+          <a:bodyPr lIns="0" tIns="0" rIns="0" bIns="0">
             <a:normAutofit/>
           </a:bodyPr>
-          <a:p>
-            <a:endParaRPr b="0" lang="en-US" sz="2000" spc="-1" strike="noStrike">
+          <a:lstStyle/>
+          <a:p>
+            <a:endParaRPr lang="en-US" sz="2000" b="0" strike="noStrike" spc="-1">
               <a:solidFill>
                 <a:srgbClr val="595959"/>
               </a:solidFill>
@@ -157,11 +707,14 @@
       </p:sp>
     </p:spTree>
   </p:cSld>
+  <p:clrMapOvr>
+    <a:masterClrMapping/>
+  </p:clrMapOvr>
 </p:sldLayout>
 </file>
 
 <file path=ppt/slideLayouts/slideLayout11.xml><?xml version="1.0" encoding="utf-8"?>
-<p:sldLayout xmlns:a="http://schemas.openxmlformats.org/drawingml/2006/main" xmlns:p="http://schemas.openxmlformats.org/presentationml/2006/main" xmlns:r="http://schemas.openxmlformats.org/officeDocument/2006/relationships" xmlns:p14="http://schemas.microsoft.com/office/powerpoint/2010/main" xmlns:p15="http://schemas.microsoft.com/office/powerpoint/2012/main" xmlns:mc="http://schemas.openxmlformats.org/markup-compatibility/2006" type="fourObj" preserve="1">
+<p:sldLayout xmlns:a="http://schemas.openxmlformats.org/drawingml/2006/main" xmlns:r="http://schemas.openxmlformats.org/officeDocument/2006/relationships" xmlns:p="http://schemas.openxmlformats.org/presentationml/2006/main" type="fourObj" preserve="1">
   <p:cSld name="Title, 4 Content">
     <p:spTree>
       <p:nvGrpSpPr>
@@ -197,9 +750,10 @@
           </a:prstGeom>
         </p:spPr>
         <p:txBody>
-          <a:bodyPr lIns="0" rIns="0" tIns="0" bIns="0" anchor="ctr"/>
-          <a:p>
-            <a:endParaRPr b="0" lang="en-US" sz="1800" spc="-1" strike="noStrike">
+          <a:bodyPr lIns="0" tIns="0" rIns="0" bIns="0" anchor="ctr"/>
+          <a:lstStyle/>
+          <a:p>
+            <a:endParaRPr lang="en-US" sz="1800" b="0" strike="noStrike" spc="-1">
               <a:solidFill>
                 <a:srgbClr val="000000"/>
               </a:solidFill>
@@ -228,11 +782,12 @@
           </a:prstGeom>
         </p:spPr>
         <p:txBody>
-          <a:bodyPr lIns="0" rIns="0" tIns="0" bIns="0">
+          <a:bodyPr lIns="0" tIns="0" rIns="0" bIns="0">
             <a:normAutofit/>
           </a:bodyPr>
-          <a:p>
-            <a:endParaRPr b="0" lang="en-US" sz="2000" spc="-1" strike="noStrike">
+          <a:lstStyle/>
+          <a:p>
+            <a:endParaRPr lang="en-US" sz="2000" b="0" strike="noStrike" spc="-1">
               <a:solidFill>
                 <a:srgbClr val="595959"/>
               </a:solidFill>
@@ -261,11 +816,12 @@
           </a:prstGeom>
         </p:spPr>
         <p:txBody>
-          <a:bodyPr lIns="0" rIns="0" tIns="0" bIns="0">
+          <a:bodyPr lIns="0" tIns="0" rIns="0" bIns="0">
             <a:normAutofit/>
           </a:bodyPr>
-          <a:p>
-            <a:endParaRPr b="0" lang="en-US" sz="2000" spc="-1" strike="noStrike">
+          <a:lstStyle/>
+          <a:p>
+            <a:endParaRPr lang="en-US" sz="2000" b="0" strike="noStrike" spc="-1">
               <a:solidFill>
                 <a:srgbClr val="595959"/>
               </a:solidFill>
@@ -294,11 +850,12 @@
           </a:prstGeom>
         </p:spPr>
         <p:txBody>
-          <a:bodyPr lIns="0" rIns="0" tIns="0" bIns="0">
+          <a:bodyPr lIns="0" tIns="0" rIns="0" bIns="0">
             <a:normAutofit/>
           </a:bodyPr>
-          <a:p>
-            <a:endParaRPr b="0" lang="en-US" sz="2000" spc="-1" strike="noStrike">
+          <a:lstStyle/>
+          <a:p>
+            <a:endParaRPr lang="en-US" sz="2000" b="0" strike="noStrike" spc="-1">
               <a:solidFill>
                 <a:srgbClr val="595959"/>
               </a:solidFill>
@@ -327,11 +884,12 @@
           </a:prstGeom>
         </p:spPr>
         <p:txBody>
-          <a:bodyPr lIns="0" rIns="0" tIns="0" bIns="0">
+          <a:bodyPr lIns="0" tIns="0" rIns="0" bIns="0">
             <a:normAutofit/>
           </a:bodyPr>
-          <a:p>
-            <a:endParaRPr b="0" lang="en-US" sz="2000" spc="-1" strike="noStrike">
+          <a:lstStyle/>
+          <a:p>
+            <a:endParaRPr lang="en-US" sz="2000" b="0" strike="noStrike" spc="-1">
               <a:solidFill>
                 <a:srgbClr val="595959"/>
               </a:solidFill>
@@ -342,11 +900,14 @@
       </p:sp>
     </p:spTree>
   </p:cSld>
+  <p:clrMapOvr>
+    <a:masterClrMapping/>
+  </p:clrMapOvr>
 </p:sldLayout>
 </file>
 
 <file path=ppt/slideLayouts/slideLayout12.xml><?xml version="1.0" encoding="utf-8"?>
-<p:sldLayout xmlns:a="http://schemas.openxmlformats.org/drawingml/2006/main" xmlns:p="http://schemas.openxmlformats.org/presentationml/2006/main" xmlns:r="http://schemas.openxmlformats.org/officeDocument/2006/relationships" xmlns:p14="http://schemas.microsoft.com/office/powerpoint/2010/main" xmlns:p15="http://schemas.microsoft.com/office/powerpoint/2012/main" xmlns:mc="http://schemas.openxmlformats.org/markup-compatibility/2006" type="blank" preserve="1">
+<p:sldLayout xmlns:a="http://schemas.openxmlformats.org/drawingml/2006/main" xmlns:r="http://schemas.openxmlformats.org/officeDocument/2006/relationships" xmlns:p="http://schemas.openxmlformats.org/presentationml/2006/main" type="blank" preserve="1">
   <p:cSld name="Title, 6 Content">
     <p:spTree>
       <p:nvGrpSpPr>
@@ -382,9 +943,10 @@
           </a:prstGeom>
         </p:spPr>
         <p:txBody>
-          <a:bodyPr lIns="0" rIns="0" tIns="0" bIns="0" anchor="ctr"/>
-          <a:p>
-            <a:endParaRPr b="0" lang="en-US" sz="1800" spc="-1" strike="noStrike">
+          <a:bodyPr lIns="0" tIns="0" rIns="0" bIns="0" anchor="ctr"/>
+          <a:lstStyle/>
+          <a:p>
+            <a:endParaRPr lang="en-US" sz="1800" b="0" strike="noStrike" spc="-1">
               <a:solidFill>
                 <a:srgbClr val="000000"/>
               </a:solidFill>
@@ -413,11 +975,12 @@
           </a:prstGeom>
         </p:spPr>
         <p:txBody>
-          <a:bodyPr lIns="0" rIns="0" tIns="0" bIns="0">
+          <a:bodyPr lIns="0" tIns="0" rIns="0" bIns="0">
             <a:normAutofit/>
           </a:bodyPr>
-          <a:p>
-            <a:endParaRPr b="0" lang="en-US" sz="2000" spc="-1" strike="noStrike">
+          <a:lstStyle/>
+          <a:p>
+            <a:endParaRPr lang="en-US" sz="2000" b="0" strike="noStrike" spc="-1">
               <a:solidFill>
                 <a:srgbClr val="595959"/>
               </a:solidFill>
@@ -446,11 +1009,12 @@
           </a:prstGeom>
         </p:spPr>
         <p:txBody>
-          <a:bodyPr lIns="0" rIns="0" tIns="0" bIns="0">
+          <a:bodyPr lIns="0" tIns="0" rIns="0" bIns="0">
             <a:normAutofit/>
           </a:bodyPr>
-          <a:p>
-            <a:endParaRPr b="0" lang="en-US" sz="2000" spc="-1" strike="noStrike">
+          <a:lstStyle/>
+          <a:p>
+            <a:endParaRPr lang="en-US" sz="2000" b="0" strike="noStrike" spc="-1">
               <a:solidFill>
                 <a:srgbClr val="595959"/>
               </a:solidFill>
@@ -479,11 +1043,12 @@
           </a:prstGeom>
         </p:spPr>
         <p:txBody>
-          <a:bodyPr lIns="0" rIns="0" tIns="0" bIns="0">
+          <a:bodyPr lIns="0" tIns="0" rIns="0" bIns="0">
             <a:normAutofit/>
           </a:bodyPr>
-          <a:p>
-            <a:endParaRPr b="0" lang="en-US" sz="2000" spc="-1" strike="noStrike">
+          <a:lstStyle/>
+          <a:p>
+            <a:endParaRPr lang="en-US" sz="2000" b="0" strike="noStrike" spc="-1">
               <a:solidFill>
                 <a:srgbClr val="595959"/>
               </a:solidFill>
@@ -512,11 +1077,12 @@
           </a:prstGeom>
         </p:spPr>
         <p:txBody>
-          <a:bodyPr lIns="0" rIns="0" tIns="0" bIns="0">
+          <a:bodyPr lIns="0" tIns="0" rIns="0" bIns="0">
             <a:normAutofit/>
           </a:bodyPr>
-          <a:p>
-            <a:endParaRPr b="0" lang="en-US" sz="2000" spc="-1" strike="noStrike">
+          <a:lstStyle/>
+          <a:p>
+            <a:endParaRPr lang="en-US" sz="2000" b="0" strike="noStrike" spc="-1">
               <a:solidFill>
                 <a:srgbClr val="595959"/>
               </a:solidFill>
@@ -545,11 +1111,12 @@
           </a:prstGeom>
         </p:spPr>
         <p:txBody>
-          <a:bodyPr lIns="0" rIns="0" tIns="0" bIns="0">
+          <a:bodyPr lIns="0" tIns="0" rIns="0" bIns="0">
             <a:normAutofit/>
           </a:bodyPr>
-          <a:p>
-            <a:endParaRPr b="0" lang="en-US" sz="2000" spc="-1" strike="noStrike">
+          <a:lstStyle/>
+          <a:p>
+            <a:endParaRPr lang="en-US" sz="2000" b="0" strike="noStrike" spc="-1">
               <a:solidFill>
                 <a:srgbClr val="595959"/>
               </a:solidFill>
@@ -578,11 +1145,12 @@
           </a:prstGeom>
         </p:spPr>
         <p:txBody>
-          <a:bodyPr lIns="0" rIns="0" tIns="0" bIns="0">
+          <a:bodyPr lIns="0" tIns="0" rIns="0" bIns="0">
             <a:normAutofit/>
           </a:bodyPr>
-          <a:p>
-            <a:endParaRPr b="0" lang="en-US" sz="2000" spc="-1" strike="noStrike">
+          <a:lstStyle/>
+          <a:p>
+            <a:endParaRPr lang="en-US" sz="2000" b="0" strike="noStrike" spc="-1">
               <a:solidFill>
                 <a:srgbClr val="595959"/>
               </a:solidFill>
@@ -593,11 +1161,14 @@
       </p:sp>
     </p:spTree>
   </p:cSld>
+  <p:clrMapOvr>
+    <a:masterClrMapping/>
+  </p:clrMapOvr>
 </p:sldLayout>
 </file>
 
 <file path=ppt/slideLayouts/slideLayout13.xml><?xml version="1.0" encoding="utf-8"?>
-<p:sldLayout xmlns:a="http://schemas.openxmlformats.org/drawingml/2006/main" xmlns:p="http://schemas.openxmlformats.org/presentationml/2006/main" xmlns:r="http://schemas.openxmlformats.org/officeDocument/2006/relationships" xmlns:p14="http://schemas.microsoft.com/office/powerpoint/2010/main" xmlns:p15="http://schemas.microsoft.com/office/powerpoint/2012/main" xmlns:mc="http://schemas.openxmlformats.org/markup-compatibility/2006" type="blank" preserve="1">
+<p:sldLayout xmlns:a="http://schemas.openxmlformats.org/drawingml/2006/main" xmlns:r="http://schemas.openxmlformats.org/officeDocument/2006/relationships" xmlns:p="http://schemas.openxmlformats.org/presentationml/2006/main" type="blank" preserve="1">
   <p:cSld name="Blank Slide">
     <p:spTree>
       <p:nvGrpSpPr>
@@ -615,11 +1186,14 @@
       </p:grpSpPr>
     </p:spTree>
   </p:cSld>
+  <p:clrMapOvr>
+    <a:masterClrMapping/>
+  </p:clrMapOvr>
 </p:sldLayout>
 </file>
 
 <file path=ppt/slideLayouts/slideLayout14.xml><?xml version="1.0" encoding="utf-8"?>
-<p:sldLayout xmlns:a="http://schemas.openxmlformats.org/drawingml/2006/main" xmlns:p="http://schemas.openxmlformats.org/presentationml/2006/main" xmlns:r="http://schemas.openxmlformats.org/officeDocument/2006/relationships" xmlns:p14="http://schemas.microsoft.com/office/powerpoint/2010/main" xmlns:p15="http://schemas.microsoft.com/office/powerpoint/2012/main" xmlns:mc="http://schemas.openxmlformats.org/markup-compatibility/2006" type="tx" preserve="1">
+<p:sldLayout xmlns:a="http://schemas.openxmlformats.org/drawingml/2006/main" xmlns:r="http://schemas.openxmlformats.org/officeDocument/2006/relationships" xmlns:p="http://schemas.openxmlformats.org/presentationml/2006/main" type="tx" preserve="1">
   <p:cSld name="Title Slide">
     <p:spTree>
       <p:nvGrpSpPr>
@@ -655,9 +1229,10 @@
           </a:prstGeom>
         </p:spPr>
         <p:txBody>
-          <a:bodyPr lIns="0" rIns="0" tIns="0" bIns="0" anchor="ctr"/>
-          <a:p>
-            <a:endParaRPr b="0" lang="en-US" sz="1800" spc="-1" strike="noStrike">
+          <a:bodyPr lIns="0" tIns="0" rIns="0" bIns="0" anchor="ctr"/>
+          <a:lstStyle/>
+          <a:p>
+            <a:endParaRPr lang="en-US" sz="1800" b="0" strike="noStrike" spc="-1">
               <a:solidFill>
                 <a:srgbClr val="000000"/>
               </a:solidFill>
@@ -686,10 +1261,11 @@
           </a:prstGeom>
         </p:spPr>
         <p:txBody>
-          <a:bodyPr lIns="0" rIns="0" tIns="0" bIns="0" anchor="ctr"/>
+          <a:bodyPr lIns="0" tIns="0" rIns="0" bIns="0" anchor="ctr"/>
+          <a:lstStyle/>
           <a:p>
             <a:pPr algn="ctr"/>
-            <a:endParaRPr b="0" lang="en-US" sz="3200" spc="-1" strike="noStrike">
+            <a:endParaRPr lang="en-US" sz="3200" b="0" strike="noStrike" spc="-1">
               <a:latin typeface="Arial"/>
             </a:endParaRPr>
           </a:p>
@@ -697,11 +1273,14 @@
       </p:sp>
     </p:spTree>
   </p:cSld>
+  <p:clrMapOvr>
+    <a:masterClrMapping/>
+  </p:clrMapOvr>
 </p:sldLayout>
 </file>
 
 <file path=ppt/slideLayouts/slideLayout15.xml><?xml version="1.0" encoding="utf-8"?>
-<p:sldLayout xmlns:a="http://schemas.openxmlformats.org/drawingml/2006/main" xmlns:p="http://schemas.openxmlformats.org/presentationml/2006/main" xmlns:r="http://schemas.openxmlformats.org/officeDocument/2006/relationships" xmlns:p14="http://schemas.microsoft.com/office/powerpoint/2010/main" xmlns:p15="http://schemas.microsoft.com/office/powerpoint/2012/main" xmlns:mc="http://schemas.openxmlformats.org/markup-compatibility/2006" type="obj" preserve="1">
+<p:sldLayout xmlns:a="http://schemas.openxmlformats.org/drawingml/2006/main" xmlns:r="http://schemas.openxmlformats.org/officeDocument/2006/relationships" xmlns:p="http://schemas.openxmlformats.org/presentationml/2006/main" type="obj" preserve="1">
   <p:cSld name="Title, Content">
     <p:spTree>
       <p:nvGrpSpPr>
@@ -737,9 +1316,10 @@
           </a:prstGeom>
         </p:spPr>
         <p:txBody>
-          <a:bodyPr lIns="0" rIns="0" tIns="0" bIns="0" anchor="ctr"/>
-          <a:p>
-            <a:endParaRPr b="0" lang="en-US" sz="1800" spc="-1" strike="noStrike">
+          <a:bodyPr lIns="0" tIns="0" rIns="0" bIns="0" anchor="ctr"/>
+          <a:lstStyle/>
+          <a:p>
+            <a:endParaRPr lang="en-US" sz="1800" b="0" strike="noStrike" spc="-1">
               <a:solidFill>
                 <a:srgbClr val="000000"/>
               </a:solidFill>
@@ -768,11 +1348,12 @@
           </a:prstGeom>
         </p:spPr>
         <p:txBody>
-          <a:bodyPr lIns="0" rIns="0" tIns="0" bIns="0">
+          <a:bodyPr lIns="0" tIns="0" rIns="0" bIns="0">
             <a:normAutofit/>
           </a:bodyPr>
-          <a:p>
-            <a:endParaRPr b="0" lang="en-US" sz="2000" spc="-1" strike="noStrike">
+          <a:lstStyle/>
+          <a:p>
+            <a:endParaRPr lang="en-US" sz="2000" b="0" strike="noStrike" spc="-1">
               <a:solidFill>
                 <a:srgbClr val="595959"/>
               </a:solidFill>
@@ -783,11 +1364,14 @@
       </p:sp>
     </p:spTree>
   </p:cSld>
+  <p:clrMapOvr>
+    <a:masterClrMapping/>
+  </p:clrMapOvr>
 </p:sldLayout>
 </file>
 
 <file path=ppt/slideLayouts/slideLayout16.xml><?xml version="1.0" encoding="utf-8"?>
-<p:sldLayout xmlns:a="http://schemas.openxmlformats.org/drawingml/2006/main" xmlns:p="http://schemas.openxmlformats.org/presentationml/2006/main" xmlns:r="http://schemas.openxmlformats.org/officeDocument/2006/relationships" xmlns:p14="http://schemas.microsoft.com/office/powerpoint/2010/main" xmlns:p15="http://schemas.microsoft.com/office/powerpoint/2012/main" xmlns:mc="http://schemas.openxmlformats.org/markup-compatibility/2006" type="twoObj" preserve="1">
+<p:sldLayout xmlns:a="http://schemas.openxmlformats.org/drawingml/2006/main" xmlns:r="http://schemas.openxmlformats.org/officeDocument/2006/relationships" xmlns:p="http://schemas.openxmlformats.org/presentationml/2006/main" type="twoObj" preserve="1">
   <p:cSld name="Title, 2 Content">
     <p:spTree>
       <p:nvGrpSpPr>
@@ -823,9 +1407,10 @@
           </a:prstGeom>
         </p:spPr>
         <p:txBody>
-          <a:bodyPr lIns="0" rIns="0" tIns="0" bIns="0" anchor="ctr"/>
-          <a:p>
-            <a:endParaRPr b="0" lang="en-US" sz="1800" spc="-1" strike="noStrike">
+          <a:bodyPr lIns="0" tIns="0" rIns="0" bIns="0" anchor="ctr"/>
+          <a:lstStyle/>
+          <a:p>
+            <a:endParaRPr lang="en-US" sz="1800" b="0" strike="noStrike" spc="-1">
               <a:solidFill>
                 <a:srgbClr val="000000"/>
               </a:solidFill>
@@ -854,11 +1439,12 @@
           </a:prstGeom>
         </p:spPr>
         <p:txBody>
-          <a:bodyPr lIns="0" rIns="0" tIns="0" bIns="0">
+          <a:bodyPr lIns="0" tIns="0" rIns="0" bIns="0">
             <a:normAutofit/>
           </a:bodyPr>
-          <a:p>
-            <a:endParaRPr b="0" lang="en-US" sz="2000" spc="-1" strike="noStrike">
+          <a:lstStyle/>
+          <a:p>
+            <a:endParaRPr lang="en-US" sz="2000" b="0" strike="noStrike" spc="-1">
               <a:solidFill>
                 <a:srgbClr val="595959"/>
               </a:solidFill>
@@ -887,11 +1473,12 @@
           </a:prstGeom>
         </p:spPr>
         <p:txBody>
-          <a:bodyPr lIns="0" rIns="0" tIns="0" bIns="0">
+          <a:bodyPr lIns="0" tIns="0" rIns="0" bIns="0">
             <a:normAutofit/>
           </a:bodyPr>
-          <a:p>
-            <a:endParaRPr b="0" lang="en-US" sz="2000" spc="-1" strike="noStrike">
+          <a:lstStyle/>
+          <a:p>
+            <a:endParaRPr lang="en-US" sz="2000" b="0" strike="noStrike" spc="-1">
               <a:solidFill>
                 <a:srgbClr val="595959"/>
               </a:solidFill>
@@ -902,11 +1489,14 @@
       </p:sp>
     </p:spTree>
   </p:cSld>
+  <p:clrMapOvr>
+    <a:masterClrMapping/>
+  </p:clrMapOvr>
 </p:sldLayout>
 </file>
 
 <file path=ppt/slideLayouts/slideLayout17.xml><?xml version="1.0" encoding="utf-8"?>
-<p:sldLayout xmlns:a="http://schemas.openxmlformats.org/drawingml/2006/main" xmlns:p="http://schemas.openxmlformats.org/presentationml/2006/main" xmlns:r="http://schemas.openxmlformats.org/officeDocument/2006/relationships" xmlns:p14="http://schemas.microsoft.com/office/powerpoint/2010/main" xmlns:p15="http://schemas.microsoft.com/office/powerpoint/2012/main" xmlns:mc="http://schemas.openxmlformats.org/markup-compatibility/2006" type="titleOnly" preserve="1">
+<p:sldLayout xmlns:a="http://schemas.openxmlformats.org/drawingml/2006/main" xmlns:r="http://schemas.openxmlformats.org/officeDocument/2006/relationships" xmlns:p="http://schemas.openxmlformats.org/presentationml/2006/main" type="titleOnly" preserve="1">
   <p:cSld name="Title Only">
     <p:spTree>
       <p:nvGrpSpPr>
@@ -942,9 +1532,10 @@
           </a:prstGeom>
         </p:spPr>
         <p:txBody>
-          <a:bodyPr lIns="0" rIns="0" tIns="0" bIns="0" anchor="ctr"/>
-          <a:p>
-            <a:endParaRPr b="0" lang="en-US" sz="1800" spc="-1" strike="noStrike">
+          <a:bodyPr lIns="0" tIns="0" rIns="0" bIns="0" anchor="ctr"/>
+          <a:lstStyle/>
+          <a:p>
+            <a:endParaRPr lang="en-US" sz="1800" b="0" strike="noStrike" spc="-1">
               <a:solidFill>
                 <a:srgbClr val="000000"/>
               </a:solidFill>
@@ -955,11 +1546,14 @@
       </p:sp>
     </p:spTree>
   </p:cSld>
+  <p:clrMapOvr>
+    <a:masterClrMapping/>
+  </p:clrMapOvr>
 </p:sldLayout>
 </file>
 
 <file path=ppt/slideLayouts/slideLayout18.xml><?xml version="1.0" encoding="utf-8"?>
-<p:sldLayout xmlns:a="http://schemas.openxmlformats.org/drawingml/2006/main" xmlns:p="http://schemas.openxmlformats.org/presentationml/2006/main" xmlns:r="http://schemas.openxmlformats.org/officeDocument/2006/relationships" xmlns:p14="http://schemas.microsoft.com/office/powerpoint/2010/main" xmlns:p15="http://schemas.microsoft.com/office/powerpoint/2012/main" xmlns:mc="http://schemas.openxmlformats.org/markup-compatibility/2006" type="objOnly" preserve="1">
+<p:sldLayout xmlns:a="http://schemas.openxmlformats.org/drawingml/2006/main" xmlns:r="http://schemas.openxmlformats.org/officeDocument/2006/relationships" xmlns:p="http://schemas.openxmlformats.org/presentationml/2006/main" type="objOnly" preserve="1">
   <p:cSld name="Centered Text">
     <p:spTree>
       <p:nvGrpSpPr>
@@ -995,10 +1589,11 @@
           </a:prstGeom>
         </p:spPr>
         <p:txBody>
-          <a:bodyPr lIns="0" rIns="0" tIns="0" bIns="0" anchor="ctr"/>
+          <a:bodyPr lIns="0" tIns="0" rIns="0" bIns="0" anchor="ctr"/>
+          <a:lstStyle/>
           <a:p>
             <a:pPr algn="ctr"/>
-            <a:endParaRPr b="0" lang="en-US" sz="3200" spc="-1" strike="noStrike">
+            <a:endParaRPr lang="en-US" sz="3200" b="0" strike="noStrike" spc="-1">
               <a:latin typeface="Arial"/>
             </a:endParaRPr>
           </a:p>
@@ -1006,11 +1601,14 @@
       </p:sp>
     </p:spTree>
   </p:cSld>
+  <p:clrMapOvr>
+    <a:masterClrMapping/>
+  </p:clrMapOvr>
 </p:sldLayout>
 </file>
 
 <file path=ppt/slideLayouts/slideLayout19.xml><?xml version="1.0" encoding="utf-8"?>
-<p:sldLayout xmlns:a="http://schemas.openxmlformats.org/drawingml/2006/main" xmlns:p="http://schemas.openxmlformats.org/presentationml/2006/main" xmlns:r="http://schemas.openxmlformats.org/officeDocument/2006/relationships" xmlns:p14="http://schemas.microsoft.com/office/powerpoint/2010/main" xmlns:p15="http://schemas.microsoft.com/office/powerpoint/2012/main" xmlns:mc="http://schemas.openxmlformats.org/markup-compatibility/2006" type="twoObjAndObj" preserve="1">
+<p:sldLayout xmlns:a="http://schemas.openxmlformats.org/drawingml/2006/main" xmlns:r="http://schemas.openxmlformats.org/officeDocument/2006/relationships" xmlns:p="http://schemas.openxmlformats.org/presentationml/2006/main" type="twoObjAndObj" preserve="1">
   <p:cSld name="Title, 2 Content and Content">
     <p:spTree>
       <p:nvGrpSpPr>
@@ -1046,9 +1644,10 @@
           </a:prstGeom>
         </p:spPr>
         <p:txBody>
-          <a:bodyPr lIns="0" rIns="0" tIns="0" bIns="0" anchor="ctr"/>
-          <a:p>
-            <a:endParaRPr b="0" lang="en-US" sz="1800" spc="-1" strike="noStrike">
+          <a:bodyPr lIns="0" tIns="0" rIns="0" bIns="0" anchor="ctr"/>
+          <a:lstStyle/>
+          <a:p>
+            <a:endParaRPr lang="en-US" sz="1800" b="0" strike="noStrike" spc="-1">
               <a:solidFill>
                 <a:srgbClr val="000000"/>
               </a:solidFill>
@@ -1077,11 +1676,12 @@
           </a:prstGeom>
         </p:spPr>
         <p:txBody>
-          <a:bodyPr lIns="0" rIns="0" tIns="0" bIns="0">
+          <a:bodyPr lIns="0" tIns="0" rIns="0" bIns="0">
             <a:normAutofit/>
           </a:bodyPr>
-          <a:p>
-            <a:endParaRPr b="0" lang="en-US" sz="2000" spc="-1" strike="noStrike">
+          <a:lstStyle/>
+          <a:p>
+            <a:endParaRPr lang="en-US" sz="2000" b="0" strike="noStrike" spc="-1">
               <a:solidFill>
                 <a:srgbClr val="595959"/>
               </a:solidFill>
@@ -1110,11 +1710,12 @@
           </a:prstGeom>
         </p:spPr>
         <p:txBody>
-          <a:bodyPr lIns="0" rIns="0" tIns="0" bIns="0">
+          <a:bodyPr lIns="0" tIns="0" rIns="0" bIns="0">
             <a:normAutofit/>
           </a:bodyPr>
-          <a:p>
-            <a:endParaRPr b="0" lang="en-US" sz="2000" spc="-1" strike="noStrike">
+          <a:lstStyle/>
+          <a:p>
+            <a:endParaRPr lang="en-US" sz="2000" b="0" strike="noStrike" spc="-1">
               <a:solidFill>
                 <a:srgbClr val="595959"/>
               </a:solidFill>
@@ -1143,11 +1744,12 @@
           </a:prstGeom>
         </p:spPr>
         <p:txBody>
-          <a:bodyPr lIns="0" rIns="0" tIns="0" bIns="0">
+          <a:bodyPr lIns="0" tIns="0" rIns="0" bIns="0">
             <a:normAutofit/>
           </a:bodyPr>
-          <a:p>
-            <a:endParaRPr b="0" lang="en-US" sz="2000" spc="-1" strike="noStrike">
+          <a:lstStyle/>
+          <a:p>
+            <a:endParaRPr lang="en-US" sz="2000" b="0" strike="noStrike" spc="-1">
               <a:solidFill>
                 <a:srgbClr val="595959"/>
               </a:solidFill>
@@ -1158,11 +1760,14 @@
       </p:sp>
     </p:spTree>
   </p:cSld>
+  <p:clrMapOvr>
+    <a:masterClrMapping/>
+  </p:clrMapOvr>
 </p:sldLayout>
 </file>
 
 <file path=ppt/slideLayouts/slideLayout2.xml><?xml version="1.0" encoding="utf-8"?>
-<p:sldLayout xmlns:a="http://schemas.openxmlformats.org/drawingml/2006/main" xmlns:p="http://schemas.openxmlformats.org/presentationml/2006/main" xmlns:r="http://schemas.openxmlformats.org/officeDocument/2006/relationships" xmlns:p14="http://schemas.microsoft.com/office/powerpoint/2010/main" xmlns:p15="http://schemas.microsoft.com/office/powerpoint/2012/main" xmlns:mc="http://schemas.openxmlformats.org/markup-compatibility/2006" type="tx" preserve="1">
+<p:sldLayout xmlns:a="http://schemas.openxmlformats.org/drawingml/2006/main" xmlns:r="http://schemas.openxmlformats.org/officeDocument/2006/relationships" xmlns:p="http://schemas.openxmlformats.org/presentationml/2006/main" type="tx" preserve="1">
   <p:cSld name="Title Slide">
     <p:spTree>
       <p:nvGrpSpPr>
@@ -1198,9 +1803,10 @@
           </a:prstGeom>
         </p:spPr>
         <p:txBody>
-          <a:bodyPr lIns="0" rIns="0" tIns="0" bIns="0" anchor="ctr"/>
-          <a:p>
-            <a:endParaRPr b="0" lang="en-US" sz="1800" spc="-1" strike="noStrike">
+          <a:bodyPr lIns="0" tIns="0" rIns="0" bIns="0" anchor="ctr"/>
+          <a:lstStyle/>
+          <a:p>
+            <a:endParaRPr lang="en-US" sz="1800" b="0" strike="noStrike" spc="-1">
               <a:solidFill>
                 <a:srgbClr val="000000"/>
               </a:solidFill>
@@ -1229,10 +1835,11 @@
           </a:prstGeom>
         </p:spPr>
         <p:txBody>
-          <a:bodyPr lIns="0" rIns="0" tIns="0" bIns="0" anchor="ctr"/>
+          <a:bodyPr lIns="0" tIns="0" rIns="0" bIns="0" anchor="ctr"/>
+          <a:lstStyle/>
           <a:p>
             <a:pPr algn="ctr"/>
-            <a:endParaRPr b="0" lang="en-US" sz="3200" spc="-1" strike="noStrike">
+            <a:endParaRPr lang="en-US" sz="3200" b="0" strike="noStrike" spc="-1">
               <a:latin typeface="Arial"/>
             </a:endParaRPr>
           </a:p>
@@ -1240,11 +1847,14 @@
       </p:sp>
     </p:spTree>
   </p:cSld>
+  <p:clrMapOvr>
+    <a:masterClrMapping/>
+  </p:clrMapOvr>
 </p:sldLayout>
 </file>
 
 <file path=ppt/slideLayouts/slideLayout20.xml><?xml version="1.0" encoding="utf-8"?>
-<p:sldLayout xmlns:a="http://schemas.openxmlformats.org/drawingml/2006/main" xmlns:p="http://schemas.openxmlformats.org/presentationml/2006/main" xmlns:r="http://schemas.openxmlformats.org/officeDocument/2006/relationships" xmlns:p14="http://schemas.microsoft.com/office/powerpoint/2010/main" xmlns:p15="http://schemas.microsoft.com/office/powerpoint/2012/main" xmlns:mc="http://schemas.openxmlformats.org/markup-compatibility/2006" type="objAndTwoObj" preserve="1">
+<p:sldLayout xmlns:a="http://schemas.openxmlformats.org/drawingml/2006/main" xmlns:r="http://schemas.openxmlformats.org/officeDocument/2006/relationships" xmlns:p="http://schemas.openxmlformats.org/presentationml/2006/main" type="objAndTwoObj" preserve="1">
   <p:cSld name="Title Content and 2 Content">
     <p:spTree>
       <p:nvGrpSpPr>
@@ -1280,9 +1890,10 @@
           </a:prstGeom>
         </p:spPr>
         <p:txBody>
-          <a:bodyPr lIns="0" rIns="0" tIns="0" bIns="0" anchor="ctr"/>
-          <a:p>
-            <a:endParaRPr b="0" lang="en-US" sz="1800" spc="-1" strike="noStrike">
+          <a:bodyPr lIns="0" tIns="0" rIns="0" bIns="0" anchor="ctr"/>
+          <a:lstStyle/>
+          <a:p>
+            <a:endParaRPr lang="en-US" sz="1800" b="0" strike="noStrike" spc="-1">
               <a:solidFill>
                 <a:srgbClr val="000000"/>
               </a:solidFill>
@@ -1311,11 +1922,12 @@
           </a:prstGeom>
         </p:spPr>
         <p:txBody>
-          <a:bodyPr lIns="0" rIns="0" tIns="0" bIns="0">
+          <a:bodyPr lIns="0" tIns="0" rIns="0" bIns="0">
             <a:normAutofit/>
           </a:bodyPr>
-          <a:p>
-            <a:endParaRPr b="0" lang="en-US" sz="2000" spc="-1" strike="noStrike">
+          <a:lstStyle/>
+          <a:p>
+            <a:endParaRPr lang="en-US" sz="2000" b="0" strike="noStrike" spc="-1">
               <a:solidFill>
                 <a:srgbClr val="595959"/>
               </a:solidFill>
@@ -1344,11 +1956,12 @@
           </a:prstGeom>
         </p:spPr>
         <p:txBody>
-          <a:bodyPr lIns="0" rIns="0" tIns="0" bIns="0">
+          <a:bodyPr lIns="0" tIns="0" rIns="0" bIns="0">
             <a:normAutofit/>
           </a:bodyPr>
-          <a:p>
-            <a:endParaRPr b="0" lang="en-US" sz="2000" spc="-1" strike="noStrike">
+          <a:lstStyle/>
+          <a:p>
+            <a:endParaRPr lang="en-US" sz="2000" b="0" strike="noStrike" spc="-1">
               <a:solidFill>
                 <a:srgbClr val="595959"/>
               </a:solidFill>
@@ -1377,11 +1990,12 @@
           </a:prstGeom>
         </p:spPr>
         <p:txBody>
-          <a:bodyPr lIns="0" rIns="0" tIns="0" bIns="0">
+          <a:bodyPr lIns="0" tIns="0" rIns="0" bIns="0">
             <a:normAutofit/>
           </a:bodyPr>
-          <a:p>
-            <a:endParaRPr b="0" lang="en-US" sz="2000" spc="-1" strike="noStrike">
+          <a:lstStyle/>
+          <a:p>
+            <a:endParaRPr lang="en-US" sz="2000" b="0" strike="noStrike" spc="-1">
               <a:solidFill>
                 <a:srgbClr val="595959"/>
               </a:solidFill>
@@ -1392,11 +2006,14 @@
       </p:sp>
     </p:spTree>
   </p:cSld>
+  <p:clrMapOvr>
+    <a:masterClrMapping/>
+  </p:clrMapOvr>
 </p:sldLayout>
 </file>
 
 <file path=ppt/slideLayouts/slideLayout21.xml><?xml version="1.0" encoding="utf-8"?>
-<p:sldLayout xmlns:a="http://schemas.openxmlformats.org/drawingml/2006/main" xmlns:p="http://schemas.openxmlformats.org/presentationml/2006/main" xmlns:r="http://schemas.openxmlformats.org/officeDocument/2006/relationships" xmlns:p14="http://schemas.microsoft.com/office/powerpoint/2010/main" xmlns:p15="http://schemas.microsoft.com/office/powerpoint/2012/main" xmlns:mc="http://schemas.openxmlformats.org/markup-compatibility/2006" type="twoObjOverTx" preserve="1">
+<p:sldLayout xmlns:a="http://schemas.openxmlformats.org/drawingml/2006/main" xmlns:r="http://schemas.openxmlformats.org/officeDocument/2006/relationships" xmlns:p="http://schemas.openxmlformats.org/presentationml/2006/main" type="twoObjOverTx" preserve="1">
   <p:cSld name="Title, 2 Content over Content">
     <p:spTree>
       <p:nvGrpSpPr>
@@ -1432,9 +2049,10 @@
           </a:prstGeom>
         </p:spPr>
         <p:txBody>
-          <a:bodyPr lIns="0" rIns="0" tIns="0" bIns="0" anchor="ctr"/>
-          <a:p>
-            <a:endParaRPr b="0" lang="en-US" sz="1800" spc="-1" strike="noStrike">
+          <a:bodyPr lIns="0" tIns="0" rIns="0" bIns="0" anchor="ctr"/>
+          <a:lstStyle/>
+          <a:p>
+            <a:endParaRPr lang="en-US" sz="1800" b="0" strike="noStrike" spc="-1">
               <a:solidFill>
                 <a:srgbClr val="000000"/>
               </a:solidFill>
@@ -1463,11 +2081,12 @@
           </a:prstGeom>
         </p:spPr>
         <p:txBody>
-          <a:bodyPr lIns="0" rIns="0" tIns="0" bIns="0">
+          <a:bodyPr lIns="0" tIns="0" rIns="0" bIns="0">
             <a:normAutofit/>
           </a:bodyPr>
-          <a:p>
-            <a:endParaRPr b="0" lang="en-US" sz="2000" spc="-1" strike="noStrike">
+          <a:lstStyle/>
+          <a:p>
+            <a:endParaRPr lang="en-US" sz="2000" b="0" strike="noStrike" spc="-1">
               <a:solidFill>
                 <a:srgbClr val="595959"/>
               </a:solidFill>
@@ -1496,11 +2115,12 @@
           </a:prstGeom>
         </p:spPr>
         <p:txBody>
-          <a:bodyPr lIns="0" rIns="0" tIns="0" bIns="0">
+          <a:bodyPr lIns="0" tIns="0" rIns="0" bIns="0">
             <a:normAutofit/>
           </a:bodyPr>
-          <a:p>
-            <a:endParaRPr b="0" lang="en-US" sz="2000" spc="-1" strike="noStrike">
+          <a:lstStyle/>
+          <a:p>
+            <a:endParaRPr lang="en-US" sz="2000" b="0" strike="noStrike" spc="-1">
               <a:solidFill>
                 <a:srgbClr val="595959"/>
               </a:solidFill>
@@ -1529,11 +2149,12 @@
           </a:prstGeom>
         </p:spPr>
         <p:txBody>
-          <a:bodyPr lIns="0" rIns="0" tIns="0" bIns="0">
+          <a:bodyPr lIns="0" tIns="0" rIns="0" bIns="0">
             <a:normAutofit/>
           </a:bodyPr>
-          <a:p>
-            <a:endParaRPr b="0" lang="en-US" sz="2000" spc="-1" strike="noStrike">
+          <a:lstStyle/>
+          <a:p>
+            <a:endParaRPr lang="en-US" sz="2000" b="0" strike="noStrike" spc="-1">
               <a:solidFill>
                 <a:srgbClr val="595959"/>
               </a:solidFill>
@@ -1544,11 +2165,14 @@
       </p:sp>
     </p:spTree>
   </p:cSld>
+  <p:clrMapOvr>
+    <a:masterClrMapping/>
+  </p:clrMapOvr>
 </p:sldLayout>
 </file>
 
 <file path=ppt/slideLayouts/slideLayout22.xml><?xml version="1.0" encoding="utf-8"?>
-<p:sldLayout xmlns:a="http://schemas.openxmlformats.org/drawingml/2006/main" xmlns:p="http://schemas.openxmlformats.org/presentationml/2006/main" xmlns:r="http://schemas.openxmlformats.org/officeDocument/2006/relationships" xmlns:p14="http://schemas.microsoft.com/office/powerpoint/2010/main" xmlns:p15="http://schemas.microsoft.com/office/powerpoint/2012/main" xmlns:mc="http://schemas.openxmlformats.org/markup-compatibility/2006" type="objOverTx" preserve="1">
+<p:sldLayout xmlns:a="http://schemas.openxmlformats.org/drawingml/2006/main" xmlns:r="http://schemas.openxmlformats.org/officeDocument/2006/relationships" xmlns:p="http://schemas.openxmlformats.org/presentationml/2006/main" type="objOverTx" preserve="1">
   <p:cSld name="Title, Content over Content">
     <p:spTree>
       <p:nvGrpSpPr>
@@ -1584,9 +2208,10 @@
           </a:prstGeom>
         </p:spPr>
         <p:txBody>
-          <a:bodyPr lIns="0" rIns="0" tIns="0" bIns="0" anchor="ctr"/>
-          <a:p>
-            <a:endParaRPr b="0" lang="en-US" sz="1800" spc="-1" strike="noStrike">
+          <a:bodyPr lIns="0" tIns="0" rIns="0" bIns="0" anchor="ctr"/>
+          <a:lstStyle/>
+          <a:p>
+            <a:endParaRPr lang="en-US" sz="1800" b="0" strike="noStrike" spc="-1">
               <a:solidFill>
                 <a:srgbClr val="000000"/>
               </a:solidFill>
@@ -1615,11 +2240,12 @@
           </a:prstGeom>
         </p:spPr>
         <p:txBody>
-          <a:bodyPr lIns="0" rIns="0" tIns="0" bIns="0">
+          <a:bodyPr lIns="0" tIns="0" rIns="0" bIns="0">
             <a:normAutofit/>
           </a:bodyPr>
-          <a:p>
-            <a:endParaRPr b="0" lang="en-US" sz="2000" spc="-1" strike="noStrike">
+          <a:lstStyle/>
+          <a:p>
+            <a:endParaRPr lang="en-US" sz="2000" b="0" strike="noStrike" spc="-1">
               <a:solidFill>
                 <a:srgbClr val="595959"/>
               </a:solidFill>
@@ -1648,11 +2274,12 @@
           </a:prstGeom>
         </p:spPr>
         <p:txBody>
-          <a:bodyPr lIns="0" rIns="0" tIns="0" bIns="0">
+          <a:bodyPr lIns="0" tIns="0" rIns="0" bIns="0">
             <a:normAutofit/>
           </a:bodyPr>
-          <a:p>
-            <a:endParaRPr b="0" lang="en-US" sz="2000" spc="-1" strike="noStrike">
+          <a:lstStyle/>
+          <a:p>
+            <a:endParaRPr lang="en-US" sz="2000" b="0" strike="noStrike" spc="-1">
               <a:solidFill>
                 <a:srgbClr val="595959"/>
               </a:solidFill>
@@ -1663,11 +2290,14 @@
       </p:sp>
     </p:spTree>
   </p:cSld>
+  <p:clrMapOvr>
+    <a:masterClrMapping/>
+  </p:clrMapOvr>
 </p:sldLayout>
 </file>
 
 <file path=ppt/slideLayouts/slideLayout23.xml><?xml version="1.0" encoding="utf-8"?>
-<p:sldLayout xmlns:a="http://schemas.openxmlformats.org/drawingml/2006/main" xmlns:p="http://schemas.openxmlformats.org/presentationml/2006/main" xmlns:r="http://schemas.openxmlformats.org/officeDocument/2006/relationships" xmlns:p14="http://schemas.microsoft.com/office/powerpoint/2010/main" xmlns:p15="http://schemas.microsoft.com/office/powerpoint/2012/main" xmlns:mc="http://schemas.openxmlformats.org/markup-compatibility/2006" type="fourObj" preserve="1">
+<p:sldLayout xmlns:a="http://schemas.openxmlformats.org/drawingml/2006/main" xmlns:r="http://schemas.openxmlformats.org/officeDocument/2006/relationships" xmlns:p="http://schemas.openxmlformats.org/presentationml/2006/main" type="fourObj" preserve="1">
   <p:cSld name="Title, 4 Content">
     <p:spTree>
       <p:nvGrpSpPr>
@@ -1703,9 +2333,10 @@
           </a:prstGeom>
         </p:spPr>
         <p:txBody>
-          <a:bodyPr lIns="0" rIns="0" tIns="0" bIns="0" anchor="ctr"/>
-          <a:p>
-            <a:endParaRPr b="0" lang="en-US" sz="1800" spc="-1" strike="noStrike">
+          <a:bodyPr lIns="0" tIns="0" rIns="0" bIns="0" anchor="ctr"/>
+          <a:lstStyle/>
+          <a:p>
+            <a:endParaRPr lang="en-US" sz="1800" b="0" strike="noStrike" spc="-1">
               <a:solidFill>
                 <a:srgbClr val="000000"/>
               </a:solidFill>
@@ -1734,11 +2365,12 @@
           </a:prstGeom>
         </p:spPr>
         <p:txBody>
-          <a:bodyPr lIns="0" rIns="0" tIns="0" bIns="0">
+          <a:bodyPr lIns="0" tIns="0" rIns="0" bIns="0">
             <a:normAutofit/>
           </a:bodyPr>
-          <a:p>
-            <a:endParaRPr b="0" lang="en-US" sz="2000" spc="-1" strike="noStrike">
+          <a:lstStyle/>
+          <a:p>
+            <a:endParaRPr lang="en-US" sz="2000" b="0" strike="noStrike" spc="-1">
               <a:solidFill>
                 <a:srgbClr val="595959"/>
               </a:solidFill>
@@ -1767,11 +2399,12 @@
           </a:prstGeom>
         </p:spPr>
         <p:txBody>
-          <a:bodyPr lIns="0" rIns="0" tIns="0" bIns="0">
+          <a:bodyPr lIns="0" tIns="0" rIns="0" bIns="0">
             <a:normAutofit/>
           </a:bodyPr>
-          <a:p>
-            <a:endParaRPr b="0" lang="en-US" sz="2000" spc="-1" strike="noStrike">
+          <a:lstStyle/>
+          <a:p>
+            <a:endParaRPr lang="en-US" sz="2000" b="0" strike="noStrike" spc="-1">
               <a:solidFill>
                 <a:srgbClr val="595959"/>
               </a:solidFill>
@@ -1800,11 +2433,12 @@
           </a:prstGeom>
         </p:spPr>
         <p:txBody>
-          <a:bodyPr lIns="0" rIns="0" tIns="0" bIns="0">
+          <a:bodyPr lIns="0" tIns="0" rIns="0" bIns="0">
             <a:normAutofit/>
           </a:bodyPr>
-          <a:p>
-            <a:endParaRPr b="0" lang="en-US" sz="2000" spc="-1" strike="noStrike">
+          <a:lstStyle/>
+          <a:p>
+            <a:endParaRPr lang="en-US" sz="2000" b="0" strike="noStrike" spc="-1">
               <a:solidFill>
                 <a:srgbClr val="595959"/>
               </a:solidFill>
@@ -1833,11 +2467,12 @@
           </a:prstGeom>
         </p:spPr>
         <p:txBody>
-          <a:bodyPr lIns="0" rIns="0" tIns="0" bIns="0">
+          <a:bodyPr lIns="0" tIns="0" rIns="0" bIns="0">
             <a:normAutofit/>
           </a:bodyPr>
-          <a:p>
-            <a:endParaRPr b="0" lang="en-US" sz="2000" spc="-1" strike="noStrike">
+          <a:lstStyle/>
+          <a:p>
+            <a:endParaRPr lang="en-US" sz="2000" b="0" strike="noStrike" spc="-1">
               <a:solidFill>
                 <a:srgbClr val="595959"/>
               </a:solidFill>
@@ -1848,11 +2483,14 @@
       </p:sp>
     </p:spTree>
   </p:cSld>
+  <p:clrMapOvr>
+    <a:masterClrMapping/>
+  </p:clrMapOvr>
 </p:sldLayout>
 </file>
 
 <file path=ppt/slideLayouts/slideLayout24.xml><?xml version="1.0" encoding="utf-8"?>
-<p:sldLayout xmlns:a="http://schemas.openxmlformats.org/drawingml/2006/main" xmlns:p="http://schemas.openxmlformats.org/presentationml/2006/main" xmlns:r="http://schemas.openxmlformats.org/officeDocument/2006/relationships" xmlns:p14="http://schemas.microsoft.com/office/powerpoint/2010/main" xmlns:p15="http://schemas.microsoft.com/office/powerpoint/2012/main" xmlns:mc="http://schemas.openxmlformats.org/markup-compatibility/2006" type="blank" preserve="1">
+<p:sldLayout xmlns:a="http://schemas.openxmlformats.org/drawingml/2006/main" xmlns:r="http://schemas.openxmlformats.org/officeDocument/2006/relationships" xmlns:p="http://schemas.openxmlformats.org/presentationml/2006/main" type="blank" preserve="1">
   <p:cSld name="Title, 6 Content">
     <p:spTree>
       <p:nvGrpSpPr>
@@ -1888,9 +2526,10 @@
           </a:prstGeom>
         </p:spPr>
         <p:txBody>
-          <a:bodyPr lIns="0" rIns="0" tIns="0" bIns="0" anchor="ctr"/>
-          <a:p>
-            <a:endParaRPr b="0" lang="en-US" sz="1800" spc="-1" strike="noStrike">
+          <a:bodyPr lIns="0" tIns="0" rIns="0" bIns="0" anchor="ctr"/>
+          <a:lstStyle/>
+          <a:p>
+            <a:endParaRPr lang="en-US" sz="1800" b="0" strike="noStrike" spc="-1">
               <a:solidFill>
                 <a:srgbClr val="000000"/>
               </a:solidFill>
@@ -1919,11 +2558,12 @@
           </a:prstGeom>
         </p:spPr>
         <p:txBody>
-          <a:bodyPr lIns="0" rIns="0" tIns="0" bIns="0">
+          <a:bodyPr lIns="0" tIns="0" rIns="0" bIns="0">
             <a:normAutofit/>
           </a:bodyPr>
-          <a:p>
-            <a:endParaRPr b="0" lang="en-US" sz="2000" spc="-1" strike="noStrike">
+          <a:lstStyle/>
+          <a:p>
+            <a:endParaRPr lang="en-US" sz="2000" b="0" strike="noStrike" spc="-1">
               <a:solidFill>
                 <a:srgbClr val="595959"/>
               </a:solidFill>
@@ -1952,11 +2592,12 @@
           </a:prstGeom>
         </p:spPr>
         <p:txBody>
-          <a:bodyPr lIns="0" rIns="0" tIns="0" bIns="0">
+          <a:bodyPr lIns="0" tIns="0" rIns="0" bIns="0">
             <a:normAutofit/>
           </a:bodyPr>
-          <a:p>
-            <a:endParaRPr b="0" lang="en-US" sz="2000" spc="-1" strike="noStrike">
+          <a:lstStyle/>
+          <a:p>
+            <a:endParaRPr lang="en-US" sz="2000" b="0" strike="noStrike" spc="-1">
               <a:solidFill>
                 <a:srgbClr val="595959"/>
               </a:solidFill>
@@ -1985,11 +2626,12 @@
           </a:prstGeom>
         </p:spPr>
         <p:txBody>
-          <a:bodyPr lIns="0" rIns="0" tIns="0" bIns="0">
+          <a:bodyPr lIns="0" tIns="0" rIns="0" bIns="0">
             <a:normAutofit/>
           </a:bodyPr>
-          <a:p>
-            <a:endParaRPr b="0" lang="en-US" sz="2000" spc="-1" strike="noStrike">
+          <a:lstStyle/>
+          <a:p>
+            <a:endParaRPr lang="en-US" sz="2000" b="0" strike="noStrike" spc="-1">
               <a:solidFill>
                 <a:srgbClr val="595959"/>
               </a:solidFill>
@@ -2018,11 +2660,12 @@
           </a:prstGeom>
         </p:spPr>
         <p:txBody>
-          <a:bodyPr lIns="0" rIns="0" tIns="0" bIns="0">
+          <a:bodyPr lIns="0" tIns="0" rIns="0" bIns="0">
             <a:normAutofit/>
           </a:bodyPr>
-          <a:p>
-            <a:endParaRPr b="0" lang="en-US" sz="2000" spc="-1" strike="noStrike">
+          <a:lstStyle/>
+          <a:p>
+            <a:endParaRPr lang="en-US" sz="2000" b="0" strike="noStrike" spc="-1">
               <a:solidFill>
                 <a:srgbClr val="595959"/>
               </a:solidFill>
@@ -2051,11 +2694,12 @@
           </a:prstGeom>
         </p:spPr>
         <p:txBody>
-          <a:bodyPr lIns="0" rIns="0" tIns="0" bIns="0">
+          <a:bodyPr lIns="0" tIns="0" rIns="0" bIns="0">
             <a:normAutofit/>
           </a:bodyPr>
-          <a:p>
-            <a:endParaRPr b="0" lang="en-US" sz="2000" spc="-1" strike="noStrike">
+          <a:lstStyle/>
+          <a:p>
+            <a:endParaRPr lang="en-US" sz="2000" b="0" strike="noStrike" spc="-1">
               <a:solidFill>
                 <a:srgbClr val="595959"/>
               </a:solidFill>
@@ -2084,11 +2728,12 @@
           </a:prstGeom>
         </p:spPr>
         <p:txBody>
-          <a:bodyPr lIns="0" rIns="0" tIns="0" bIns="0">
+          <a:bodyPr lIns="0" tIns="0" rIns="0" bIns="0">
             <a:normAutofit/>
           </a:bodyPr>
-          <a:p>
-            <a:endParaRPr b="0" lang="en-US" sz="2000" spc="-1" strike="noStrike">
+          <a:lstStyle/>
+          <a:p>
+            <a:endParaRPr lang="en-US" sz="2000" b="0" strike="noStrike" spc="-1">
               <a:solidFill>
                 <a:srgbClr val="595959"/>
               </a:solidFill>
@@ -2099,11 +2744,14 @@
       </p:sp>
     </p:spTree>
   </p:cSld>
+  <p:clrMapOvr>
+    <a:masterClrMapping/>
+  </p:clrMapOvr>
 </p:sldLayout>
 </file>
 
 <file path=ppt/slideLayouts/slideLayout3.xml><?xml version="1.0" encoding="utf-8"?>
-<p:sldLayout xmlns:a="http://schemas.openxmlformats.org/drawingml/2006/main" xmlns:p="http://schemas.openxmlformats.org/presentationml/2006/main" xmlns:r="http://schemas.openxmlformats.org/officeDocument/2006/relationships" xmlns:p14="http://schemas.microsoft.com/office/powerpoint/2010/main" xmlns:p15="http://schemas.microsoft.com/office/powerpoint/2012/main" xmlns:mc="http://schemas.openxmlformats.org/markup-compatibility/2006" type="obj" preserve="1">
+<p:sldLayout xmlns:a="http://schemas.openxmlformats.org/drawingml/2006/main" xmlns:r="http://schemas.openxmlformats.org/officeDocument/2006/relationships" xmlns:p="http://schemas.openxmlformats.org/presentationml/2006/main" type="obj" preserve="1">
   <p:cSld name="Title, Content">
     <p:spTree>
       <p:nvGrpSpPr>
@@ -2139,9 +2787,10 @@
           </a:prstGeom>
         </p:spPr>
         <p:txBody>
-          <a:bodyPr lIns="0" rIns="0" tIns="0" bIns="0" anchor="ctr"/>
-          <a:p>
-            <a:endParaRPr b="0" lang="en-US" sz="1800" spc="-1" strike="noStrike">
+          <a:bodyPr lIns="0" tIns="0" rIns="0" bIns="0" anchor="ctr"/>
+          <a:lstStyle/>
+          <a:p>
+            <a:endParaRPr lang="en-US" sz="1800" b="0" strike="noStrike" spc="-1">
               <a:solidFill>
                 <a:srgbClr val="000000"/>
               </a:solidFill>
@@ -2170,11 +2819,12 @@
           </a:prstGeom>
         </p:spPr>
         <p:txBody>
-          <a:bodyPr lIns="0" rIns="0" tIns="0" bIns="0">
+          <a:bodyPr lIns="0" tIns="0" rIns="0" bIns="0">
             <a:normAutofit/>
           </a:bodyPr>
-          <a:p>
-            <a:endParaRPr b="0" lang="en-US" sz="2000" spc="-1" strike="noStrike">
+          <a:lstStyle/>
+          <a:p>
+            <a:endParaRPr lang="en-US" sz="2000" b="0" strike="noStrike" spc="-1">
               <a:solidFill>
                 <a:srgbClr val="595959"/>
               </a:solidFill>
@@ -2185,11 +2835,14 @@
       </p:sp>
     </p:spTree>
   </p:cSld>
+  <p:clrMapOvr>
+    <a:masterClrMapping/>
+  </p:clrMapOvr>
 </p:sldLayout>
 </file>
 
 <file path=ppt/slideLayouts/slideLayout4.xml><?xml version="1.0" encoding="utf-8"?>
-<p:sldLayout xmlns:a="http://schemas.openxmlformats.org/drawingml/2006/main" xmlns:p="http://schemas.openxmlformats.org/presentationml/2006/main" xmlns:r="http://schemas.openxmlformats.org/officeDocument/2006/relationships" xmlns:p14="http://schemas.microsoft.com/office/powerpoint/2010/main" xmlns:p15="http://schemas.microsoft.com/office/powerpoint/2012/main" xmlns:mc="http://schemas.openxmlformats.org/markup-compatibility/2006" type="twoObj" preserve="1">
+<p:sldLayout xmlns:a="http://schemas.openxmlformats.org/drawingml/2006/main" xmlns:r="http://schemas.openxmlformats.org/officeDocument/2006/relationships" xmlns:p="http://schemas.openxmlformats.org/presentationml/2006/main" type="twoObj" preserve="1">
   <p:cSld name="Title, 2 Content">
     <p:spTree>
       <p:nvGrpSpPr>
@@ -2225,9 +2878,10 @@
           </a:prstGeom>
         </p:spPr>
         <p:txBody>
-          <a:bodyPr lIns="0" rIns="0" tIns="0" bIns="0" anchor="ctr"/>
-          <a:p>
-            <a:endParaRPr b="0" lang="en-US" sz="1800" spc="-1" strike="noStrike">
+          <a:bodyPr lIns="0" tIns="0" rIns="0" bIns="0" anchor="ctr"/>
+          <a:lstStyle/>
+          <a:p>
+            <a:endParaRPr lang="en-US" sz="1800" b="0" strike="noStrike" spc="-1">
               <a:solidFill>
                 <a:srgbClr val="000000"/>
               </a:solidFill>
@@ -2256,11 +2910,12 @@
           </a:prstGeom>
         </p:spPr>
         <p:txBody>
-          <a:bodyPr lIns="0" rIns="0" tIns="0" bIns="0">
+          <a:bodyPr lIns="0" tIns="0" rIns="0" bIns="0">
             <a:normAutofit/>
           </a:bodyPr>
-          <a:p>
-            <a:endParaRPr b="0" lang="en-US" sz="2000" spc="-1" strike="noStrike">
+          <a:lstStyle/>
+          <a:p>
+            <a:endParaRPr lang="en-US" sz="2000" b="0" strike="noStrike" spc="-1">
               <a:solidFill>
                 <a:srgbClr val="595959"/>
               </a:solidFill>
@@ -2289,11 +2944,12 @@
           </a:prstGeom>
         </p:spPr>
         <p:txBody>
-          <a:bodyPr lIns="0" rIns="0" tIns="0" bIns="0">
+          <a:bodyPr lIns="0" tIns="0" rIns="0" bIns="0">
             <a:normAutofit/>
           </a:bodyPr>
-          <a:p>
-            <a:endParaRPr b="0" lang="en-US" sz="2000" spc="-1" strike="noStrike">
+          <a:lstStyle/>
+          <a:p>
+            <a:endParaRPr lang="en-US" sz="2000" b="0" strike="noStrike" spc="-1">
               <a:solidFill>
                 <a:srgbClr val="595959"/>
               </a:solidFill>
@@ -2304,11 +2960,14 @@
       </p:sp>
     </p:spTree>
   </p:cSld>
+  <p:clrMapOvr>
+    <a:masterClrMapping/>
+  </p:clrMapOvr>
 </p:sldLayout>
 </file>
 
 <file path=ppt/slideLayouts/slideLayout5.xml><?xml version="1.0" encoding="utf-8"?>
-<p:sldLayout xmlns:a="http://schemas.openxmlformats.org/drawingml/2006/main" xmlns:p="http://schemas.openxmlformats.org/presentationml/2006/main" xmlns:r="http://schemas.openxmlformats.org/officeDocument/2006/relationships" xmlns:p14="http://schemas.microsoft.com/office/powerpoint/2010/main" xmlns:p15="http://schemas.microsoft.com/office/powerpoint/2012/main" xmlns:mc="http://schemas.openxmlformats.org/markup-compatibility/2006" type="titleOnly" preserve="1">
+<p:sldLayout xmlns:a="http://schemas.openxmlformats.org/drawingml/2006/main" xmlns:r="http://schemas.openxmlformats.org/officeDocument/2006/relationships" xmlns:p="http://schemas.openxmlformats.org/presentationml/2006/main" type="titleOnly" preserve="1">
   <p:cSld name="Title Only">
     <p:spTree>
       <p:nvGrpSpPr>
@@ -2344,9 +3003,10 @@
           </a:prstGeom>
         </p:spPr>
         <p:txBody>
-          <a:bodyPr lIns="0" rIns="0" tIns="0" bIns="0" anchor="ctr"/>
-          <a:p>
-            <a:endParaRPr b="0" lang="en-US" sz="1800" spc="-1" strike="noStrike">
+          <a:bodyPr lIns="0" tIns="0" rIns="0" bIns="0" anchor="ctr"/>
+          <a:lstStyle/>
+          <a:p>
+            <a:endParaRPr lang="en-US" sz="1800" b="0" strike="noStrike" spc="-1">
               <a:solidFill>
                 <a:srgbClr val="000000"/>
               </a:solidFill>
@@ -2357,11 +3017,14 @@
       </p:sp>
     </p:spTree>
   </p:cSld>
+  <p:clrMapOvr>
+    <a:masterClrMapping/>
+  </p:clrMapOvr>
 </p:sldLayout>
 </file>
 
 <file path=ppt/slideLayouts/slideLayout6.xml><?xml version="1.0" encoding="utf-8"?>
-<p:sldLayout xmlns:a="http://schemas.openxmlformats.org/drawingml/2006/main" xmlns:p="http://schemas.openxmlformats.org/presentationml/2006/main" xmlns:r="http://schemas.openxmlformats.org/officeDocument/2006/relationships" xmlns:p14="http://schemas.microsoft.com/office/powerpoint/2010/main" xmlns:p15="http://schemas.microsoft.com/office/powerpoint/2012/main" xmlns:mc="http://schemas.openxmlformats.org/markup-compatibility/2006" type="objOnly" preserve="1">
+<p:sldLayout xmlns:a="http://schemas.openxmlformats.org/drawingml/2006/main" xmlns:r="http://schemas.openxmlformats.org/officeDocument/2006/relationships" xmlns:p="http://schemas.openxmlformats.org/presentationml/2006/main" type="objOnly" preserve="1">
   <p:cSld name="Centered Text">
     <p:spTree>
       <p:nvGrpSpPr>
@@ -2397,10 +3060,11 @@
           </a:prstGeom>
         </p:spPr>
         <p:txBody>
-          <a:bodyPr lIns="0" rIns="0" tIns="0" bIns="0" anchor="ctr"/>
+          <a:bodyPr lIns="0" tIns="0" rIns="0" bIns="0" anchor="ctr"/>
+          <a:lstStyle/>
           <a:p>
             <a:pPr algn="ctr"/>
-            <a:endParaRPr b="0" lang="en-US" sz="3200" spc="-1" strike="noStrike">
+            <a:endParaRPr lang="en-US" sz="3200" b="0" strike="noStrike" spc="-1">
               <a:latin typeface="Arial"/>
             </a:endParaRPr>
           </a:p>
@@ -2408,11 +3072,14 @@
       </p:sp>
     </p:spTree>
   </p:cSld>
+  <p:clrMapOvr>
+    <a:masterClrMapping/>
+  </p:clrMapOvr>
 </p:sldLayout>
 </file>
 
 <file path=ppt/slideLayouts/slideLayout7.xml><?xml version="1.0" encoding="utf-8"?>
-<p:sldLayout xmlns:a="http://schemas.openxmlformats.org/drawingml/2006/main" xmlns:p="http://schemas.openxmlformats.org/presentationml/2006/main" xmlns:r="http://schemas.openxmlformats.org/officeDocument/2006/relationships" xmlns:p14="http://schemas.microsoft.com/office/powerpoint/2010/main" xmlns:p15="http://schemas.microsoft.com/office/powerpoint/2012/main" xmlns:mc="http://schemas.openxmlformats.org/markup-compatibility/2006" type="twoObjAndObj" preserve="1">
+<p:sldLayout xmlns:a="http://schemas.openxmlformats.org/drawingml/2006/main" xmlns:r="http://schemas.openxmlformats.org/officeDocument/2006/relationships" xmlns:p="http://schemas.openxmlformats.org/presentationml/2006/main" type="twoObjAndObj" preserve="1">
   <p:cSld name="Title, 2 Content and Content">
     <p:spTree>
       <p:nvGrpSpPr>
@@ -2448,9 +3115,10 @@
           </a:prstGeom>
         </p:spPr>
         <p:txBody>
-          <a:bodyPr lIns="0" rIns="0" tIns="0" bIns="0" anchor="ctr"/>
-          <a:p>
-            <a:endParaRPr b="0" lang="en-US" sz="1800" spc="-1" strike="noStrike">
+          <a:bodyPr lIns="0" tIns="0" rIns="0" bIns="0" anchor="ctr"/>
+          <a:lstStyle/>
+          <a:p>
+            <a:endParaRPr lang="en-US" sz="1800" b="0" strike="noStrike" spc="-1">
               <a:solidFill>
                 <a:srgbClr val="000000"/>
               </a:solidFill>
@@ -2479,11 +3147,12 @@
           </a:prstGeom>
         </p:spPr>
         <p:txBody>
-          <a:bodyPr lIns="0" rIns="0" tIns="0" bIns="0">
+          <a:bodyPr lIns="0" tIns="0" rIns="0" bIns="0">
             <a:normAutofit/>
           </a:bodyPr>
-          <a:p>
-            <a:endParaRPr b="0" lang="en-US" sz="2000" spc="-1" strike="noStrike">
+          <a:lstStyle/>
+          <a:p>
+            <a:endParaRPr lang="en-US" sz="2000" b="0" strike="noStrike" spc="-1">
               <a:solidFill>
                 <a:srgbClr val="595959"/>
               </a:solidFill>
@@ -2512,11 +3181,12 @@
           </a:prstGeom>
         </p:spPr>
         <p:txBody>
-          <a:bodyPr lIns="0" rIns="0" tIns="0" bIns="0">
+          <a:bodyPr lIns="0" tIns="0" rIns="0" bIns="0">
             <a:normAutofit/>
           </a:bodyPr>
-          <a:p>
-            <a:endParaRPr b="0" lang="en-US" sz="2000" spc="-1" strike="noStrike">
+          <a:lstStyle/>
+          <a:p>
+            <a:endParaRPr lang="en-US" sz="2000" b="0" strike="noStrike" spc="-1">
               <a:solidFill>
                 <a:srgbClr val="595959"/>
               </a:solidFill>
@@ -2545,11 +3215,12 @@
           </a:prstGeom>
         </p:spPr>
         <p:txBody>
-          <a:bodyPr lIns="0" rIns="0" tIns="0" bIns="0">
+          <a:bodyPr lIns="0" tIns="0" rIns="0" bIns="0">
             <a:normAutofit/>
           </a:bodyPr>
-          <a:p>
-            <a:endParaRPr b="0" lang="en-US" sz="2000" spc="-1" strike="noStrike">
+          <a:lstStyle/>
+          <a:p>
+            <a:endParaRPr lang="en-US" sz="2000" b="0" strike="noStrike" spc="-1">
               <a:solidFill>
                 <a:srgbClr val="595959"/>
               </a:solidFill>
@@ -2560,11 +3231,14 @@
       </p:sp>
     </p:spTree>
   </p:cSld>
+  <p:clrMapOvr>
+    <a:masterClrMapping/>
+  </p:clrMapOvr>
 </p:sldLayout>
 </file>
 
 <file path=ppt/slideLayouts/slideLayout8.xml><?xml version="1.0" encoding="utf-8"?>
-<p:sldLayout xmlns:a="http://schemas.openxmlformats.org/drawingml/2006/main" xmlns:p="http://schemas.openxmlformats.org/presentationml/2006/main" xmlns:r="http://schemas.openxmlformats.org/officeDocument/2006/relationships" xmlns:p14="http://schemas.microsoft.com/office/powerpoint/2010/main" xmlns:p15="http://schemas.microsoft.com/office/powerpoint/2012/main" xmlns:mc="http://schemas.openxmlformats.org/markup-compatibility/2006" type="objAndTwoObj" preserve="1">
+<p:sldLayout xmlns:a="http://schemas.openxmlformats.org/drawingml/2006/main" xmlns:r="http://schemas.openxmlformats.org/officeDocument/2006/relationships" xmlns:p="http://schemas.openxmlformats.org/presentationml/2006/main" type="objAndTwoObj" preserve="1">
   <p:cSld name="Title Content and 2 Content">
     <p:spTree>
       <p:nvGrpSpPr>
@@ -2600,9 +3274,10 @@
           </a:prstGeom>
         </p:spPr>
         <p:txBody>
-          <a:bodyPr lIns="0" rIns="0" tIns="0" bIns="0" anchor="ctr"/>
-          <a:p>
-            <a:endParaRPr b="0" lang="en-US" sz="1800" spc="-1" strike="noStrike">
+          <a:bodyPr lIns="0" tIns="0" rIns="0" bIns="0" anchor="ctr"/>
+          <a:lstStyle/>
+          <a:p>
+            <a:endParaRPr lang="en-US" sz="1800" b="0" strike="noStrike" spc="-1">
               <a:solidFill>
                 <a:srgbClr val="000000"/>
               </a:solidFill>
@@ -2631,11 +3306,12 @@
           </a:prstGeom>
         </p:spPr>
         <p:txBody>
-          <a:bodyPr lIns="0" rIns="0" tIns="0" bIns="0">
+          <a:bodyPr lIns="0" tIns="0" rIns="0" bIns="0">
             <a:normAutofit/>
           </a:bodyPr>
-          <a:p>
-            <a:endParaRPr b="0" lang="en-US" sz="2000" spc="-1" strike="noStrike">
+          <a:lstStyle/>
+          <a:p>
+            <a:endParaRPr lang="en-US" sz="2000" b="0" strike="noStrike" spc="-1">
               <a:solidFill>
                 <a:srgbClr val="595959"/>
               </a:solidFill>
@@ -2664,11 +3340,12 @@
           </a:prstGeom>
         </p:spPr>
         <p:txBody>
-          <a:bodyPr lIns="0" rIns="0" tIns="0" bIns="0">
+          <a:bodyPr lIns="0" tIns="0" rIns="0" bIns="0">
             <a:normAutofit/>
           </a:bodyPr>
-          <a:p>
-            <a:endParaRPr b="0" lang="en-US" sz="2000" spc="-1" strike="noStrike">
+          <a:lstStyle/>
+          <a:p>
+            <a:endParaRPr lang="en-US" sz="2000" b="0" strike="noStrike" spc="-1">
               <a:solidFill>
                 <a:srgbClr val="595959"/>
               </a:solidFill>
@@ -2697,11 +3374,12 @@
           </a:prstGeom>
         </p:spPr>
         <p:txBody>
-          <a:bodyPr lIns="0" rIns="0" tIns="0" bIns="0">
+          <a:bodyPr lIns="0" tIns="0" rIns="0" bIns="0">
             <a:normAutofit/>
           </a:bodyPr>
-          <a:p>
-            <a:endParaRPr b="0" lang="en-US" sz="2000" spc="-1" strike="noStrike">
+          <a:lstStyle/>
+          <a:p>
+            <a:endParaRPr lang="en-US" sz="2000" b="0" strike="noStrike" spc="-1">
               <a:solidFill>
                 <a:srgbClr val="595959"/>
               </a:solidFill>
@@ -2712,11 +3390,14 @@
       </p:sp>
     </p:spTree>
   </p:cSld>
+  <p:clrMapOvr>
+    <a:masterClrMapping/>
+  </p:clrMapOvr>
 </p:sldLayout>
 </file>
 
 <file path=ppt/slideLayouts/slideLayout9.xml><?xml version="1.0" encoding="utf-8"?>
-<p:sldLayout xmlns:a="http://schemas.openxmlformats.org/drawingml/2006/main" xmlns:p="http://schemas.openxmlformats.org/presentationml/2006/main" xmlns:r="http://schemas.openxmlformats.org/officeDocument/2006/relationships" xmlns:p14="http://schemas.microsoft.com/office/powerpoint/2010/main" xmlns:p15="http://schemas.microsoft.com/office/powerpoint/2012/main" xmlns:mc="http://schemas.openxmlformats.org/markup-compatibility/2006" type="twoObjOverTx" preserve="1">
+<p:sldLayout xmlns:a="http://schemas.openxmlformats.org/drawingml/2006/main" xmlns:r="http://schemas.openxmlformats.org/officeDocument/2006/relationships" xmlns:p="http://schemas.openxmlformats.org/presentationml/2006/main" type="twoObjOverTx" preserve="1">
   <p:cSld name="Title, 2 Content over Content">
     <p:spTree>
       <p:nvGrpSpPr>
@@ -2752,9 +3433,10 @@
           </a:prstGeom>
         </p:spPr>
         <p:txBody>
-          <a:bodyPr lIns="0" rIns="0" tIns="0" bIns="0" anchor="ctr"/>
-          <a:p>
-            <a:endParaRPr b="0" lang="en-US" sz="1800" spc="-1" strike="noStrike">
+          <a:bodyPr lIns="0" tIns="0" rIns="0" bIns="0" anchor="ctr"/>
+          <a:lstStyle/>
+          <a:p>
+            <a:endParaRPr lang="en-US" sz="1800" b="0" strike="noStrike" spc="-1">
               <a:solidFill>
                 <a:srgbClr val="000000"/>
               </a:solidFill>
@@ -2783,11 +3465,12 @@
           </a:prstGeom>
         </p:spPr>
         <p:txBody>
-          <a:bodyPr lIns="0" rIns="0" tIns="0" bIns="0">
+          <a:bodyPr lIns="0" tIns="0" rIns="0" bIns="0">
             <a:normAutofit/>
           </a:bodyPr>
-          <a:p>
-            <a:endParaRPr b="0" lang="en-US" sz="2000" spc="-1" strike="noStrike">
+          <a:lstStyle/>
+          <a:p>
+            <a:endParaRPr lang="en-US" sz="2000" b="0" strike="noStrike" spc="-1">
               <a:solidFill>
                 <a:srgbClr val="595959"/>
               </a:solidFill>
@@ -2816,11 +3499,12 @@
           </a:prstGeom>
         </p:spPr>
         <p:txBody>
-          <a:bodyPr lIns="0" rIns="0" tIns="0" bIns="0">
+          <a:bodyPr lIns="0" tIns="0" rIns="0" bIns="0">
             <a:normAutofit/>
           </a:bodyPr>
-          <a:p>
-            <a:endParaRPr b="0" lang="en-US" sz="2000" spc="-1" strike="noStrike">
+          <a:lstStyle/>
+          <a:p>
+            <a:endParaRPr lang="en-US" sz="2000" b="0" strike="noStrike" spc="-1">
               <a:solidFill>
                 <a:srgbClr val="595959"/>
               </a:solidFill>
@@ -2849,11 +3533,12 @@
           </a:prstGeom>
         </p:spPr>
         <p:txBody>
-          <a:bodyPr lIns="0" rIns="0" tIns="0" bIns="0">
+          <a:bodyPr lIns="0" tIns="0" rIns="0" bIns="0">
             <a:normAutofit/>
           </a:bodyPr>
-          <a:p>
-            <a:endParaRPr b="0" lang="en-US" sz="2000" spc="-1" strike="noStrike">
+          <a:lstStyle/>
+          <a:p>
+            <a:endParaRPr lang="en-US" sz="2000" b="0" strike="noStrike" spc="-1">
               <a:solidFill>
                 <a:srgbClr val="595959"/>
               </a:solidFill>
@@ -2864,17 +3549,21 @@
       </p:sp>
     </p:spTree>
   </p:cSld>
+  <p:clrMapOvr>
+    <a:masterClrMapping/>
+  </p:clrMapOvr>
 </p:sldLayout>
 </file>
 
 <file path=ppt/slideMasters/slideMaster1.xml><?xml version="1.0" encoding="utf-8"?>
-<p:sldMaster xmlns:a="http://schemas.openxmlformats.org/drawingml/2006/main" xmlns:p="http://schemas.openxmlformats.org/presentationml/2006/main" xmlns:r="http://schemas.openxmlformats.org/officeDocument/2006/relationships" xmlns:p14="http://schemas.microsoft.com/office/powerpoint/2010/main" xmlns:p15="http://schemas.microsoft.com/office/powerpoint/2012/main" xmlns:mc="http://schemas.openxmlformats.org/markup-compatibility/2006">
+<p:sldMaster xmlns:a="http://schemas.openxmlformats.org/drawingml/2006/main" xmlns:r="http://schemas.openxmlformats.org/officeDocument/2006/relationships" xmlns:p="http://schemas.openxmlformats.org/presentationml/2006/main">
   <p:cSld>
     <p:bg>
       <p:bgPr>
         <a:solidFill>
-          <a:srgbClr val="ffffff"/>
+          <a:srgbClr val="FFFFFF"/>
         </a:solidFill>
+        <a:effectLst/>
       </p:bgPr>
     </p:bg>
     <p:spTree>
@@ -2893,7 +3582,7 @@
       </p:grpSpPr>
       <p:sp>
         <p:nvSpPr>
-          <p:cNvPr id="0" name="CustomShape 1" hidden="1"/>
+          <p:cNvPr id="9" name="CustomShape 1" hidden="1"/>
           <p:cNvSpPr/>
           <p:nvPr/>
         </p:nvSpPr>
@@ -2929,7 +3618,7 @@
       </p:sp>
       <p:sp>
         <p:nvSpPr>
-          <p:cNvPr id="1" name="CustomShape 2" hidden="1"/>
+          <p:cNvPr id="10" name="CustomShape 2" hidden="1"/>
           <p:cNvSpPr/>
           <p:nvPr/>
         </p:nvSpPr>
@@ -2942,7 +3631,7 @@
             <a:avLst/>
           </a:prstGeom>
           <a:solidFill>
-            <a:srgbClr val="c8c8c8">
+            <a:srgbClr val="C8C8C8">
               <a:alpha val="50000"/>
             </a:srgbClr>
           </a:solidFill>
@@ -3016,7 +3705,7 @@
             <a:avLst/>
           </a:prstGeom>
           <a:solidFill>
-            <a:srgbClr val="c8c8c8">
+            <a:srgbClr val="C8C8C8">
               <a:alpha val="50000"/>
             </a:srgbClr>
           </a:solidFill>
@@ -3062,6 +3751,7 @@
           <a:bodyPr anchor="b">
             <a:normAutofit/>
           </a:bodyPr>
+          <a:lstStyle/>
           <a:p>
             <a:pPr>
               <a:lnSpc>
@@ -3069,15 +3759,15 @@
               </a:lnSpc>
             </a:pPr>
             <a:r>
-              <a:rPr b="0" lang="en-US" sz="5900" spc="-97" strike="noStrike">
+              <a:rPr lang="en-US" sz="5900" b="0" strike="noStrike" spc="-97">
                 <a:solidFill>
-                  <a:srgbClr val="ffffff"/>
+                  <a:srgbClr val="FFFFFF"/>
                 </a:solidFill>
                 <a:latin typeface="Corbel"/>
               </a:rPr>
               <a:t>Click to edit Master title style</a:t>
             </a:r>
-            <a:endParaRPr b="0" lang="en-US" sz="5900" spc="-1" strike="noStrike">
+            <a:endParaRPr lang="en-US" sz="5900" b="0" strike="noStrike" spc="-1">
               <a:solidFill>
                 <a:srgbClr val="000000"/>
               </a:solidFill>
@@ -3107,6 +3797,7 @@
         </p:spPr>
         <p:txBody>
           <a:bodyPr anchor="ctr"/>
+          <a:lstStyle/>
           <a:p>
             <a:pPr>
               <a:lnSpc>
@@ -3114,15 +3805,15 @@
               </a:lnSpc>
             </a:pPr>
             <a:fld id="{DD86D345-9AF4-4E42-BA52-E9213A6AE688}" type="datetime">
-              <a:rPr b="0" lang="en-US" sz="1100" spc="-1" strike="noStrike">
+              <a:rPr lang="en-US" sz="1100" b="0" strike="noStrike" spc="-1">
                 <a:solidFill>
                   <a:srgbClr val="808080"/>
                 </a:solidFill>
                 <a:latin typeface="Corbel"/>
               </a:rPr>
-              <a:t>8/5/19</a:t>
+              <a:t>8/5/2019</a:t>
             </a:fld>
-            <a:endParaRPr b="0" lang="en-US" sz="1100" spc="-1" strike="noStrike">
+            <a:endParaRPr lang="en-US" sz="1100" b="0" strike="noStrike" spc="-1">
               <a:latin typeface="Times New Roman"/>
             </a:endParaRPr>
           </a:p>
@@ -3149,8 +3840,9 @@
         </p:spPr>
         <p:txBody>
           <a:bodyPr anchor="ctr"/>
-          <a:p>
-            <a:endParaRPr b="0" lang="en-US" sz="2400" spc="-1" strike="noStrike">
+          <a:lstStyle/>
+          <a:p>
+            <a:endParaRPr lang="en-US" sz="2400" b="0" strike="noStrike" spc="-1">
               <a:latin typeface="Times New Roman"/>
             </a:endParaRPr>
           </a:p>
@@ -3177,6 +3869,7 @@
         </p:spPr>
         <p:txBody>
           <a:bodyPr anchor="ctr"/>
+          <a:lstStyle/>
           <a:p>
             <a:pPr algn="r">
               <a:lnSpc>
@@ -3184,15 +3877,15 @@
               </a:lnSpc>
             </a:pPr>
             <a:fld id="{B60B3F5A-74BC-4034-9377-B88C949D8EBD}" type="slidenum">
-              <a:rPr b="1" lang="en-US" sz="1200" spc="-1" strike="noStrike">
+              <a:rPr lang="en-US" sz="1200" b="1" strike="noStrike" spc="-1">
                 <a:solidFill>
-                  <a:srgbClr val="f0a22e"/>
+                  <a:srgbClr val="F0A22E"/>
                 </a:solidFill>
                 <a:latin typeface="Corbel"/>
               </a:rPr>
-              <a:t>&lt;number&gt;</a:t>
+              <a:t>‹#›</a:t>
             </a:fld>
-            <a:endParaRPr b="0" lang="en-US" sz="1200" spc="-1" strike="noStrike">
+            <a:endParaRPr lang="en-US" sz="1200" b="0" strike="noStrike" spc="-1">
               <a:latin typeface="Times New Roman"/>
             </a:endParaRPr>
           </a:p>
@@ -3218,9 +3911,10 @@
           </a:prstGeom>
         </p:spPr>
         <p:txBody>
-          <a:bodyPr lIns="0" rIns="0" tIns="0" bIns="0">
+          <a:bodyPr lIns="0" tIns="0" rIns="0" bIns="0">
             <a:normAutofit/>
           </a:bodyPr>
+          <a:lstStyle/>
           <a:p>
             <a:pPr marL="432000" indent="-324000">
               <a:spcBef>
@@ -3234,7 +3928,7 @@
               <a:buChar char=""/>
             </a:pPr>
             <a:r>
-              <a:rPr b="0" lang="en-US" sz="2000" spc="-1" strike="noStrike">
+              <a:rPr lang="en-US" sz="2000" b="0" strike="noStrike" spc="-1">
                 <a:solidFill>
                   <a:srgbClr val="595959"/>
                 </a:solidFill>
@@ -3242,15 +3936,9 @@
               </a:rPr>
               <a:t>Click to edit the outline text format</a:t>
             </a:r>
-            <a:endParaRPr b="0" lang="en-US" sz="2000" spc="-1" strike="noStrike">
-              <a:solidFill>
-                <a:srgbClr val="595959"/>
-              </a:solidFill>
-              <a:latin typeface="Corbel"/>
-            </a:endParaRPr>
-          </a:p>
-          <a:p>
-            <a:pPr lvl="1" marL="864000" indent="-324000">
+          </a:p>
+          <a:p>
+            <a:pPr marL="864000" lvl="1" indent="-324000">
               <a:spcBef>
                 <a:spcPts val="1134"/>
               </a:spcBef>
@@ -3262,7 +3950,7 @@
               <a:buChar char=""/>
             </a:pPr>
             <a:r>
-              <a:rPr b="0" lang="en-US" sz="1600" spc="-1" strike="noStrike">
+              <a:rPr lang="en-US" sz="1600" b="0" strike="noStrike" spc="-1">
                 <a:solidFill>
                   <a:srgbClr val="595959"/>
                 </a:solidFill>
@@ -3270,15 +3958,9 @@
               </a:rPr>
               <a:t>Second Outline Level</a:t>
             </a:r>
-            <a:endParaRPr b="0" lang="en-US" sz="1600" spc="-1" strike="noStrike">
-              <a:solidFill>
-                <a:srgbClr val="595959"/>
-              </a:solidFill>
-              <a:latin typeface="Corbel"/>
-            </a:endParaRPr>
-          </a:p>
-          <a:p>
-            <a:pPr lvl="2" marL="1296000" indent="-288000">
+          </a:p>
+          <a:p>
+            <a:pPr marL="1296000" lvl="2" indent="-288000">
               <a:spcBef>
                 <a:spcPts val="850"/>
               </a:spcBef>
@@ -3290,7 +3972,7 @@
               <a:buChar char=""/>
             </a:pPr>
             <a:r>
-              <a:rPr b="0" lang="en-US" sz="1400" spc="-1" strike="noStrike">
+              <a:rPr lang="en-US" sz="1400" b="0" strike="noStrike" spc="-1">
                 <a:solidFill>
                   <a:srgbClr val="595959"/>
                 </a:solidFill>
@@ -3298,15 +3980,9 @@
               </a:rPr>
               <a:t>Third Outline Level</a:t>
             </a:r>
-            <a:endParaRPr b="0" lang="en-US" sz="1400" spc="-1" strike="noStrike">
-              <a:solidFill>
-                <a:srgbClr val="595959"/>
-              </a:solidFill>
-              <a:latin typeface="Corbel"/>
-            </a:endParaRPr>
-          </a:p>
-          <a:p>
-            <a:pPr lvl="3" marL="1728000" indent="-216000">
+          </a:p>
+          <a:p>
+            <a:pPr marL="1728000" lvl="3" indent="-216000">
               <a:spcBef>
                 <a:spcPts val="567"/>
               </a:spcBef>
@@ -3318,7 +3994,7 @@
               <a:buChar char=""/>
             </a:pPr>
             <a:r>
-              <a:rPr b="0" lang="en-US" sz="1400" spc="-1" strike="noStrike">
+              <a:rPr lang="en-US" sz="1400" b="0" strike="noStrike" spc="-1">
                 <a:solidFill>
                   <a:srgbClr val="595959"/>
                 </a:solidFill>
@@ -3326,15 +4002,9 @@
               </a:rPr>
               <a:t>Fourth Outline Level</a:t>
             </a:r>
-            <a:endParaRPr b="0" lang="en-US" sz="1400" spc="-1" strike="noStrike">
-              <a:solidFill>
-                <a:srgbClr val="595959"/>
-              </a:solidFill>
-              <a:latin typeface="Corbel"/>
-            </a:endParaRPr>
-          </a:p>
-          <a:p>
-            <a:pPr lvl="4" marL="2160000" indent="-216000">
+          </a:p>
+          <a:p>
+            <a:pPr marL="2160000" lvl="4" indent="-216000">
               <a:spcBef>
                 <a:spcPts val="283"/>
               </a:spcBef>
@@ -3346,7 +4016,7 @@
               <a:buChar char=""/>
             </a:pPr>
             <a:r>
-              <a:rPr b="0" lang="en-US" sz="2000" spc="-1" strike="noStrike">
+              <a:rPr lang="en-US" sz="2000" b="0" strike="noStrike" spc="-1">
                 <a:solidFill>
                   <a:srgbClr val="595959"/>
                 </a:solidFill>
@@ -3354,15 +4024,9 @@
               </a:rPr>
               <a:t>Fifth Outline Level</a:t>
             </a:r>
-            <a:endParaRPr b="0" lang="en-US" sz="2000" spc="-1" strike="noStrike">
-              <a:solidFill>
-                <a:srgbClr val="595959"/>
-              </a:solidFill>
-              <a:latin typeface="Corbel"/>
-            </a:endParaRPr>
-          </a:p>
-          <a:p>
-            <a:pPr lvl="5" marL="2592000" indent="-216000">
+          </a:p>
+          <a:p>
+            <a:pPr marL="2592000" lvl="5" indent="-216000">
               <a:spcBef>
                 <a:spcPts val="283"/>
               </a:spcBef>
@@ -3374,7 +4038,7 @@
               <a:buChar char=""/>
             </a:pPr>
             <a:r>
-              <a:rPr b="0" lang="en-US" sz="2000" spc="-1" strike="noStrike">
+              <a:rPr lang="en-US" sz="2000" b="0" strike="noStrike" spc="-1">
                 <a:solidFill>
                   <a:srgbClr val="595959"/>
                 </a:solidFill>
@@ -3382,15 +4046,9 @@
               </a:rPr>
               <a:t>Sixth Outline Level</a:t>
             </a:r>
-            <a:endParaRPr b="0" lang="en-US" sz="2000" spc="-1" strike="noStrike">
-              <a:solidFill>
-                <a:srgbClr val="595959"/>
-              </a:solidFill>
-              <a:latin typeface="Corbel"/>
-            </a:endParaRPr>
-          </a:p>
-          <a:p>
-            <a:pPr lvl="6" marL="3024000" indent="-216000">
+          </a:p>
+          <a:p>
+            <a:pPr marL="3024000" lvl="6" indent="-216000">
               <a:spcBef>
                 <a:spcPts val="283"/>
               </a:spcBef>
@@ -3402,7 +4060,7 @@
               <a:buChar char=""/>
             </a:pPr>
             <a:r>
-              <a:rPr b="0" lang="en-US" sz="2000" spc="-1" strike="noStrike">
+              <a:rPr lang="en-US" sz="2000" b="0" strike="noStrike" spc="-1">
                 <a:solidFill>
                   <a:srgbClr val="595959"/>
                 </a:solidFill>
@@ -3410,43 +4068,318 @@
               </a:rPr>
               <a:t>Seventh Outline Level</a:t>
             </a:r>
-            <a:endParaRPr b="0" lang="en-US" sz="2000" spc="-1" strike="noStrike">
-              <a:solidFill>
-                <a:srgbClr val="595959"/>
-              </a:solidFill>
-              <a:latin typeface="Corbel"/>
-            </a:endParaRPr>
           </a:p>
         </p:txBody>
       </p:sp>
     </p:spTree>
   </p:cSld>
-  <p:clrMap bg1="lt1" bg2="lt2" tx1="dk1" tx2="dk2" accent1="accent1" accent2="accent2" accent3="accent3" accent4="accent4" accent5="accent5" accent6="accent6" hlink="hlink" folHlink="folHlink"/>
+  <p:clrMap bg1="lt1" tx1="dk1" bg2="lt2" tx2="dk2" accent1="accent1" accent2="accent2" accent3="accent3" accent4="accent4" accent5="accent5" accent6="accent6" hlink="hlink" folHlink="folHlink"/>
   <p:sldLayoutIdLst>
-    <p:sldLayoutId id="2147483649" r:id="rId2"/>
-    <p:sldLayoutId id="2147483650" r:id="rId3"/>
-    <p:sldLayoutId id="2147483651" r:id="rId4"/>
-    <p:sldLayoutId id="2147483652" r:id="rId5"/>
-    <p:sldLayoutId id="2147483653" r:id="rId6"/>
-    <p:sldLayoutId id="2147483654" r:id="rId7"/>
-    <p:sldLayoutId id="2147483655" r:id="rId8"/>
-    <p:sldLayoutId id="2147483656" r:id="rId9"/>
-    <p:sldLayoutId id="2147483657" r:id="rId10"/>
-    <p:sldLayoutId id="2147483658" r:id="rId11"/>
-    <p:sldLayoutId id="2147483659" r:id="rId12"/>
-    <p:sldLayoutId id="2147483660" r:id="rId13"/>
+    <p:sldLayoutId id="2147483649" r:id="rId1"/>
+    <p:sldLayoutId id="2147483650" r:id="rId2"/>
+    <p:sldLayoutId id="2147483651" r:id="rId3"/>
+    <p:sldLayoutId id="2147483652" r:id="rId4"/>
+    <p:sldLayoutId id="2147483653" r:id="rId5"/>
+    <p:sldLayoutId id="2147483654" r:id="rId6"/>
+    <p:sldLayoutId id="2147483655" r:id="rId7"/>
+    <p:sldLayoutId id="2147483656" r:id="rId8"/>
+    <p:sldLayoutId id="2147483657" r:id="rId9"/>
+    <p:sldLayoutId id="2147483658" r:id="rId10"/>
+    <p:sldLayoutId id="2147483659" r:id="rId11"/>
+    <p:sldLayoutId id="2147483660" r:id="rId12"/>
   </p:sldLayoutIdLst>
+  <p:txStyles>
+    <p:titleStyle>
+      <a:lvl1pPr algn="l" defTabSz="914400" rtl="0" eaLnBrk="1" latinLnBrk="0" hangingPunct="1">
+        <a:lnSpc>
+          <a:spcPct val="90000"/>
+        </a:lnSpc>
+        <a:spcBef>
+          <a:spcPct val="0"/>
+        </a:spcBef>
+        <a:buNone/>
+        <a:defRPr sz="4400" kern="1200">
+          <a:solidFill>
+            <a:schemeClr val="tx1"/>
+          </a:solidFill>
+          <a:latin typeface="+mj-lt"/>
+          <a:ea typeface="+mj-ea"/>
+          <a:cs typeface="+mj-cs"/>
+        </a:defRPr>
+      </a:lvl1pPr>
+    </p:titleStyle>
+    <p:bodyStyle>
+      <a:lvl1pPr marL="228600" indent="-228600" algn="l" defTabSz="914400" rtl="0" eaLnBrk="1" latinLnBrk="0" hangingPunct="1">
+        <a:lnSpc>
+          <a:spcPct val="90000"/>
+        </a:lnSpc>
+        <a:spcBef>
+          <a:spcPts val="1000"/>
+        </a:spcBef>
+        <a:buFont typeface="Arial" panose="020B0604020202020204" pitchFamily="34" charset="0"/>
+        <a:buChar char="•"/>
+        <a:defRPr sz="2800" kern="1200">
+          <a:solidFill>
+            <a:schemeClr val="tx1"/>
+          </a:solidFill>
+          <a:latin typeface="+mn-lt"/>
+          <a:ea typeface="+mn-ea"/>
+          <a:cs typeface="+mn-cs"/>
+        </a:defRPr>
+      </a:lvl1pPr>
+      <a:lvl2pPr marL="685800" indent="-228600" algn="l" defTabSz="914400" rtl="0" eaLnBrk="1" latinLnBrk="0" hangingPunct="1">
+        <a:lnSpc>
+          <a:spcPct val="90000"/>
+        </a:lnSpc>
+        <a:spcBef>
+          <a:spcPts val="500"/>
+        </a:spcBef>
+        <a:buFont typeface="Arial" panose="020B0604020202020204" pitchFamily="34" charset="0"/>
+        <a:buChar char="•"/>
+        <a:defRPr sz="2400" kern="1200">
+          <a:solidFill>
+            <a:schemeClr val="tx1"/>
+          </a:solidFill>
+          <a:latin typeface="+mn-lt"/>
+          <a:ea typeface="+mn-ea"/>
+          <a:cs typeface="+mn-cs"/>
+        </a:defRPr>
+      </a:lvl2pPr>
+      <a:lvl3pPr marL="1143000" indent="-228600" algn="l" defTabSz="914400" rtl="0" eaLnBrk="1" latinLnBrk="0" hangingPunct="1">
+        <a:lnSpc>
+          <a:spcPct val="90000"/>
+        </a:lnSpc>
+        <a:spcBef>
+          <a:spcPts val="500"/>
+        </a:spcBef>
+        <a:buFont typeface="Arial" panose="020B0604020202020204" pitchFamily="34" charset="0"/>
+        <a:buChar char="•"/>
+        <a:defRPr sz="2000" kern="1200">
+          <a:solidFill>
+            <a:schemeClr val="tx1"/>
+          </a:solidFill>
+          <a:latin typeface="+mn-lt"/>
+          <a:ea typeface="+mn-ea"/>
+          <a:cs typeface="+mn-cs"/>
+        </a:defRPr>
+      </a:lvl3pPr>
+      <a:lvl4pPr marL="1600200" indent="-228600" algn="l" defTabSz="914400" rtl="0" eaLnBrk="1" latinLnBrk="0" hangingPunct="1">
+        <a:lnSpc>
+          <a:spcPct val="90000"/>
+        </a:lnSpc>
+        <a:spcBef>
+          <a:spcPts val="500"/>
+        </a:spcBef>
+        <a:buFont typeface="Arial" panose="020B0604020202020204" pitchFamily="34" charset="0"/>
+        <a:buChar char="•"/>
+        <a:defRPr sz="1800" kern="1200">
+          <a:solidFill>
+            <a:schemeClr val="tx1"/>
+          </a:solidFill>
+          <a:latin typeface="+mn-lt"/>
+          <a:ea typeface="+mn-ea"/>
+          <a:cs typeface="+mn-cs"/>
+        </a:defRPr>
+      </a:lvl4pPr>
+      <a:lvl5pPr marL="2057400" indent="-228600" algn="l" defTabSz="914400" rtl="0" eaLnBrk="1" latinLnBrk="0" hangingPunct="1">
+        <a:lnSpc>
+          <a:spcPct val="90000"/>
+        </a:lnSpc>
+        <a:spcBef>
+          <a:spcPts val="500"/>
+        </a:spcBef>
+        <a:buFont typeface="Arial" panose="020B0604020202020204" pitchFamily="34" charset="0"/>
+        <a:buChar char="•"/>
+        <a:defRPr sz="1800" kern="1200">
+          <a:solidFill>
+            <a:schemeClr val="tx1"/>
+          </a:solidFill>
+          <a:latin typeface="+mn-lt"/>
+          <a:ea typeface="+mn-ea"/>
+          <a:cs typeface="+mn-cs"/>
+        </a:defRPr>
+      </a:lvl5pPr>
+      <a:lvl6pPr marL="2514600" indent="-228600" algn="l" defTabSz="914400" rtl="0" eaLnBrk="1" latinLnBrk="0" hangingPunct="1">
+        <a:lnSpc>
+          <a:spcPct val="90000"/>
+        </a:lnSpc>
+        <a:spcBef>
+          <a:spcPts val="500"/>
+        </a:spcBef>
+        <a:buFont typeface="Arial" panose="020B0604020202020204" pitchFamily="34" charset="0"/>
+        <a:buChar char="•"/>
+        <a:defRPr sz="1800" kern="1200">
+          <a:solidFill>
+            <a:schemeClr val="tx1"/>
+          </a:solidFill>
+          <a:latin typeface="+mn-lt"/>
+          <a:ea typeface="+mn-ea"/>
+          <a:cs typeface="+mn-cs"/>
+        </a:defRPr>
+      </a:lvl6pPr>
+      <a:lvl7pPr marL="2971800" indent="-228600" algn="l" defTabSz="914400" rtl="0" eaLnBrk="1" latinLnBrk="0" hangingPunct="1">
+        <a:lnSpc>
+          <a:spcPct val="90000"/>
+        </a:lnSpc>
+        <a:spcBef>
+          <a:spcPts val="500"/>
+        </a:spcBef>
+        <a:buFont typeface="Arial" panose="020B0604020202020204" pitchFamily="34" charset="0"/>
+        <a:buChar char="•"/>
+        <a:defRPr sz="1800" kern="1200">
+          <a:solidFill>
+            <a:schemeClr val="tx1"/>
+          </a:solidFill>
+          <a:latin typeface="+mn-lt"/>
+          <a:ea typeface="+mn-ea"/>
+          <a:cs typeface="+mn-cs"/>
+        </a:defRPr>
+      </a:lvl7pPr>
+      <a:lvl8pPr marL="3429000" indent="-228600" algn="l" defTabSz="914400" rtl="0" eaLnBrk="1" latinLnBrk="0" hangingPunct="1">
+        <a:lnSpc>
+          <a:spcPct val="90000"/>
+        </a:lnSpc>
+        <a:spcBef>
+          <a:spcPts val="500"/>
+        </a:spcBef>
+        <a:buFont typeface="Arial" panose="020B0604020202020204" pitchFamily="34" charset="0"/>
+        <a:buChar char="•"/>
+        <a:defRPr sz="1800" kern="1200">
+          <a:solidFill>
+            <a:schemeClr val="tx1"/>
+          </a:solidFill>
+          <a:latin typeface="+mn-lt"/>
+          <a:ea typeface="+mn-ea"/>
+          <a:cs typeface="+mn-cs"/>
+        </a:defRPr>
+      </a:lvl8pPr>
+      <a:lvl9pPr marL="3886200" indent="-228600" algn="l" defTabSz="914400" rtl="0" eaLnBrk="1" latinLnBrk="0" hangingPunct="1">
+        <a:lnSpc>
+          <a:spcPct val="90000"/>
+        </a:lnSpc>
+        <a:spcBef>
+          <a:spcPts val="500"/>
+        </a:spcBef>
+        <a:buFont typeface="Arial" panose="020B0604020202020204" pitchFamily="34" charset="0"/>
+        <a:buChar char="•"/>
+        <a:defRPr sz="1800" kern="1200">
+          <a:solidFill>
+            <a:schemeClr val="tx1"/>
+          </a:solidFill>
+          <a:latin typeface="+mn-lt"/>
+          <a:ea typeface="+mn-ea"/>
+          <a:cs typeface="+mn-cs"/>
+        </a:defRPr>
+      </a:lvl9pPr>
+    </p:bodyStyle>
+    <p:otherStyle>
+      <a:defPPr>
+        <a:defRPr lang="en-US"/>
+      </a:defPPr>
+      <a:lvl1pPr marL="0" algn="l" defTabSz="914400" rtl="0" eaLnBrk="1" latinLnBrk="0" hangingPunct="1">
+        <a:defRPr sz="1800" kern="1200">
+          <a:solidFill>
+            <a:schemeClr val="tx1"/>
+          </a:solidFill>
+          <a:latin typeface="+mn-lt"/>
+          <a:ea typeface="+mn-ea"/>
+          <a:cs typeface="+mn-cs"/>
+        </a:defRPr>
+      </a:lvl1pPr>
+      <a:lvl2pPr marL="457200" algn="l" defTabSz="914400" rtl="0" eaLnBrk="1" latinLnBrk="0" hangingPunct="1">
+        <a:defRPr sz="1800" kern="1200">
+          <a:solidFill>
+            <a:schemeClr val="tx1"/>
+          </a:solidFill>
+          <a:latin typeface="+mn-lt"/>
+          <a:ea typeface="+mn-ea"/>
+          <a:cs typeface="+mn-cs"/>
+        </a:defRPr>
+      </a:lvl2pPr>
+      <a:lvl3pPr marL="914400" algn="l" defTabSz="914400" rtl="0" eaLnBrk="1" latinLnBrk="0" hangingPunct="1">
+        <a:defRPr sz="1800" kern="1200">
+          <a:solidFill>
+            <a:schemeClr val="tx1"/>
+          </a:solidFill>
+          <a:latin typeface="+mn-lt"/>
+          <a:ea typeface="+mn-ea"/>
+          <a:cs typeface="+mn-cs"/>
+        </a:defRPr>
+      </a:lvl3pPr>
+      <a:lvl4pPr marL="1371600" algn="l" defTabSz="914400" rtl="0" eaLnBrk="1" latinLnBrk="0" hangingPunct="1">
+        <a:defRPr sz="1800" kern="1200">
+          <a:solidFill>
+            <a:schemeClr val="tx1"/>
+          </a:solidFill>
+          <a:latin typeface="+mn-lt"/>
+          <a:ea typeface="+mn-ea"/>
+          <a:cs typeface="+mn-cs"/>
+        </a:defRPr>
+      </a:lvl4pPr>
+      <a:lvl5pPr marL="1828800" algn="l" defTabSz="914400" rtl="0" eaLnBrk="1" latinLnBrk="0" hangingPunct="1">
+        <a:defRPr sz="1800" kern="1200">
+          <a:solidFill>
+            <a:schemeClr val="tx1"/>
+          </a:solidFill>
+          <a:latin typeface="+mn-lt"/>
+          <a:ea typeface="+mn-ea"/>
+          <a:cs typeface="+mn-cs"/>
+        </a:defRPr>
+      </a:lvl5pPr>
+      <a:lvl6pPr marL="2286000" algn="l" defTabSz="914400" rtl="0" eaLnBrk="1" latinLnBrk="0" hangingPunct="1">
+        <a:defRPr sz="1800" kern="1200">
+          <a:solidFill>
+            <a:schemeClr val="tx1"/>
+          </a:solidFill>
+          <a:latin typeface="+mn-lt"/>
+          <a:ea typeface="+mn-ea"/>
+          <a:cs typeface="+mn-cs"/>
+        </a:defRPr>
+      </a:lvl6pPr>
+      <a:lvl7pPr marL="2743200" algn="l" defTabSz="914400" rtl="0" eaLnBrk="1" latinLnBrk="0" hangingPunct="1">
+        <a:defRPr sz="1800" kern="1200">
+          <a:solidFill>
+            <a:schemeClr val="tx1"/>
+          </a:solidFill>
+          <a:latin typeface="+mn-lt"/>
+          <a:ea typeface="+mn-ea"/>
+          <a:cs typeface="+mn-cs"/>
+        </a:defRPr>
+      </a:lvl7pPr>
+      <a:lvl8pPr marL="3200400" algn="l" defTabSz="914400" rtl="0" eaLnBrk="1" latinLnBrk="0" hangingPunct="1">
+        <a:defRPr sz="1800" kern="1200">
+          <a:solidFill>
+            <a:schemeClr val="tx1"/>
+          </a:solidFill>
+          <a:latin typeface="+mn-lt"/>
+          <a:ea typeface="+mn-ea"/>
+          <a:cs typeface="+mn-cs"/>
+        </a:defRPr>
+      </a:lvl8pPr>
+      <a:lvl9pPr marL="3657600" algn="l" defTabSz="914400" rtl="0" eaLnBrk="1" latinLnBrk="0" hangingPunct="1">
+        <a:defRPr sz="1800" kern="1200">
+          <a:solidFill>
+            <a:schemeClr val="tx1"/>
+          </a:solidFill>
+          <a:latin typeface="+mn-lt"/>
+          <a:ea typeface="+mn-ea"/>
+          <a:cs typeface="+mn-cs"/>
+        </a:defRPr>
+      </a:lvl9pPr>
+    </p:otherStyle>
+  </p:txStyles>
 </p:sldMaster>
 </file>
 
 <file path=ppt/slideMasters/slideMaster2.xml><?xml version="1.0" encoding="utf-8"?>
-<p:sldMaster xmlns:a="http://schemas.openxmlformats.org/drawingml/2006/main" xmlns:p="http://schemas.openxmlformats.org/presentationml/2006/main" xmlns:r="http://schemas.openxmlformats.org/officeDocument/2006/relationships" xmlns:p14="http://schemas.microsoft.com/office/powerpoint/2010/main" xmlns:p15="http://schemas.microsoft.com/office/powerpoint/2012/main" xmlns:mc="http://schemas.openxmlformats.org/markup-compatibility/2006">
+<p:sldMaster xmlns:a="http://schemas.openxmlformats.org/drawingml/2006/main" xmlns:r="http://schemas.openxmlformats.org/officeDocument/2006/relationships" xmlns:p="http://schemas.openxmlformats.org/presentationml/2006/main">
   <p:cSld>
     <p:bg>
       <p:bgPr>
         <a:solidFill>
-          <a:srgbClr val="ffffff"/>
+          <a:srgbClr val="FFFFFF"/>
         </a:solidFill>
+        <a:effectLst/>
       </p:bgPr>
     </p:bg>
     <p:spTree>
@@ -3514,7 +4447,7 @@
             <a:avLst/>
           </a:prstGeom>
           <a:solidFill>
-            <a:srgbClr val="c8c8c8">
+            <a:srgbClr val="C8C8C8">
               <a:alpha val="50000"/>
             </a:srgbClr>
           </a:solidFill>
@@ -3558,6 +4491,7 @@
         </p:spPr>
         <p:txBody>
           <a:bodyPr anchor="ctr"/>
+          <a:lstStyle/>
           <a:p>
             <a:pPr>
               <a:lnSpc>
@@ -3565,15 +4499,15 @@
               </a:lnSpc>
             </a:pPr>
             <a:r>
-              <a:rPr b="0" lang="en-US" sz="3600" spc="-58" strike="noStrike">
+              <a:rPr lang="en-US" sz="3600" b="0" strike="noStrike" spc="-58">
                 <a:solidFill>
-                  <a:srgbClr val="ffffff"/>
+                  <a:srgbClr val="FFFFFF"/>
                 </a:solidFill>
                 <a:latin typeface="Corbel"/>
               </a:rPr>
               <a:t>Click to edit Master title style</a:t>
             </a:r>
-            <a:endParaRPr b="0" lang="en-US" sz="3600" spc="-1" strike="noStrike">
+            <a:endParaRPr lang="en-US" sz="3600" b="0" strike="noStrike" spc="-1">
               <a:solidFill>
                 <a:srgbClr val="000000"/>
               </a:solidFill>
@@ -3603,6 +4537,7 @@
         </p:spPr>
         <p:txBody>
           <a:bodyPr anchor="ctr"/>
+          <a:lstStyle/>
           <a:p>
             <a:pPr marL="182880" indent="-182520">
               <a:lnSpc>
@@ -3612,13 +4547,13 @@
                 <a:spcPts val="1199"/>
               </a:spcBef>
               <a:buClr>
-                <a:srgbClr val="f0a22e"/>
+                <a:srgbClr val="F0A22E"/>
               </a:buClr>
               <a:buFont typeface="Wingdings 2" charset="2"/>
               <a:buChar char=""/>
             </a:pPr>
             <a:r>
-              <a:rPr b="0" lang="en-US" sz="2000" spc="-1" strike="noStrike">
+              <a:rPr lang="en-US" sz="2000" b="0" strike="noStrike" spc="-1">
                 <a:solidFill>
                   <a:srgbClr val="595959"/>
                 </a:solidFill>
@@ -3626,15 +4561,9 @@
               </a:rPr>
               <a:t>Edit Master text styles</a:t>
             </a:r>
-            <a:endParaRPr b="0" lang="en-US" sz="2000" spc="-1" strike="noStrike">
-              <a:solidFill>
-                <a:srgbClr val="595959"/>
-              </a:solidFill>
-              <a:latin typeface="Corbel"/>
-            </a:endParaRPr>
-          </a:p>
-          <a:p>
-            <a:pPr lvl="1" marL="685800" indent="-182520">
+          </a:p>
+          <a:p>
+            <a:pPr marL="685800" lvl="1" indent="-182520">
               <a:lnSpc>
                 <a:spcPct val="100000"/>
               </a:lnSpc>
@@ -3645,13 +4574,13 @@
                 <a:spcPts val="249"/>
               </a:spcAft>
               <a:buClr>
-                <a:srgbClr val="f0a22e"/>
+                <a:srgbClr val="F0A22E"/>
               </a:buClr>
               <a:buFont typeface="Wingdings 2" charset="2"/>
               <a:buChar char=""/>
             </a:pPr>
             <a:r>
-              <a:rPr b="0" lang="en-US" sz="1800" spc="-1" strike="noStrike">
+              <a:rPr lang="en-US" sz="1800" b="0" strike="noStrike" spc="-1">
                 <a:solidFill>
                   <a:srgbClr val="595959"/>
                 </a:solidFill>
@@ -3659,15 +4588,9 @@
               </a:rPr>
               <a:t>Second level</a:t>
             </a:r>
-            <a:endParaRPr b="0" lang="en-US" sz="1800" spc="-1" strike="noStrike">
-              <a:solidFill>
-                <a:srgbClr val="595959"/>
-              </a:solidFill>
-              <a:latin typeface="Corbel"/>
-            </a:endParaRPr>
-          </a:p>
-          <a:p>
-            <a:pPr lvl="2" marL="1143000" indent="-182520">
+          </a:p>
+          <a:p>
+            <a:pPr marL="1143000" lvl="2" indent="-182520">
               <a:lnSpc>
                 <a:spcPct val="100000"/>
               </a:lnSpc>
@@ -3678,13 +4601,13 @@
                 <a:spcPts val="249"/>
               </a:spcAft>
               <a:buClr>
-                <a:srgbClr val="f0a22e"/>
+                <a:srgbClr val="F0A22E"/>
               </a:buClr>
               <a:buFont typeface="Wingdings 2" charset="2"/>
               <a:buChar char=""/>
             </a:pPr>
             <a:r>
-              <a:rPr b="0" lang="en-US" sz="1600" spc="-1" strike="noStrike">
+              <a:rPr lang="en-US" sz="1600" b="0" strike="noStrike" spc="-1">
                 <a:solidFill>
                   <a:srgbClr val="595959"/>
                 </a:solidFill>
@@ -3692,15 +4615,9 @@
               </a:rPr>
               <a:t>Third level</a:t>
             </a:r>
-            <a:endParaRPr b="0" lang="en-US" sz="1600" spc="-1" strike="noStrike">
-              <a:solidFill>
-                <a:srgbClr val="595959"/>
-              </a:solidFill>
-              <a:latin typeface="Corbel"/>
-            </a:endParaRPr>
-          </a:p>
-          <a:p>
-            <a:pPr lvl="3" marL="1600200" indent="-182520">
+          </a:p>
+          <a:p>
+            <a:pPr marL="1600200" lvl="3" indent="-182520">
               <a:lnSpc>
                 <a:spcPct val="100000"/>
               </a:lnSpc>
@@ -3711,13 +4628,13 @@
                 <a:spcPts val="249"/>
               </a:spcAft>
               <a:buClr>
-                <a:srgbClr val="f0a22e"/>
+                <a:srgbClr val="F0A22E"/>
               </a:buClr>
               <a:buFont typeface="Wingdings 2" charset="2"/>
               <a:buChar char=""/>
             </a:pPr>
             <a:r>
-              <a:rPr b="0" lang="en-US" sz="1400" spc="-1" strike="noStrike">
+              <a:rPr lang="en-US" sz="1400" b="0" strike="noStrike" spc="-1">
                 <a:solidFill>
                   <a:srgbClr val="595959"/>
                 </a:solidFill>
@@ -3725,15 +4642,9 @@
               </a:rPr>
               <a:t>Fourth level</a:t>
             </a:r>
-            <a:endParaRPr b="0" lang="en-US" sz="1400" spc="-1" strike="noStrike">
-              <a:solidFill>
-                <a:srgbClr val="595959"/>
-              </a:solidFill>
-              <a:latin typeface="Corbel"/>
-            </a:endParaRPr>
-          </a:p>
-          <a:p>
-            <a:pPr lvl="4" marL="2057400" indent="-182520">
+          </a:p>
+          <a:p>
+            <a:pPr marL="2057400" lvl="4" indent="-182520">
               <a:lnSpc>
                 <a:spcPct val="100000"/>
               </a:lnSpc>
@@ -3744,13 +4655,13 @@
                 <a:spcPts val="249"/>
               </a:spcAft>
               <a:buClr>
-                <a:srgbClr val="f0a22e"/>
+                <a:srgbClr val="F0A22E"/>
               </a:buClr>
               <a:buFont typeface="Wingdings 2" charset="2"/>
               <a:buChar char=""/>
             </a:pPr>
             <a:r>
-              <a:rPr b="0" lang="en-US" sz="1400" spc="-1" strike="noStrike">
+              <a:rPr lang="en-US" sz="1400" b="0" strike="noStrike" spc="-1">
                 <a:solidFill>
                   <a:srgbClr val="595959"/>
                 </a:solidFill>
@@ -3758,12 +4669,6 @@
               </a:rPr>
               <a:t>Fifth level</a:t>
             </a:r>
-            <a:endParaRPr b="0" lang="en-US" sz="1400" spc="-1" strike="noStrike">
-              <a:solidFill>
-                <a:srgbClr val="595959"/>
-              </a:solidFill>
-              <a:latin typeface="Corbel"/>
-            </a:endParaRPr>
           </a:p>
         </p:txBody>
       </p:sp>
@@ -3788,6 +4693,7 @@
         </p:spPr>
         <p:txBody>
           <a:bodyPr anchor="ctr"/>
+          <a:lstStyle/>
           <a:p>
             <a:pPr>
               <a:lnSpc>
@@ -3795,15 +4701,15 @@
               </a:lnSpc>
             </a:pPr>
             <a:fld id="{2F5F89C0-7BE5-4642-B40A-D885B30181FC}" type="datetime">
-              <a:rPr b="0" lang="en-US" sz="1100" spc="-1" strike="noStrike">
+              <a:rPr lang="en-US" sz="1100" b="0" strike="noStrike" spc="-1">
                 <a:solidFill>
                   <a:srgbClr val="808080"/>
                 </a:solidFill>
                 <a:latin typeface="Corbel"/>
               </a:rPr>
-              <a:t>8/5/19</a:t>
+              <a:t>8/5/2019</a:t>
             </a:fld>
-            <a:endParaRPr b="0" lang="en-US" sz="1100" spc="-1" strike="noStrike">
+            <a:endParaRPr lang="en-US" sz="1100" b="0" strike="noStrike" spc="-1">
               <a:latin typeface="Times New Roman"/>
             </a:endParaRPr>
           </a:p>
@@ -3830,8 +4736,9 @@
         </p:spPr>
         <p:txBody>
           <a:bodyPr anchor="ctr"/>
-          <a:p>
-            <a:endParaRPr b="0" lang="en-US" sz="2400" spc="-1" strike="noStrike">
+          <a:lstStyle/>
+          <a:p>
+            <a:endParaRPr lang="en-US" sz="2400" b="0" strike="noStrike" spc="-1">
               <a:latin typeface="Times New Roman"/>
             </a:endParaRPr>
           </a:p>
@@ -3858,6 +4765,7 @@
         </p:spPr>
         <p:txBody>
           <a:bodyPr anchor="ctr"/>
+          <a:lstStyle/>
           <a:p>
             <a:pPr algn="r">
               <a:lnSpc>
@@ -3865,15 +4773,15 @@
               </a:lnSpc>
             </a:pPr>
             <a:fld id="{CFCF8F1D-5C48-4B3C-BE10-0980B8DF8002}" type="slidenum">
-              <a:rPr b="1" lang="en-US" sz="1200" spc="-1" strike="noStrike">
+              <a:rPr lang="en-US" sz="1200" b="1" strike="noStrike" spc="-1">
                 <a:solidFill>
-                  <a:srgbClr val="f0a22e"/>
+                  <a:srgbClr val="F0A22E"/>
                 </a:solidFill>
                 <a:latin typeface="Corbel"/>
               </a:rPr>
-              <a:t>&lt;number&gt;</a:t>
+              <a:t>‹#›</a:t>
             </a:fld>
-            <a:endParaRPr b="0" lang="en-US" sz="1200" spc="-1" strike="noStrike">
+            <a:endParaRPr lang="en-US" sz="1200" b="0" strike="noStrike" spc="-1">
               <a:latin typeface="Times New Roman"/>
             </a:endParaRPr>
           </a:p>
@@ -3881,26 +4789,306 @@
       </p:sp>
     </p:spTree>
   </p:cSld>
-  <p:clrMap bg1="lt1" bg2="lt2" tx1="dk1" tx2="dk2" accent1="accent1" accent2="accent2" accent3="accent3" accent4="accent4" accent5="accent5" accent6="accent6" hlink="hlink" folHlink="folHlink"/>
+  <p:clrMap bg1="lt1" tx1="dk1" bg2="lt2" tx2="dk2" accent1="accent1" accent2="accent2" accent3="accent3" accent4="accent4" accent5="accent5" accent6="accent6" hlink="hlink" folHlink="folHlink"/>
   <p:sldLayoutIdLst>
-    <p:sldLayoutId id="2147483662" r:id="rId2"/>
-    <p:sldLayoutId id="2147483663" r:id="rId3"/>
-    <p:sldLayoutId id="2147483664" r:id="rId4"/>
-    <p:sldLayoutId id="2147483665" r:id="rId5"/>
-    <p:sldLayoutId id="2147483666" r:id="rId6"/>
-    <p:sldLayoutId id="2147483667" r:id="rId7"/>
-    <p:sldLayoutId id="2147483668" r:id="rId8"/>
-    <p:sldLayoutId id="2147483669" r:id="rId9"/>
-    <p:sldLayoutId id="2147483670" r:id="rId10"/>
-    <p:sldLayoutId id="2147483671" r:id="rId11"/>
-    <p:sldLayoutId id="2147483672" r:id="rId12"/>
-    <p:sldLayoutId id="2147483673" r:id="rId13"/>
+    <p:sldLayoutId id="2147483662" r:id="rId1"/>
+    <p:sldLayoutId id="2147483663" r:id="rId2"/>
+    <p:sldLayoutId id="2147483664" r:id="rId3"/>
+    <p:sldLayoutId id="2147483665" r:id="rId4"/>
+    <p:sldLayoutId id="2147483666" r:id="rId5"/>
+    <p:sldLayoutId id="2147483667" r:id="rId6"/>
+    <p:sldLayoutId id="2147483668" r:id="rId7"/>
+    <p:sldLayoutId id="2147483669" r:id="rId8"/>
+    <p:sldLayoutId id="2147483670" r:id="rId9"/>
+    <p:sldLayoutId id="2147483671" r:id="rId10"/>
+    <p:sldLayoutId id="2147483672" r:id="rId11"/>
+    <p:sldLayoutId id="2147483673" r:id="rId12"/>
   </p:sldLayoutIdLst>
+  <p:txStyles>
+    <p:titleStyle>
+      <a:lvl1pPr algn="l" defTabSz="914400" rtl="0" eaLnBrk="1" latinLnBrk="0" hangingPunct="1">
+        <a:lnSpc>
+          <a:spcPct val="90000"/>
+        </a:lnSpc>
+        <a:spcBef>
+          <a:spcPct val="0"/>
+        </a:spcBef>
+        <a:buNone/>
+        <a:defRPr sz="4400" kern="1200">
+          <a:solidFill>
+            <a:schemeClr val="tx1"/>
+          </a:solidFill>
+          <a:latin typeface="+mj-lt"/>
+          <a:ea typeface="+mj-ea"/>
+          <a:cs typeface="+mj-cs"/>
+        </a:defRPr>
+      </a:lvl1pPr>
+    </p:titleStyle>
+    <p:bodyStyle>
+      <a:lvl1pPr marL="228600" indent="-228600" algn="l" defTabSz="914400" rtl="0" eaLnBrk="1" latinLnBrk="0" hangingPunct="1">
+        <a:lnSpc>
+          <a:spcPct val="90000"/>
+        </a:lnSpc>
+        <a:spcBef>
+          <a:spcPts val="1000"/>
+        </a:spcBef>
+        <a:buFont typeface="Arial" panose="020B0604020202020204" pitchFamily="34" charset="0"/>
+        <a:buChar char="•"/>
+        <a:defRPr sz="2800" kern="1200">
+          <a:solidFill>
+            <a:schemeClr val="tx1"/>
+          </a:solidFill>
+          <a:latin typeface="+mn-lt"/>
+          <a:ea typeface="+mn-ea"/>
+          <a:cs typeface="+mn-cs"/>
+        </a:defRPr>
+      </a:lvl1pPr>
+      <a:lvl2pPr marL="685800" indent="-228600" algn="l" defTabSz="914400" rtl="0" eaLnBrk="1" latinLnBrk="0" hangingPunct="1">
+        <a:lnSpc>
+          <a:spcPct val="90000"/>
+        </a:lnSpc>
+        <a:spcBef>
+          <a:spcPts val="500"/>
+        </a:spcBef>
+        <a:buFont typeface="Arial" panose="020B0604020202020204" pitchFamily="34" charset="0"/>
+        <a:buChar char="•"/>
+        <a:defRPr sz="2400" kern="1200">
+          <a:solidFill>
+            <a:schemeClr val="tx1"/>
+          </a:solidFill>
+          <a:latin typeface="+mn-lt"/>
+          <a:ea typeface="+mn-ea"/>
+          <a:cs typeface="+mn-cs"/>
+        </a:defRPr>
+      </a:lvl2pPr>
+      <a:lvl3pPr marL="1143000" indent="-228600" algn="l" defTabSz="914400" rtl="0" eaLnBrk="1" latinLnBrk="0" hangingPunct="1">
+        <a:lnSpc>
+          <a:spcPct val="90000"/>
+        </a:lnSpc>
+        <a:spcBef>
+          <a:spcPts val="500"/>
+        </a:spcBef>
+        <a:buFont typeface="Arial" panose="020B0604020202020204" pitchFamily="34" charset="0"/>
+        <a:buChar char="•"/>
+        <a:defRPr sz="2000" kern="1200">
+          <a:solidFill>
+            <a:schemeClr val="tx1"/>
+          </a:solidFill>
+          <a:latin typeface="+mn-lt"/>
+          <a:ea typeface="+mn-ea"/>
+          <a:cs typeface="+mn-cs"/>
+        </a:defRPr>
+      </a:lvl3pPr>
+      <a:lvl4pPr marL="1600200" indent="-228600" algn="l" defTabSz="914400" rtl="0" eaLnBrk="1" latinLnBrk="0" hangingPunct="1">
+        <a:lnSpc>
+          <a:spcPct val="90000"/>
+        </a:lnSpc>
+        <a:spcBef>
+          <a:spcPts val="500"/>
+        </a:spcBef>
+        <a:buFont typeface="Arial" panose="020B0604020202020204" pitchFamily="34" charset="0"/>
+        <a:buChar char="•"/>
+        <a:defRPr sz="1800" kern="1200">
+          <a:solidFill>
+            <a:schemeClr val="tx1"/>
+          </a:solidFill>
+          <a:latin typeface="+mn-lt"/>
+          <a:ea typeface="+mn-ea"/>
+          <a:cs typeface="+mn-cs"/>
+        </a:defRPr>
+      </a:lvl4pPr>
+      <a:lvl5pPr marL="2057400" indent="-228600" algn="l" defTabSz="914400" rtl="0" eaLnBrk="1" latinLnBrk="0" hangingPunct="1">
+        <a:lnSpc>
+          <a:spcPct val="90000"/>
+        </a:lnSpc>
+        <a:spcBef>
+          <a:spcPts val="500"/>
+        </a:spcBef>
+        <a:buFont typeface="Arial" panose="020B0604020202020204" pitchFamily="34" charset="0"/>
+        <a:buChar char="•"/>
+        <a:defRPr sz="1800" kern="1200">
+          <a:solidFill>
+            <a:schemeClr val="tx1"/>
+          </a:solidFill>
+          <a:latin typeface="+mn-lt"/>
+          <a:ea typeface="+mn-ea"/>
+          <a:cs typeface="+mn-cs"/>
+        </a:defRPr>
+      </a:lvl5pPr>
+      <a:lvl6pPr marL="2514600" indent="-228600" algn="l" defTabSz="914400" rtl="0" eaLnBrk="1" latinLnBrk="0" hangingPunct="1">
+        <a:lnSpc>
+          <a:spcPct val="90000"/>
+        </a:lnSpc>
+        <a:spcBef>
+          <a:spcPts val="500"/>
+        </a:spcBef>
+        <a:buFont typeface="Arial" panose="020B0604020202020204" pitchFamily="34" charset="0"/>
+        <a:buChar char="•"/>
+        <a:defRPr sz="1800" kern="1200">
+          <a:solidFill>
+            <a:schemeClr val="tx1"/>
+          </a:solidFill>
+          <a:latin typeface="+mn-lt"/>
+          <a:ea typeface="+mn-ea"/>
+          <a:cs typeface="+mn-cs"/>
+        </a:defRPr>
+      </a:lvl6pPr>
+      <a:lvl7pPr marL="2971800" indent="-228600" algn="l" defTabSz="914400" rtl="0" eaLnBrk="1" latinLnBrk="0" hangingPunct="1">
+        <a:lnSpc>
+          <a:spcPct val="90000"/>
+        </a:lnSpc>
+        <a:spcBef>
+          <a:spcPts val="500"/>
+        </a:spcBef>
+        <a:buFont typeface="Arial" panose="020B0604020202020204" pitchFamily="34" charset="0"/>
+        <a:buChar char="•"/>
+        <a:defRPr sz="1800" kern="1200">
+          <a:solidFill>
+            <a:schemeClr val="tx1"/>
+          </a:solidFill>
+          <a:latin typeface="+mn-lt"/>
+          <a:ea typeface="+mn-ea"/>
+          <a:cs typeface="+mn-cs"/>
+        </a:defRPr>
+      </a:lvl7pPr>
+      <a:lvl8pPr marL="3429000" indent="-228600" algn="l" defTabSz="914400" rtl="0" eaLnBrk="1" latinLnBrk="0" hangingPunct="1">
+        <a:lnSpc>
+          <a:spcPct val="90000"/>
+        </a:lnSpc>
+        <a:spcBef>
+          <a:spcPts val="500"/>
+        </a:spcBef>
+        <a:buFont typeface="Arial" panose="020B0604020202020204" pitchFamily="34" charset="0"/>
+        <a:buChar char="•"/>
+        <a:defRPr sz="1800" kern="1200">
+          <a:solidFill>
+            <a:schemeClr val="tx1"/>
+          </a:solidFill>
+          <a:latin typeface="+mn-lt"/>
+          <a:ea typeface="+mn-ea"/>
+          <a:cs typeface="+mn-cs"/>
+        </a:defRPr>
+      </a:lvl8pPr>
+      <a:lvl9pPr marL="3886200" indent="-228600" algn="l" defTabSz="914400" rtl="0" eaLnBrk="1" latinLnBrk="0" hangingPunct="1">
+        <a:lnSpc>
+          <a:spcPct val="90000"/>
+        </a:lnSpc>
+        <a:spcBef>
+          <a:spcPts val="500"/>
+        </a:spcBef>
+        <a:buFont typeface="Arial" panose="020B0604020202020204" pitchFamily="34" charset="0"/>
+        <a:buChar char="•"/>
+        <a:defRPr sz="1800" kern="1200">
+          <a:solidFill>
+            <a:schemeClr val="tx1"/>
+          </a:solidFill>
+          <a:latin typeface="+mn-lt"/>
+          <a:ea typeface="+mn-ea"/>
+          <a:cs typeface="+mn-cs"/>
+        </a:defRPr>
+      </a:lvl9pPr>
+    </p:bodyStyle>
+    <p:otherStyle>
+      <a:defPPr>
+        <a:defRPr lang="en-US"/>
+      </a:defPPr>
+      <a:lvl1pPr marL="0" algn="l" defTabSz="914400" rtl="0" eaLnBrk="1" latinLnBrk="0" hangingPunct="1">
+        <a:defRPr sz="1800" kern="1200">
+          <a:solidFill>
+            <a:schemeClr val="tx1"/>
+          </a:solidFill>
+          <a:latin typeface="+mn-lt"/>
+          <a:ea typeface="+mn-ea"/>
+          <a:cs typeface="+mn-cs"/>
+        </a:defRPr>
+      </a:lvl1pPr>
+      <a:lvl2pPr marL="457200" algn="l" defTabSz="914400" rtl="0" eaLnBrk="1" latinLnBrk="0" hangingPunct="1">
+        <a:defRPr sz="1800" kern="1200">
+          <a:solidFill>
+            <a:schemeClr val="tx1"/>
+          </a:solidFill>
+          <a:latin typeface="+mn-lt"/>
+          <a:ea typeface="+mn-ea"/>
+          <a:cs typeface="+mn-cs"/>
+        </a:defRPr>
+      </a:lvl2pPr>
+      <a:lvl3pPr marL="914400" algn="l" defTabSz="914400" rtl="0" eaLnBrk="1" latinLnBrk="0" hangingPunct="1">
+        <a:defRPr sz="1800" kern="1200">
+          <a:solidFill>
+            <a:schemeClr val="tx1"/>
+          </a:solidFill>
+          <a:latin typeface="+mn-lt"/>
+          <a:ea typeface="+mn-ea"/>
+          <a:cs typeface="+mn-cs"/>
+        </a:defRPr>
+      </a:lvl3pPr>
+      <a:lvl4pPr marL="1371600" algn="l" defTabSz="914400" rtl="0" eaLnBrk="1" latinLnBrk="0" hangingPunct="1">
+        <a:defRPr sz="1800" kern="1200">
+          <a:solidFill>
+            <a:schemeClr val="tx1"/>
+          </a:solidFill>
+          <a:latin typeface="+mn-lt"/>
+          <a:ea typeface="+mn-ea"/>
+          <a:cs typeface="+mn-cs"/>
+        </a:defRPr>
+      </a:lvl4pPr>
+      <a:lvl5pPr marL="1828800" algn="l" defTabSz="914400" rtl="0" eaLnBrk="1" latinLnBrk="0" hangingPunct="1">
+        <a:defRPr sz="1800" kern="1200">
+          <a:solidFill>
+            <a:schemeClr val="tx1"/>
+          </a:solidFill>
+          <a:latin typeface="+mn-lt"/>
+          <a:ea typeface="+mn-ea"/>
+          <a:cs typeface="+mn-cs"/>
+        </a:defRPr>
+      </a:lvl5pPr>
+      <a:lvl6pPr marL="2286000" algn="l" defTabSz="914400" rtl="0" eaLnBrk="1" latinLnBrk="0" hangingPunct="1">
+        <a:defRPr sz="1800" kern="1200">
+          <a:solidFill>
+            <a:schemeClr val="tx1"/>
+          </a:solidFill>
+          <a:latin typeface="+mn-lt"/>
+          <a:ea typeface="+mn-ea"/>
+          <a:cs typeface="+mn-cs"/>
+        </a:defRPr>
+      </a:lvl6pPr>
+      <a:lvl7pPr marL="2743200" algn="l" defTabSz="914400" rtl="0" eaLnBrk="1" latinLnBrk="0" hangingPunct="1">
+        <a:defRPr sz="1800" kern="1200">
+          <a:solidFill>
+            <a:schemeClr val="tx1"/>
+          </a:solidFill>
+          <a:latin typeface="+mn-lt"/>
+          <a:ea typeface="+mn-ea"/>
+          <a:cs typeface="+mn-cs"/>
+        </a:defRPr>
+      </a:lvl7pPr>
+      <a:lvl8pPr marL="3200400" algn="l" defTabSz="914400" rtl="0" eaLnBrk="1" latinLnBrk="0" hangingPunct="1">
+        <a:defRPr sz="1800" kern="1200">
+          <a:solidFill>
+            <a:schemeClr val="tx1"/>
+          </a:solidFill>
+          <a:latin typeface="+mn-lt"/>
+          <a:ea typeface="+mn-ea"/>
+          <a:cs typeface="+mn-cs"/>
+        </a:defRPr>
+      </a:lvl8pPr>
+      <a:lvl9pPr marL="3657600" algn="l" defTabSz="914400" rtl="0" eaLnBrk="1" latinLnBrk="0" hangingPunct="1">
+        <a:defRPr sz="1800" kern="1200">
+          <a:solidFill>
+            <a:schemeClr val="tx1"/>
+          </a:solidFill>
+          <a:latin typeface="+mn-lt"/>
+          <a:ea typeface="+mn-ea"/>
+          <a:cs typeface="+mn-cs"/>
+        </a:defRPr>
+      </a:lvl9pPr>
+    </p:otherStyle>
+  </p:txStyles>
 </p:sldMaster>
 </file>
 
 <file path=ppt/slides/slide1.xml><?xml version="1.0" encoding="utf-8"?>
-<p:sld xmlns:a="http://schemas.openxmlformats.org/drawingml/2006/main" xmlns:p="http://schemas.openxmlformats.org/presentationml/2006/main" xmlns:r="http://schemas.openxmlformats.org/officeDocument/2006/relationships" xmlns:p14="http://schemas.microsoft.com/office/powerpoint/2010/main" xmlns:p15="http://schemas.microsoft.com/office/powerpoint/2012/main" xmlns:mc="http://schemas.openxmlformats.org/markup-compatibility/2006">
+<p:sld xmlns:a="http://schemas.openxmlformats.org/drawingml/2006/main" xmlns:r="http://schemas.openxmlformats.org/officeDocument/2006/relationships" xmlns:p="http://schemas.openxmlformats.org/presentationml/2006/main">
   <p:cSld>
     <p:spTree>
       <p:nvGrpSpPr>
@@ -3937,8 +5125,9 @@
         </p:spPr>
         <p:txBody>
           <a:bodyPr anchor="b">
-            <a:normAutofit/>
+            <a:normAutofit fontScale="92500" lnSpcReduction="10000"/>
           </a:bodyPr>
+          <a:lstStyle/>
           <a:p>
             <a:pPr>
               <a:lnSpc>
@@ -3946,16 +5135,54 @@
               </a:lnSpc>
             </a:pPr>
             <a:r>
-              <a:rPr b="0" lang="en-US" sz="5900" spc="-97" strike="noStrike">
+              <a:rPr lang="en-US" sz="5900" b="0" strike="noStrike" spc="-97" dirty="0" err="1">
                 <a:solidFill>
-                  <a:srgbClr val="ffffff"/>
+                  <a:srgbClr val="FFFFFF"/>
                 </a:solidFill>
                 <a:latin typeface="Corbel"/>
               </a:rPr>
-              <a:t>Hardware.Astronomy Housekeeping Box (H.aCKBox) Chassis</a:t>
+              <a:t>Hardware.Astronomy</a:t>
             </a:r>
-            <a:br/>
-            <a:endParaRPr b="0" lang="en-US" sz="5900" spc="-1" strike="noStrike">
+            <a:r>
+              <a:rPr lang="en-US" sz="5900" b="0" strike="noStrike" spc="-97" dirty="0">
+                <a:solidFill>
+                  <a:srgbClr val="FFFFFF"/>
+                </a:solidFill>
+                <a:latin typeface="Corbel"/>
+              </a:rPr>
+              <a:t> Housekeeping Box (</a:t>
+            </a:r>
+            <a:r>
+              <a:rPr lang="en-US" sz="5900" spc="-97" dirty="0" err="1">
+                <a:solidFill>
+                  <a:srgbClr val="FFFFFF"/>
+                </a:solidFill>
+                <a:latin typeface="Corbel"/>
+              </a:rPr>
+              <a:t>h</a:t>
+            </a:r>
+            <a:r>
+              <a:rPr lang="en-US" sz="5900" b="0" strike="noStrike" spc="-97" dirty="0" err="1">
+                <a:solidFill>
+                  <a:srgbClr val="FFFFFF"/>
+                </a:solidFill>
+                <a:latin typeface="Corbel"/>
+              </a:rPr>
+              <a:t>.aHKBox</a:t>
+            </a:r>
+            <a:r>
+              <a:rPr lang="en-US" sz="5900" b="0" strike="noStrike" spc="-97" dirty="0">
+                <a:solidFill>
+                  <a:srgbClr val="FFFFFF"/>
+                </a:solidFill>
+                <a:latin typeface="Corbel"/>
+              </a:rPr>
+              <a:t>) Chassis</a:t>
+            </a:r>
+            <a:br>
+              <a:rPr dirty="0"/>
+            </a:br>
+            <a:endParaRPr lang="en-US" sz="5900" b="0" strike="noStrike" spc="-1" dirty="0">
               <a:solidFill>
                 <a:srgbClr val="000000"/>
               </a:solidFill>
@@ -3985,6 +5212,7 @@
         </p:spPr>
         <p:txBody>
           <a:bodyPr/>
+          <a:lstStyle/>
           <a:p>
             <a:pPr>
               <a:lnSpc>
@@ -3995,15 +5223,15 @@
               </a:spcBef>
             </a:pPr>
             <a:r>
-              <a:rPr b="0" lang="en-US" sz="2200" spc="-1" strike="noStrike">
+              <a:rPr lang="en-US" sz="2200" b="0" strike="noStrike" spc="-1">
                 <a:solidFill>
-                  <a:srgbClr val="fcecd5"/>
+                  <a:srgbClr val="FCECD5"/>
                 </a:solidFill>
                 <a:latin typeface="Corbel"/>
               </a:rPr>
               <a:t>As Worked On By Adam Stammer</a:t>
             </a:r>
-            <a:endParaRPr b="0" lang="en-US" sz="2200" spc="-1" strike="noStrike">
+            <a:endParaRPr lang="en-US" sz="2200" b="0" strike="noStrike" spc="-1">
               <a:latin typeface="Arial"/>
             </a:endParaRPr>
           </a:p>
@@ -4011,6 +5239,9 @@
       </p:sp>
     </p:spTree>
   </p:cSld>
+  <p:clrMapOvr>
+    <a:masterClrMapping/>
+  </p:clrMapOvr>
   <p:timing>
     <p:tnLst>
       <p:par>
@@ -4019,14 +5250,423 @@
             <p:seq>
               <p:cTn id="2" dur="indefinite" nodeType="mainSeq"/>
               <p:prevCondLst>
-                <p:cond delay="0" evt="onPrev">
+                <p:cond evt="onPrev" delay="0">
                   <p:tgtEl>
                     <p:sldTgt/>
                   </p:tgtEl>
                 </p:cond>
               </p:prevCondLst>
               <p:nextCondLst>
-                <p:cond delay="0" evt="onNext">
+                <p:cond evt="onNext" delay="0">
+                  <p:tgtEl>
+                    <p:sldTgt/>
+                  </p:tgtEl>
+                </p:cond>
+              </p:nextCondLst>
+            </p:seq>
+          </p:childTnLst>
+        </p:cTn>
+      </p:par>
+    </p:tnLst>
+  </p:timing>
+</p:sld>
+</file>
+
+<file path=ppt/slides/slide10.xml><?xml version="1.0" encoding="utf-8"?>
+<p:sld xmlns:a="http://schemas.openxmlformats.org/drawingml/2006/main" xmlns:r="http://schemas.openxmlformats.org/officeDocument/2006/relationships" xmlns:p="http://schemas.openxmlformats.org/presentationml/2006/main">
+  <p:cSld>
+    <p:spTree>
+      <p:nvGrpSpPr>
+        <p:cNvPr id="1" name=""/>
+        <p:cNvGrpSpPr/>
+        <p:nvPr/>
+      </p:nvGrpSpPr>
+      <p:grpSpPr>
+        <a:xfrm>
+          <a:off x="0" y="0"/>
+          <a:ext cx="0" cy="0"/>
+          <a:chOff x="0" y="0"/>
+          <a:chExt cx="0" cy="0"/>
+        </a:xfrm>
+      </p:grpSpPr>
+      <p:sp>
+        <p:nvSpPr>
+          <p:cNvPr id="2" name="Title 1">
+            <a:extLst>
+              <a:ext uri="{FF2B5EF4-FFF2-40B4-BE49-F238E27FC236}">
+                <a16:creationId xmlns:a16="http://schemas.microsoft.com/office/drawing/2014/main" id="{373F7504-7515-4A74-A97B-A85997EA5C75}"/>
+              </a:ext>
+            </a:extLst>
+          </p:cNvPr>
+          <p:cNvSpPr>
+            <a:spLocks noGrp="1"/>
+          </p:cNvSpPr>
+          <p:nvPr>
+            <p:ph type="title"/>
+          </p:nvPr>
+        </p:nvSpPr>
+        <p:spPr/>
+        <p:txBody>
+          <a:bodyPr/>
+          <a:lstStyle/>
+          <a:p>
+            <a:endParaRPr lang="en-US"/>
+          </a:p>
+        </p:txBody>
+      </p:sp>
+      <p:sp>
+        <p:nvSpPr>
+          <p:cNvPr id="3" name="Subtitle 2">
+            <a:extLst>
+              <a:ext uri="{FF2B5EF4-FFF2-40B4-BE49-F238E27FC236}">
+                <a16:creationId xmlns:a16="http://schemas.microsoft.com/office/drawing/2014/main" id="{140C4163-B7A5-4340-A674-058DE75020F7}"/>
+              </a:ext>
+            </a:extLst>
+          </p:cNvPr>
+          <p:cNvSpPr>
+            <a:spLocks noGrp="1"/>
+          </p:cNvSpPr>
+          <p:nvPr>
+            <p:ph type="subTitle"/>
+          </p:nvPr>
+        </p:nvSpPr>
+        <p:spPr/>
+        <p:txBody>
+          <a:bodyPr/>
+          <a:lstStyle/>
+          <a:p>
+            <a:endParaRPr lang="en-US"/>
+          </a:p>
+        </p:txBody>
+      </p:sp>
+    </p:spTree>
+    <p:extLst>
+      <p:ext uri="{BB962C8B-B14F-4D97-AF65-F5344CB8AC3E}">
+        <p14:creationId xmlns:p14="http://schemas.microsoft.com/office/powerpoint/2010/main" val="2833081082"/>
+      </p:ext>
+    </p:extLst>
+  </p:cSld>
+  <p:clrMapOvr>
+    <a:masterClrMapping/>
+  </p:clrMapOvr>
+</p:sld>
+</file>
+
+<file path=ppt/slides/slide11.xml><?xml version="1.0" encoding="utf-8"?>
+<p:sld xmlns:a="http://schemas.openxmlformats.org/drawingml/2006/main" xmlns:r="http://schemas.openxmlformats.org/officeDocument/2006/relationships" xmlns:p="http://schemas.openxmlformats.org/presentationml/2006/main">
+  <p:cSld>
+    <p:spTree>
+      <p:nvGrpSpPr>
+        <p:cNvPr id="1" name=""/>
+        <p:cNvGrpSpPr/>
+        <p:nvPr/>
+      </p:nvGrpSpPr>
+      <p:grpSpPr>
+        <a:xfrm>
+          <a:off x="0" y="0"/>
+          <a:ext cx="0" cy="0"/>
+          <a:chOff x="0" y="0"/>
+          <a:chExt cx="0" cy="0"/>
+        </a:xfrm>
+      </p:grpSpPr>
+      <p:sp>
+        <p:nvSpPr>
+          <p:cNvPr id="112" name="TextShape 1"/>
+          <p:cNvSpPr txBox="1"/>
+          <p:nvPr/>
+        </p:nvSpPr>
+        <p:spPr>
+          <a:xfrm>
+            <a:off x="253080" y="1123920"/>
+            <a:ext cx="2946960" cy="4600800"/>
+          </a:xfrm>
+          <a:prstGeom prst="rect">
+            <a:avLst/>
+          </a:prstGeom>
+          <a:noFill/>
+          <a:ln>
+            <a:noFill/>
+          </a:ln>
+        </p:spPr>
+        <p:txBody>
+          <a:bodyPr anchor="ctr"/>
+          <a:lstStyle/>
+          <a:p>
+            <a:pPr>
+              <a:lnSpc>
+                <a:spcPct val="90000"/>
+              </a:lnSpc>
+            </a:pPr>
+            <a:r>
+              <a:rPr lang="en-US" sz="3600" b="0" strike="noStrike" spc="-58">
+                <a:solidFill>
+                  <a:srgbClr val="FFFFFF"/>
+                </a:solidFill>
+                <a:latin typeface="Corbel"/>
+              </a:rPr>
+              <a:t>Next Steps</a:t>
+            </a:r>
+            <a:endParaRPr lang="en-US" sz="3600" b="0" strike="noStrike" spc="-1">
+              <a:solidFill>
+                <a:srgbClr val="000000"/>
+              </a:solidFill>
+              <a:latin typeface="Corbel"/>
+            </a:endParaRPr>
+          </a:p>
+        </p:txBody>
+      </p:sp>
+      <p:sp>
+        <p:nvSpPr>
+          <p:cNvPr id="113" name="TextShape 2"/>
+          <p:cNvSpPr txBox="1"/>
+          <p:nvPr/>
+        </p:nvSpPr>
+        <p:spPr>
+          <a:xfrm>
+            <a:off x="3869280" y="864000"/>
+            <a:ext cx="7314840" cy="5120280"/>
+          </a:xfrm>
+          <a:prstGeom prst="rect">
+            <a:avLst/>
+          </a:prstGeom>
+          <a:noFill/>
+          <a:ln>
+            <a:noFill/>
+          </a:ln>
+        </p:spPr>
+        <p:txBody>
+          <a:bodyPr anchor="ctr"/>
+          <a:lstStyle/>
+          <a:p>
+            <a:pPr>
+              <a:lnSpc>
+                <a:spcPct val="100000"/>
+              </a:lnSpc>
+              <a:spcBef>
+                <a:spcPts val="1199"/>
+              </a:spcBef>
+            </a:pPr>
+            <a:r>
+              <a:rPr lang="en-US" sz="2000" b="0" strike="noStrike" spc="-1">
+                <a:solidFill>
+                  <a:srgbClr val="595959"/>
+                </a:solidFill>
+                <a:latin typeface="Corbel"/>
+              </a:rPr>
+              <a:t>Finish Technical Guide</a:t>
+            </a:r>
+          </a:p>
+          <a:p>
+            <a:pPr marL="182880" indent="-182520">
+              <a:lnSpc>
+                <a:spcPct val="90000"/>
+              </a:lnSpc>
+              <a:spcBef>
+                <a:spcPts val="1199"/>
+              </a:spcBef>
+              <a:buClr>
+                <a:srgbClr val="F0A22E"/>
+              </a:buClr>
+              <a:buFont typeface="Wingdings 2" charset="2"/>
+              <a:buChar char=""/>
+            </a:pPr>
+            <a:r>
+              <a:rPr lang="en-US" sz="2000" b="0" strike="noStrike" spc="-1">
+                <a:solidFill>
+                  <a:srgbClr val="595959"/>
+                </a:solidFill>
+                <a:latin typeface="Corbel"/>
+              </a:rPr>
+              <a:t>Summarize completed work</a:t>
+            </a:r>
+          </a:p>
+          <a:p>
+            <a:pPr marL="182880" indent="-182520">
+              <a:lnSpc>
+                <a:spcPct val="90000"/>
+              </a:lnSpc>
+              <a:spcBef>
+                <a:spcPts val="1199"/>
+              </a:spcBef>
+              <a:buClr>
+                <a:srgbClr val="F0A22E"/>
+              </a:buClr>
+              <a:buFont typeface="Wingdings 2" charset="2"/>
+              <a:buChar char=""/>
+            </a:pPr>
+            <a:r>
+              <a:rPr lang="en-US" sz="2000" b="0" strike="noStrike" spc="-1">
+                <a:solidFill>
+                  <a:srgbClr val="595959"/>
+                </a:solidFill>
+                <a:latin typeface="Corbel"/>
+              </a:rPr>
+              <a:t>Guide future designers and end users</a:t>
+            </a:r>
+          </a:p>
+          <a:p>
+            <a:pPr>
+              <a:lnSpc>
+                <a:spcPct val="90000"/>
+              </a:lnSpc>
+              <a:spcBef>
+                <a:spcPts val="1199"/>
+              </a:spcBef>
+            </a:pPr>
+            <a:endParaRPr lang="en-US" sz="2000" b="0" strike="noStrike" spc="-1">
+              <a:solidFill>
+                <a:srgbClr val="595959"/>
+              </a:solidFill>
+              <a:latin typeface="Corbel"/>
+            </a:endParaRPr>
+          </a:p>
+          <a:p>
+            <a:pPr>
+              <a:lnSpc>
+                <a:spcPct val="100000"/>
+              </a:lnSpc>
+              <a:spcBef>
+                <a:spcPts val="1199"/>
+              </a:spcBef>
+            </a:pPr>
+            <a:r>
+              <a:rPr lang="en-US" sz="2000" b="0" strike="noStrike" spc="-1">
+                <a:solidFill>
+                  <a:srgbClr val="595959"/>
+                </a:solidFill>
+                <a:latin typeface="Corbel"/>
+              </a:rPr>
+              <a:t>Finish Backplane PCB Layout</a:t>
+            </a:r>
+          </a:p>
+          <a:p>
+            <a:pPr>
+              <a:lnSpc>
+                <a:spcPct val="100000"/>
+              </a:lnSpc>
+              <a:spcBef>
+                <a:spcPts val="1199"/>
+              </a:spcBef>
+            </a:pPr>
+            <a:endParaRPr lang="en-US" sz="2000" b="0" strike="noStrike" spc="-1">
+              <a:solidFill>
+                <a:srgbClr val="595959"/>
+              </a:solidFill>
+              <a:latin typeface="Corbel"/>
+            </a:endParaRPr>
+          </a:p>
+          <a:p>
+            <a:pPr>
+              <a:lnSpc>
+                <a:spcPct val="100000"/>
+              </a:lnSpc>
+              <a:spcBef>
+                <a:spcPts val="1199"/>
+              </a:spcBef>
+            </a:pPr>
+            <a:r>
+              <a:rPr lang="en-US" sz="2000" b="0" strike="noStrike" spc="-1">
+                <a:solidFill>
+                  <a:srgbClr val="595959"/>
+                </a:solidFill>
+                <a:latin typeface="Corbel"/>
+              </a:rPr>
+              <a:t>Build and Test Everything</a:t>
+            </a:r>
+          </a:p>
+          <a:p>
+            <a:pPr>
+              <a:lnSpc>
+                <a:spcPct val="100000"/>
+              </a:lnSpc>
+              <a:spcBef>
+                <a:spcPts val="1199"/>
+              </a:spcBef>
+            </a:pPr>
+            <a:endParaRPr lang="en-US" sz="2000" b="0" strike="noStrike" spc="-1">
+              <a:solidFill>
+                <a:srgbClr val="595959"/>
+              </a:solidFill>
+              <a:latin typeface="Corbel"/>
+            </a:endParaRPr>
+          </a:p>
+          <a:p>
+            <a:pPr>
+              <a:lnSpc>
+                <a:spcPct val="100000"/>
+              </a:lnSpc>
+              <a:spcBef>
+                <a:spcPts val="1199"/>
+              </a:spcBef>
+            </a:pPr>
+            <a:r>
+              <a:rPr lang="en-US" sz="2000" b="0" strike="noStrike" spc="-1">
+                <a:solidFill>
+                  <a:srgbClr val="595959"/>
+                </a:solidFill>
+                <a:latin typeface="Corbel"/>
+              </a:rPr>
+              <a:t>Program Controllers</a:t>
+            </a:r>
+          </a:p>
+          <a:p>
+            <a:pPr>
+              <a:lnSpc>
+                <a:spcPct val="100000"/>
+              </a:lnSpc>
+              <a:spcBef>
+                <a:spcPts val="1199"/>
+              </a:spcBef>
+            </a:pPr>
+            <a:endParaRPr lang="en-US" sz="2000" b="0" strike="noStrike" spc="-1">
+              <a:solidFill>
+                <a:srgbClr val="595959"/>
+              </a:solidFill>
+              <a:latin typeface="Corbel"/>
+            </a:endParaRPr>
+          </a:p>
+          <a:p>
+            <a:pPr>
+              <a:lnSpc>
+                <a:spcPct val="100000"/>
+              </a:lnSpc>
+              <a:spcBef>
+                <a:spcPts val="1199"/>
+              </a:spcBef>
+            </a:pPr>
+            <a:r>
+              <a:rPr lang="en-US" sz="2000" b="0" strike="noStrike" spc="-1">
+                <a:solidFill>
+                  <a:srgbClr val="595959"/>
+                </a:solidFill>
+                <a:latin typeface="Corbel"/>
+              </a:rPr>
+              <a:t>Design/Build Cards</a:t>
+            </a:r>
+          </a:p>
+        </p:txBody>
+      </p:sp>
+    </p:spTree>
+  </p:cSld>
+  <p:clrMapOvr>
+    <a:masterClrMapping/>
+  </p:clrMapOvr>
+  <p:timing>
+    <p:tnLst>
+      <p:par>
+        <p:cTn id="1" dur="indefinite" restart="never" nodeType="tmRoot">
+          <p:childTnLst>
+            <p:seq>
+              <p:cTn id="2" dur="indefinite" nodeType="mainSeq"/>
+              <p:prevCondLst>
+                <p:cond evt="onPrev" delay="0">
+                  <p:tgtEl>
+                    <p:sldTgt/>
+                  </p:tgtEl>
+                </p:cond>
+              </p:prevCondLst>
+              <p:nextCondLst>
+                <p:cond evt="onNext" delay="0">
                   <p:tgtEl>
                     <p:sldTgt/>
                   </p:tgtEl>
@@ -4042,7 +5682,7 @@
 </file>
 
 <file path=ppt/slides/slide2.xml><?xml version="1.0" encoding="utf-8"?>
-<p:sld xmlns:a="http://schemas.openxmlformats.org/drawingml/2006/main" xmlns:p="http://schemas.openxmlformats.org/presentationml/2006/main" xmlns:r="http://schemas.openxmlformats.org/officeDocument/2006/relationships" xmlns:p14="http://schemas.microsoft.com/office/powerpoint/2010/main" xmlns:p15="http://schemas.microsoft.com/office/powerpoint/2012/main" xmlns:mc="http://schemas.openxmlformats.org/markup-compatibility/2006">
+<p:sld xmlns:a="http://schemas.openxmlformats.org/drawingml/2006/main" xmlns:r="http://schemas.openxmlformats.org/officeDocument/2006/relationships" xmlns:p="http://schemas.openxmlformats.org/presentationml/2006/main">
   <p:cSld>
     <p:spTree>
       <p:nvGrpSpPr>
@@ -4079,6 +5719,7 @@
         </p:spPr>
         <p:txBody>
           <a:bodyPr anchor="ctr"/>
+          <a:lstStyle/>
           <a:p>
             <a:pPr>
               <a:lnSpc>
@@ -4086,15 +5727,15 @@
               </a:lnSpc>
             </a:pPr>
             <a:r>
-              <a:rPr b="0" lang="en-US" sz="3600" spc="-58" strike="noStrike">
+              <a:rPr lang="en-US" sz="3600" b="0" strike="noStrike" spc="-58">
                 <a:solidFill>
-                  <a:srgbClr val="ffffff"/>
+                  <a:srgbClr val="FFFFFF"/>
                 </a:solidFill>
                 <a:latin typeface="Corbel"/>
               </a:rPr>
               <a:t>Context</a:t>
             </a:r>
-            <a:endParaRPr b="0" lang="en-US" sz="3600" spc="-1" strike="noStrike">
+            <a:endParaRPr lang="en-US" sz="3600" b="0" strike="noStrike" spc="-1">
               <a:solidFill>
                 <a:srgbClr val="000000"/>
               </a:solidFill>
@@ -4124,6 +5765,7 @@
         </p:spPr>
         <p:txBody>
           <a:bodyPr anchor="ctr"/>
+          <a:lstStyle/>
           <a:p>
             <a:pPr>
               <a:lnSpc>
@@ -4134,7 +5776,7 @@
               </a:spcBef>
             </a:pPr>
             <a:r>
-              <a:rPr b="1" lang="en-US" sz="2000" spc="-1" strike="noStrike">
+              <a:rPr lang="en-US" sz="2000" b="1" strike="noStrike" spc="-1" dirty="0">
                 <a:solidFill>
                   <a:srgbClr val="595959"/>
                 </a:solidFill>
@@ -4142,7 +5784,7 @@
               </a:rPr>
               <a:t>Project Goal</a:t>
             </a:r>
-            <a:endParaRPr b="0" lang="en-US" sz="2000" spc="-1" strike="noStrike">
+            <a:endParaRPr lang="en-US" sz="2000" b="0" strike="noStrike" spc="-1" dirty="0">
               <a:solidFill>
                 <a:srgbClr val="595959"/>
               </a:solidFill>
@@ -4159,20 +5801,14 @@
               </a:spcBef>
             </a:pPr>
             <a:r>
-              <a:rPr b="0" lang="en-US" sz="2000" spc="-1" strike="noStrike">
+              <a:rPr lang="en-US" sz="2000" b="0" strike="noStrike" spc="-1" dirty="0">
                 <a:solidFill>
                   <a:srgbClr val="595959"/>
                 </a:solidFill>
                 <a:latin typeface="Corbel"/>
               </a:rPr>
-              <a:t>To design and build an open source, modular Eurocard system to be used as control equipment with the ZEUS2 while keeping costs down</a:t>
+              <a:t>To design and build an open source, modular Eurocard system to be used as astronomical control equipment</a:t>
             </a:r>
-            <a:endParaRPr b="0" lang="en-US" sz="2000" spc="-1" strike="noStrike">
-              <a:solidFill>
-                <a:srgbClr val="595959"/>
-              </a:solidFill>
-              <a:latin typeface="Corbel"/>
-            </a:endParaRPr>
           </a:p>
           <a:p>
             <a:pPr>
@@ -4184,7 +5820,32 @@
               </a:spcBef>
             </a:pPr>
             <a:r>
-              <a:rPr b="1" lang="en-US" sz="2000" spc="-1" strike="noStrike">
+              <a:rPr lang="en-US" sz="2000" spc="-1" dirty="0">
+                <a:solidFill>
+                  <a:srgbClr val="595959"/>
+                </a:solidFill>
+                <a:latin typeface="Corbel"/>
+              </a:rPr>
+              <a:t>To replace existing ZEUS2 control equipment with a cheaper, simpler, more robust system</a:t>
+            </a:r>
+            <a:endParaRPr lang="en-US" sz="2000" b="0" strike="noStrike" spc="-1" dirty="0">
+              <a:solidFill>
+                <a:srgbClr val="595959"/>
+              </a:solidFill>
+              <a:latin typeface="Corbel"/>
+            </a:endParaRPr>
+          </a:p>
+          <a:p>
+            <a:pPr>
+              <a:lnSpc>
+                <a:spcPct val="100000"/>
+              </a:lnSpc>
+              <a:spcBef>
+                <a:spcPts val="1199"/>
+              </a:spcBef>
+            </a:pPr>
+            <a:r>
+              <a:rPr lang="en-US" sz="2000" b="1" strike="noStrike" spc="-1" dirty="0">
                 <a:solidFill>
                   <a:srgbClr val="595959"/>
                 </a:solidFill>
@@ -4192,7 +5853,7 @@
               </a:rPr>
               <a:t>My Goals</a:t>
             </a:r>
-            <a:endParaRPr b="0" lang="en-US" sz="2000" spc="-1" strike="noStrike">
+            <a:endParaRPr lang="en-US" sz="2000" b="0" strike="noStrike" spc="-1" dirty="0">
               <a:solidFill>
                 <a:srgbClr val="595959"/>
               </a:solidFill>
@@ -4208,26 +5869,38 @@
                 <a:spcPts val="1199"/>
               </a:spcBef>
               <a:buClr>
-                <a:srgbClr val="f0a22e"/>
+                <a:srgbClr val="F0A22E"/>
               </a:buClr>
               <a:buFont typeface="Wingdings 2" charset="2"/>
               <a:buChar char=""/>
             </a:pPr>
             <a:r>
-              <a:rPr b="0" lang="en-US" sz="2000" spc="-1" strike="noStrike">
+              <a:rPr lang="en-US" sz="2000" b="0" strike="noStrike" spc="-1" dirty="0">
                 <a:solidFill>
                   <a:srgbClr val="595959"/>
                 </a:solidFill>
                 <a:latin typeface="Corbel"/>
               </a:rPr>
-              <a:t>Design Prototyping Card to aid in development</a:t>
+              <a:t>Design Prototyping </a:t>
             </a:r>
-            <a:endParaRPr b="0" lang="en-US" sz="2000" spc="-1" strike="noStrike">
-              <a:solidFill>
-                <a:srgbClr val="595959"/>
-              </a:solidFill>
-              <a:latin typeface="Corbel"/>
-            </a:endParaRPr>
+            <a:r>
+              <a:rPr lang="en-US" sz="2000" spc="-1" dirty="0">
+                <a:solidFill>
+                  <a:srgbClr val="595959"/>
+                </a:solidFill>
+                <a:latin typeface="Corbel"/>
+              </a:rPr>
+              <a:t>D</a:t>
+            </a:r>
+            <a:r>
+              <a:rPr lang="en-US" sz="2000" b="0" strike="noStrike" spc="-1" dirty="0">
+                <a:solidFill>
+                  <a:srgbClr val="595959"/>
+                </a:solidFill>
+                <a:latin typeface="Corbel"/>
+              </a:rPr>
+              <a:t>aughtercard (P-Card) to aid in development</a:t>
+            </a:r>
           </a:p>
           <a:p>
             <a:pPr marL="182880" indent="-182520">
@@ -4238,13 +5911,13 @@
                 <a:spcPts val="1199"/>
               </a:spcBef>
               <a:buClr>
-                <a:srgbClr val="f0a22e"/>
+                <a:srgbClr val="F0A22E"/>
               </a:buClr>
               <a:buFont typeface="Wingdings 2" charset="2"/>
               <a:buChar char=""/>
             </a:pPr>
             <a:r>
-              <a:rPr b="0" lang="en-US" sz="2000" spc="-1" strike="noStrike">
+              <a:rPr lang="en-US" sz="2000" b="0" strike="noStrike" spc="-1" dirty="0">
                 <a:solidFill>
                   <a:srgbClr val="595959"/>
                 </a:solidFill>
@@ -4252,12 +5925,6 @@
               </a:rPr>
               <a:t>Design Eurocard Backplane to connect and control modular cards</a:t>
             </a:r>
-            <a:endParaRPr b="0" lang="en-US" sz="2000" spc="-1" strike="noStrike">
-              <a:solidFill>
-                <a:srgbClr val="595959"/>
-              </a:solidFill>
-              <a:latin typeface="Corbel"/>
-            </a:endParaRPr>
           </a:p>
           <a:p>
             <a:pPr marL="182880" indent="-182520">
@@ -4268,26 +5935,20 @@
                 <a:spcPts val="1199"/>
               </a:spcBef>
               <a:buClr>
-                <a:srgbClr val="f0a22e"/>
+                <a:srgbClr val="F0A22E"/>
               </a:buClr>
               <a:buFont typeface="Wingdings 2" charset="2"/>
               <a:buChar char=""/>
             </a:pPr>
             <a:r>
-              <a:rPr b="0" lang="en-US" sz="2000" spc="-1" strike="noStrike">
+              <a:rPr lang="en-US" sz="2000" b="0" strike="noStrike" spc="-1" dirty="0">
                 <a:solidFill>
                   <a:srgbClr val="595959"/>
                 </a:solidFill>
                 <a:latin typeface="Corbel"/>
               </a:rPr>
-              <a:t>Choose Case and Power Supplies</a:t>
+              <a:t>Choose Power Supplies</a:t>
             </a:r>
-            <a:endParaRPr b="0" lang="en-US" sz="2000" spc="-1" strike="noStrike">
-              <a:solidFill>
-                <a:srgbClr val="595959"/>
-              </a:solidFill>
-              <a:latin typeface="Corbel"/>
-            </a:endParaRPr>
           </a:p>
           <a:p>
             <a:pPr marL="182880" indent="-182520">
@@ -4298,21 +5959,21 @@
                 <a:spcPts val="1199"/>
               </a:spcBef>
               <a:buClr>
-                <a:srgbClr val="f0a22e"/>
+                <a:srgbClr val="F0A22E"/>
               </a:buClr>
               <a:buFont typeface="Wingdings 2" charset="2"/>
               <a:buChar char=""/>
             </a:pPr>
             <a:r>
-              <a:rPr b="0" lang="en-US" sz="2000" spc="-1" strike="noStrike">
+              <a:rPr lang="en-US" sz="2000" spc="-1" dirty="0">
                 <a:solidFill>
                   <a:srgbClr val="595959"/>
                 </a:solidFill>
                 <a:latin typeface="Corbel"/>
               </a:rPr>
-              <a:t>Program Controller as foundation for card interaction</a:t>
+              <a:t>Put it all together in the case</a:t>
             </a:r>
-            <a:endParaRPr b="0" lang="en-US" sz="2000" spc="-1" strike="noStrike">
+            <a:endParaRPr lang="en-US" sz="2000" b="0" strike="noStrike" spc="-1" dirty="0">
               <a:solidFill>
                 <a:srgbClr val="595959"/>
               </a:solidFill>
@@ -4320,41 +5981,52 @@
             </a:endParaRPr>
           </a:p>
           <a:p>
-            <a:pPr>
+            <a:pPr marL="182880" indent="-182520">
               <a:lnSpc>
                 <a:spcPct val="90000"/>
               </a:lnSpc>
               <a:spcBef>
                 <a:spcPts val="1199"/>
               </a:spcBef>
+              <a:buClr>
+                <a:srgbClr val="F0A22E"/>
+              </a:buClr>
+              <a:buFont typeface="Wingdings 2" charset="2"/>
+              <a:buChar char=""/>
             </a:pPr>
-            <a:endParaRPr b="0" lang="en-US" sz="2000" spc="-1" strike="noStrike">
-              <a:solidFill>
-                <a:srgbClr val="595959"/>
-              </a:solidFill>
-              <a:latin typeface="Corbel"/>
-            </a:endParaRPr>
+            <a:r>
+              <a:rPr lang="en-US" sz="2000" b="0" strike="noStrike" spc="-1" dirty="0">
+                <a:solidFill>
+                  <a:srgbClr val="595959"/>
+                </a:solidFill>
+                <a:latin typeface="Corbel"/>
+              </a:rPr>
+              <a:t>Program Controllers as foundation for card interaction</a:t>
+            </a:r>
           </a:p>
         </p:txBody>
       </p:sp>
     </p:spTree>
   </p:cSld>
+  <p:clrMapOvr>
+    <a:masterClrMapping/>
+  </p:clrMapOvr>
   <p:timing>
     <p:tnLst>
       <p:par>
-        <p:cTn id="3" dur="indefinite" restart="never" nodeType="tmRoot">
+        <p:cTn id="1" dur="indefinite" restart="never" nodeType="tmRoot">
           <p:childTnLst>
             <p:seq>
-              <p:cTn id="4" dur="indefinite" nodeType="mainSeq"/>
+              <p:cTn id="2" dur="indefinite" nodeType="mainSeq"/>
               <p:prevCondLst>
-                <p:cond delay="0" evt="onPrev">
+                <p:cond evt="onPrev" delay="0">
                   <p:tgtEl>
                     <p:sldTgt/>
                   </p:tgtEl>
                 </p:cond>
               </p:prevCondLst>
               <p:nextCondLst>
-                <p:cond delay="0" evt="onNext">
+                <p:cond evt="onNext" delay="0">
                   <p:tgtEl>
                     <p:sldTgt/>
                   </p:tgtEl>
@@ -4370,13 +6042,796 @@
 </file>
 
 <file path=ppt/slides/slide3.xml><?xml version="1.0" encoding="utf-8"?>
-<p:sld xmlns:a="http://schemas.openxmlformats.org/drawingml/2006/main" xmlns:p="http://schemas.openxmlformats.org/presentationml/2006/main" xmlns:r="http://schemas.openxmlformats.org/officeDocument/2006/relationships" xmlns:p14="http://schemas.microsoft.com/office/powerpoint/2010/main" xmlns:p15="http://schemas.microsoft.com/office/powerpoint/2012/main" xmlns:mc="http://schemas.openxmlformats.org/markup-compatibility/2006">
+<p:sld xmlns:a="http://schemas.openxmlformats.org/drawingml/2006/main" xmlns:r="http://schemas.openxmlformats.org/officeDocument/2006/relationships" xmlns:p="http://schemas.openxmlformats.org/presentationml/2006/main">
+  <p:cSld>
+    <p:spTree>
+      <p:nvGrpSpPr>
+        <p:cNvPr id="1" name=""/>
+        <p:cNvGrpSpPr/>
+        <p:nvPr/>
+      </p:nvGrpSpPr>
+      <p:grpSpPr>
+        <a:xfrm>
+          <a:off x="0" y="0"/>
+          <a:ext cx="0" cy="0"/>
+          <a:chOff x="0" y="0"/>
+          <a:chExt cx="0" cy="0"/>
+        </a:xfrm>
+      </p:grpSpPr>
+      <p:sp>
+        <p:nvSpPr>
+          <p:cNvPr id="2" name="Title 1">
+            <a:extLst>
+              <a:ext uri="{FF2B5EF4-FFF2-40B4-BE49-F238E27FC236}">
+                <a16:creationId xmlns:a16="http://schemas.microsoft.com/office/drawing/2014/main" id="{A4423179-84CE-4553-9816-9A19E54ED532}"/>
+              </a:ext>
+            </a:extLst>
+          </p:cNvPr>
+          <p:cNvSpPr>
+            <a:spLocks noGrp="1"/>
+          </p:cNvSpPr>
+          <p:nvPr>
+            <p:ph type="title"/>
+          </p:nvPr>
+        </p:nvSpPr>
+        <p:spPr/>
+        <p:txBody>
+          <a:bodyPr/>
+          <a:lstStyle/>
+          <a:p>
+            <a:r>
+              <a:rPr lang="en-US" dirty="0"/>
+              <a:t>Existing Equipment	</a:t>
+            </a:r>
+          </a:p>
+        </p:txBody>
+      </p:sp>
+    </p:spTree>
+    <p:extLst>
+      <p:ext uri="{BB962C8B-B14F-4D97-AF65-F5344CB8AC3E}">
+        <p14:creationId xmlns:p14="http://schemas.microsoft.com/office/powerpoint/2010/main" val="1069431627"/>
+      </p:ext>
+    </p:extLst>
+  </p:cSld>
+  <p:clrMapOvr>
+    <a:masterClrMapping/>
+  </p:clrMapOvr>
+</p:sld>
+</file>
+
+<file path=ppt/slides/slide4.xml><?xml version="1.0" encoding="utf-8"?>
+<p:sld xmlns:a="http://schemas.openxmlformats.org/drawingml/2006/main" xmlns:r="http://schemas.openxmlformats.org/officeDocument/2006/relationships" xmlns:p="http://schemas.openxmlformats.org/presentationml/2006/main">
+  <p:cSld>
+    <p:spTree>
+      <p:nvGrpSpPr>
+        <p:cNvPr id="1" name=""/>
+        <p:cNvGrpSpPr/>
+        <p:nvPr/>
+      </p:nvGrpSpPr>
+      <p:grpSpPr>
+        <a:xfrm>
+          <a:off x="0" y="0"/>
+          <a:ext cx="0" cy="0"/>
+          <a:chOff x="0" y="0"/>
+          <a:chExt cx="0" cy="0"/>
+        </a:xfrm>
+      </p:grpSpPr>
+      <p:sp>
+        <p:nvSpPr>
+          <p:cNvPr id="92" name="CustomShape 1"/>
+          <p:cNvSpPr/>
+          <p:nvPr/>
+        </p:nvSpPr>
+        <p:spPr>
+          <a:xfrm>
+            <a:off x="0" y="762120"/>
+            <a:ext cx="9141120" cy="5333760"/>
+          </a:xfrm>
+          <a:prstGeom prst="rect">
+            <a:avLst/>
+          </a:prstGeom>
+          <a:solidFill>
+            <a:schemeClr val="accent1"/>
+          </a:solidFill>
+          <a:ln>
+            <a:noFill/>
+          </a:ln>
+        </p:spPr>
+        <p:style>
+          <a:lnRef idx="2">
+            <a:schemeClr val="accent1">
+              <a:shade val="50000"/>
+            </a:schemeClr>
+          </a:lnRef>
+          <a:fillRef idx="1">
+            <a:schemeClr val="accent1"/>
+          </a:fillRef>
+          <a:effectRef idx="0">
+            <a:schemeClr val="accent1"/>
+          </a:effectRef>
+          <a:fontRef idx="minor"/>
+        </p:style>
+      </p:sp>
+      <p:sp>
+        <p:nvSpPr>
+          <p:cNvPr id="93" name="CustomShape 2"/>
+          <p:cNvSpPr/>
+          <p:nvPr/>
+        </p:nvSpPr>
+        <p:spPr>
+          <a:xfrm>
+            <a:off x="9270360" y="762120"/>
+            <a:ext cx="2925000" cy="5333760"/>
+          </a:xfrm>
+          <a:prstGeom prst="rect">
+            <a:avLst/>
+          </a:prstGeom>
+          <a:solidFill>
+            <a:srgbClr val="C8C8C8">
+              <a:alpha val="50000"/>
+            </a:srgbClr>
+          </a:solidFill>
+          <a:ln>
+            <a:noFill/>
+          </a:ln>
+        </p:spPr>
+        <p:style>
+          <a:lnRef idx="2">
+            <a:schemeClr val="accent1">
+              <a:shade val="50000"/>
+            </a:schemeClr>
+          </a:lnRef>
+          <a:fillRef idx="1">
+            <a:schemeClr val="accent1"/>
+          </a:fillRef>
+          <a:effectRef idx="0">
+            <a:schemeClr val="accent1"/>
+          </a:effectRef>
+          <a:fontRef idx="minor"/>
+        </p:style>
+      </p:sp>
+      <p:sp>
+        <p:nvSpPr>
+          <p:cNvPr id="94" name="CustomShape 3"/>
+          <p:cNvSpPr/>
+          <p:nvPr/>
+        </p:nvSpPr>
+        <p:spPr>
+          <a:xfrm>
+            <a:off x="0" y="0"/>
+            <a:ext cx="12191760" cy="6857640"/>
+          </a:xfrm>
+          <a:prstGeom prst="rect">
+            <a:avLst/>
+          </a:prstGeom>
+          <a:solidFill>
+            <a:schemeClr val="bg1"/>
+          </a:solidFill>
+          <a:ln>
+            <a:noFill/>
+          </a:ln>
+        </p:spPr>
+        <p:style>
+          <a:lnRef idx="2">
+            <a:schemeClr val="accent1">
+              <a:shade val="50000"/>
+            </a:schemeClr>
+          </a:lnRef>
+          <a:fillRef idx="1">
+            <a:schemeClr val="accent1"/>
+          </a:fillRef>
+          <a:effectRef idx="0">
+            <a:schemeClr val="accent1"/>
+          </a:effectRef>
+          <a:fontRef idx="minor"/>
+        </p:style>
+      </p:sp>
+      <p:sp>
+        <p:nvSpPr>
+          <p:cNvPr id="95" name="CustomShape 4"/>
+          <p:cNvSpPr/>
+          <p:nvPr/>
+        </p:nvSpPr>
+        <p:spPr>
+          <a:xfrm>
+            <a:off x="0" y="762120"/>
+            <a:ext cx="4641840" cy="5333760"/>
+          </a:xfrm>
+          <a:prstGeom prst="rect">
+            <a:avLst/>
+          </a:prstGeom>
+          <a:solidFill>
+            <a:schemeClr val="accent1"/>
+          </a:solidFill>
+          <a:ln>
+            <a:noFill/>
+          </a:ln>
+        </p:spPr>
+        <p:style>
+          <a:lnRef idx="2">
+            <a:schemeClr val="accent1">
+              <a:shade val="50000"/>
+            </a:schemeClr>
+          </a:lnRef>
+          <a:fillRef idx="1">
+            <a:schemeClr val="accent1"/>
+          </a:fillRef>
+          <a:effectRef idx="0">
+            <a:schemeClr val="accent1"/>
+          </a:effectRef>
+          <a:fontRef idx="minor"/>
+        </p:style>
+      </p:sp>
+      <p:sp>
+        <p:nvSpPr>
+          <p:cNvPr id="96" name="TextShape 5"/>
+          <p:cNvSpPr txBox="1"/>
+          <p:nvPr/>
+        </p:nvSpPr>
+        <p:spPr>
+          <a:xfrm>
+            <a:off x="1069920" y="1298520"/>
+            <a:ext cx="3258360" cy="3254760"/>
+          </a:xfrm>
+          <a:prstGeom prst="rect">
+            <a:avLst/>
+          </a:prstGeom>
+          <a:noFill/>
+          <a:ln>
+            <a:noFill/>
+          </a:ln>
+        </p:spPr>
+        <p:txBody>
+          <a:bodyPr anchor="b">
+            <a:normAutofit/>
+          </a:bodyPr>
+          <a:lstStyle/>
+          <a:p>
+            <a:pPr>
+              <a:lnSpc>
+                <a:spcPct val="90000"/>
+              </a:lnSpc>
+            </a:pPr>
+            <a:r>
+              <a:rPr lang="en-US" sz="5400" b="0" strike="noStrike" spc="-97" dirty="0">
+                <a:solidFill>
+                  <a:srgbClr val="FFFFFF"/>
+                </a:solidFill>
+                <a:latin typeface="Corbel"/>
+              </a:rPr>
+              <a:t>Chassis Render</a:t>
+            </a:r>
+          </a:p>
+          <a:p>
+            <a:pPr>
+              <a:lnSpc>
+                <a:spcPct val="90000"/>
+              </a:lnSpc>
+            </a:pPr>
+            <a:r>
+              <a:rPr lang="en-US" sz="5400" spc="-97" dirty="0">
+                <a:solidFill>
+                  <a:srgbClr val="FFFFFF"/>
+                </a:solidFill>
+                <a:latin typeface="Corbel"/>
+              </a:rPr>
+              <a:t>Back</a:t>
+            </a:r>
+          </a:p>
+        </p:txBody>
+      </p:sp>
+      <p:pic>
+        <p:nvPicPr>
+          <p:cNvPr id="97" name="Content Placeholder 4"/>
+          <p:cNvPicPr/>
+          <p:nvPr/>
+        </p:nvPicPr>
+        <p:blipFill>
+          <a:blip r:embed="rId2"/>
+          <a:srcRect l="12372" r="11779"/>
+          <a:stretch/>
+        </p:blipFill>
+        <p:spPr>
+          <a:xfrm>
+            <a:off x="5120640" y="759600"/>
+            <a:ext cx="6366960" cy="5330160"/>
+          </a:xfrm>
+          <a:prstGeom prst="rect">
+            <a:avLst/>
+          </a:prstGeom>
+          <a:ln>
+            <a:noFill/>
+          </a:ln>
+        </p:spPr>
+      </p:pic>
+      <p:sp>
+        <p:nvSpPr>
+          <p:cNvPr id="98" name="CustomShape 6"/>
+          <p:cNvSpPr/>
+          <p:nvPr/>
+        </p:nvSpPr>
+        <p:spPr>
+          <a:xfrm>
+            <a:off x="11815920" y="758880"/>
+            <a:ext cx="383760" cy="5330520"/>
+          </a:xfrm>
+          <a:prstGeom prst="rect">
+            <a:avLst/>
+          </a:prstGeom>
+          <a:solidFill>
+            <a:srgbClr val="C8C8C8">
+              <a:alpha val="50000"/>
+            </a:srgbClr>
+          </a:solidFill>
+          <a:ln>
+            <a:noFill/>
+          </a:ln>
+        </p:spPr>
+        <p:style>
+          <a:lnRef idx="2">
+            <a:schemeClr val="accent1">
+              <a:shade val="50000"/>
+            </a:schemeClr>
+          </a:lnRef>
+          <a:fillRef idx="1">
+            <a:schemeClr val="accent1"/>
+          </a:fillRef>
+          <a:effectRef idx="0">
+            <a:schemeClr val="accent1"/>
+          </a:effectRef>
+          <a:fontRef idx="minor"/>
+        </p:style>
+      </p:sp>
+      <p:pic>
+        <p:nvPicPr>
+          <p:cNvPr id="3" name="Picture 2">
+            <a:extLst>
+              <a:ext uri="{FF2B5EF4-FFF2-40B4-BE49-F238E27FC236}">
+                <a16:creationId xmlns:a16="http://schemas.microsoft.com/office/drawing/2014/main" id="{1A7EA1E7-C9E4-4775-B4DD-4A2F17E52286}"/>
+              </a:ext>
+            </a:extLst>
+          </p:cNvPr>
+          <p:cNvPicPr>
+            <a:picLocks noChangeAspect="1"/>
+          </p:cNvPicPr>
+          <p:nvPr/>
+        </p:nvPicPr>
+        <p:blipFill>
+          <a:blip r:embed="rId3">
+            <a:extLst>
+              <a:ext uri="{28A0092B-C50C-407E-A947-70E740481C1C}">
+                <a14:useLocalDpi xmlns:a14="http://schemas.microsoft.com/office/drawing/2010/main" val="0"/>
+              </a:ext>
+            </a:extLst>
+          </a:blip>
+          <a:stretch>
+            <a:fillRect/>
+          </a:stretch>
+        </p:blipFill>
+        <p:spPr>
+          <a:xfrm>
+            <a:off x="4970160" y="758880"/>
+            <a:ext cx="6523327" cy="5330520"/>
+          </a:xfrm>
+          <a:prstGeom prst="rect">
+            <a:avLst/>
+          </a:prstGeom>
+        </p:spPr>
+      </p:pic>
+    </p:spTree>
+    <p:extLst>
+      <p:ext uri="{BB962C8B-B14F-4D97-AF65-F5344CB8AC3E}">
+        <p14:creationId xmlns:p14="http://schemas.microsoft.com/office/powerpoint/2010/main" val="1235047075"/>
+      </p:ext>
+    </p:extLst>
+  </p:cSld>
+  <p:clrMapOvr>
+    <a:masterClrMapping/>
+  </p:clrMapOvr>
+  <p:timing>
+    <p:tnLst>
+      <p:par>
+        <p:cTn id="1" dur="indefinite" restart="never" nodeType="tmRoot">
+          <p:childTnLst>
+            <p:seq>
+              <p:cTn id="2" dur="indefinite" nodeType="mainSeq"/>
+              <p:prevCondLst>
+                <p:cond evt="onPrev" delay="0">
+                  <p:tgtEl>
+                    <p:sldTgt/>
+                  </p:tgtEl>
+                </p:cond>
+              </p:prevCondLst>
+              <p:nextCondLst>
+                <p:cond evt="onNext" delay="0">
+                  <p:tgtEl>
+                    <p:sldTgt/>
+                  </p:tgtEl>
+                </p:cond>
+              </p:nextCondLst>
+            </p:seq>
+          </p:childTnLst>
+        </p:cTn>
+      </p:par>
+    </p:tnLst>
+  </p:timing>
+</p:sld>
+</file>
+
+<file path=ppt/slides/slide5.xml><?xml version="1.0" encoding="utf-8"?>
+<p:sld xmlns:a="http://schemas.openxmlformats.org/drawingml/2006/main" xmlns:r="http://schemas.openxmlformats.org/officeDocument/2006/relationships" xmlns:p="http://schemas.openxmlformats.org/presentationml/2006/main">
+  <p:cSld>
+    <p:spTree>
+      <p:nvGrpSpPr>
+        <p:cNvPr id="1" name=""/>
+        <p:cNvGrpSpPr/>
+        <p:nvPr/>
+      </p:nvGrpSpPr>
+      <p:grpSpPr>
+        <a:xfrm>
+          <a:off x="0" y="0"/>
+          <a:ext cx="0" cy="0"/>
+          <a:chOff x="0" y="0"/>
+          <a:chExt cx="0" cy="0"/>
+        </a:xfrm>
+      </p:grpSpPr>
+      <p:sp>
+        <p:nvSpPr>
+          <p:cNvPr id="92" name="CustomShape 1"/>
+          <p:cNvSpPr/>
+          <p:nvPr/>
+        </p:nvSpPr>
+        <p:spPr>
+          <a:xfrm>
+            <a:off x="0" y="762120"/>
+            <a:ext cx="9141120" cy="5333760"/>
+          </a:xfrm>
+          <a:prstGeom prst="rect">
+            <a:avLst/>
+          </a:prstGeom>
+          <a:solidFill>
+            <a:schemeClr val="accent1"/>
+          </a:solidFill>
+          <a:ln>
+            <a:noFill/>
+          </a:ln>
+        </p:spPr>
+        <p:style>
+          <a:lnRef idx="2">
+            <a:schemeClr val="accent1">
+              <a:shade val="50000"/>
+            </a:schemeClr>
+          </a:lnRef>
+          <a:fillRef idx="1">
+            <a:schemeClr val="accent1"/>
+          </a:fillRef>
+          <a:effectRef idx="0">
+            <a:schemeClr val="accent1"/>
+          </a:effectRef>
+          <a:fontRef idx="minor"/>
+        </p:style>
+      </p:sp>
+      <p:sp>
+        <p:nvSpPr>
+          <p:cNvPr id="93" name="CustomShape 2"/>
+          <p:cNvSpPr/>
+          <p:nvPr/>
+        </p:nvSpPr>
+        <p:spPr>
+          <a:xfrm>
+            <a:off x="9270360" y="762120"/>
+            <a:ext cx="2925000" cy="5333760"/>
+          </a:xfrm>
+          <a:prstGeom prst="rect">
+            <a:avLst/>
+          </a:prstGeom>
+          <a:solidFill>
+            <a:srgbClr val="C8C8C8">
+              <a:alpha val="50000"/>
+            </a:srgbClr>
+          </a:solidFill>
+          <a:ln>
+            <a:noFill/>
+          </a:ln>
+        </p:spPr>
+        <p:style>
+          <a:lnRef idx="2">
+            <a:schemeClr val="accent1">
+              <a:shade val="50000"/>
+            </a:schemeClr>
+          </a:lnRef>
+          <a:fillRef idx="1">
+            <a:schemeClr val="accent1"/>
+          </a:fillRef>
+          <a:effectRef idx="0">
+            <a:schemeClr val="accent1"/>
+          </a:effectRef>
+          <a:fontRef idx="minor"/>
+        </p:style>
+      </p:sp>
+      <p:sp>
+        <p:nvSpPr>
+          <p:cNvPr id="94" name="CustomShape 3"/>
+          <p:cNvSpPr/>
+          <p:nvPr/>
+        </p:nvSpPr>
+        <p:spPr>
+          <a:xfrm>
+            <a:off x="0" y="0"/>
+            <a:ext cx="12191760" cy="6857640"/>
+          </a:xfrm>
+          <a:prstGeom prst="rect">
+            <a:avLst/>
+          </a:prstGeom>
+          <a:solidFill>
+            <a:schemeClr val="bg1"/>
+          </a:solidFill>
+          <a:ln>
+            <a:noFill/>
+          </a:ln>
+        </p:spPr>
+        <p:style>
+          <a:lnRef idx="2">
+            <a:schemeClr val="accent1">
+              <a:shade val="50000"/>
+            </a:schemeClr>
+          </a:lnRef>
+          <a:fillRef idx="1">
+            <a:schemeClr val="accent1"/>
+          </a:fillRef>
+          <a:effectRef idx="0">
+            <a:schemeClr val="accent1"/>
+          </a:effectRef>
+          <a:fontRef idx="minor"/>
+        </p:style>
+      </p:sp>
+      <p:sp>
+        <p:nvSpPr>
+          <p:cNvPr id="95" name="CustomShape 4"/>
+          <p:cNvSpPr/>
+          <p:nvPr/>
+        </p:nvSpPr>
+        <p:spPr>
+          <a:xfrm>
+            <a:off x="0" y="762120"/>
+            <a:ext cx="4641840" cy="5333760"/>
+          </a:xfrm>
+          <a:prstGeom prst="rect">
+            <a:avLst/>
+          </a:prstGeom>
+          <a:solidFill>
+            <a:schemeClr val="accent1"/>
+          </a:solidFill>
+          <a:ln>
+            <a:noFill/>
+          </a:ln>
+        </p:spPr>
+        <p:style>
+          <a:lnRef idx="2">
+            <a:schemeClr val="accent1">
+              <a:shade val="50000"/>
+            </a:schemeClr>
+          </a:lnRef>
+          <a:fillRef idx="1">
+            <a:schemeClr val="accent1"/>
+          </a:fillRef>
+          <a:effectRef idx="0">
+            <a:schemeClr val="accent1"/>
+          </a:effectRef>
+          <a:fontRef idx="minor"/>
+        </p:style>
+      </p:sp>
+      <p:sp>
+        <p:nvSpPr>
+          <p:cNvPr id="96" name="TextShape 5"/>
+          <p:cNvSpPr txBox="1"/>
+          <p:nvPr/>
+        </p:nvSpPr>
+        <p:spPr>
+          <a:xfrm>
+            <a:off x="1069920" y="1298520"/>
+            <a:ext cx="3258360" cy="3254760"/>
+          </a:xfrm>
+          <a:prstGeom prst="rect">
+            <a:avLst/>
+          </a:prstGeom>
+          <a:noFill/>
+          <a:ln>
+            <a:noFill/>
+          </a:ln>
+        </p:spPr>
+        <p:txBody>
+          <a:bodyPr anchor="b">
+            <a:normAutofit/>
+          </a:bodyPr>
+          <a:lstStyle/>
+          <a:p>
+            <a:pPr>
+              <a:lnSpc>
+                <a:spcPct val="90000"/>
+              </a:lnSpc>
+            </a:pPr>
+            <a:r>
+              <a:rPr lang="en-US" sz="5400" b="0" strike="noStrike" spc="-97" dirty="0">
+                <a:solidFill>
+                  <a:srgbClr val="FFFFFF"/>
+                </a:solidFill>
+                <a:latin typeface="Corbel"/>
+              </a:rPr>
+              <a:t>Chassis Render</a:t>
+            </a:r>
+          </a:p>
+          <a:p>
+            <a:pPr>
+              <a:lnSpc>
+                <a:spcPct val="90000"/>
+              </a:lnSpc>
+            </a:pPr>
+            <a:r>
+              <a:rPr lang="en-US" sz="5400" spc="-97" dirty="0">
+                <a:solidFill>
+                  <a:srgbClr val="FFFFFF"/>
+                </a:solidFill>
+                <a:latin typeface="Corbel"/>
+              </a:rPr>
+              <a:t>Front</a:t>
+            </a:r>
+            <a:endParaRPr lang="en-US" sz="5400" spc="-1" dirty="0">
+              <a:solidFill>
+                <a:srgbClr val="000000"/>
+              </a:solidFill>
+              <a:latin typeface="Corbel"/>
+            </a:endParaRPr>
+          </a:p>
+        </p:txBody>
+      </p:sp>
+      <p:pic>
+        <p:nvPicPr>
+          <p:cNvPr id="97" name="Content Placeholder 4"/>
+          <p:cNvPicPr/>
+          <p:nvPr/>
+        </p:nvPicPr>
+        <p:blipFill>
+          <a:blip r:embed="rId2"/>
+          <a:srcRect l="12372" r="11779"/>
+          <a:stretch/>
+        </p:blipFill>
+        <p:spPr>
+          <a:xfrm>
+            <a:off x="5120640" y="759600"/>
+            <a:ext cx="6366960" cy="5330160"/>
+          </a:xfrm>
+          <a:prstGeom prst="rect">
+            <a:avLst/>
+          </a:prstGeom>
+          <a:ln>
+            <a:noFill/>
+          </a:ln>
+        </p:spPr>
+      </p:pic>
+      <p:sp>
+        <p:nvSpPr>
+          <p:cNvPr id="98" name="CustomShape 6"/>
+          <p:cNvSpPr/>
+          <p:nvPr/>
+        </p:nvSpPr>
+        <p:spPr>
+          <a:xfrm>
+            <a:off x="11815920" y="758880"/>
+            <a:ext cx="383760" cy="5330520"/>
+          </a:xfrm>
+          <a:prstGeom prst="rect">
+            <a:avLst/>
+          </a:prstGeom>
+          <a:solidFill>
+            <a:srgbClr val="C8C8C8">
+              <a:alpha val="50000"/>
+            </a:srgbClr>
+          </a:solidFill>
+          <a:ln>
+            <a:noFill/>
+          </a:ln>
+        </p:spPr>
+        <p:style>
+          <a:lnRef idx="2">
+            <a:schemeClr val="accent1">
+              <a:shade val="50000"/>
+            </a:schemeClr>
+          </a:lnRef>
+          <a:fillRef idx="1">
+            <a:schemeClr val="accent1"/>
+          </a:fillRef>
+          <a:effectRef idx="0">
+            <a:schemeClr val="accent1"/>
+          </a:effectRef>
+          <a:fontRef idx="minor"/>
+        </p:style>
+      </p:sp>
+      <p:pic>
+        <p:nvPicPr>
+          <p:cNvPr id="3" name="Picture 2">
+            <a:extLst>
+              <a:ext uri="{FF2B5EF4-FFF2-40B4-BE49-F238E27FC236}">
+                <a16:creationId xmlns:a16="http://schemas.microsoft.com/office/drawing/2014/main" id="{16091D2E-5AD7-45F5-842C-376F6A38BA74}"/>
+              </a:ext>
+            </a:extLst>
+          </p:cNvPr>
+          <p:cNvPicPr>
+            <a:picLocks noChangeAspect="1"/>
+          </p:cNvPicPr>
+          <p:nvPr/>
+        </p:nvPicPr>
+        <p:blipFill>
+          <a:blip r:embed="rId3">
+            <a:extLst>
+              <a:ext uri="{28A0092B-C50C-407E-A947-70E740481C1C}">
+                <a14:useLocalDpi xmlns:a14="http://schemas.microsoft.com/office/drawing/2010/main" val="0"/>
+              </a:ext>
+            </a:extLst>
+          </a:blip>
+          <a:stretch>
+            <a:fillRect/>
+          </a:stretch>
+        </p:blipFill>
+        <p:spPr>
+          <a:xfrm>
+            <a:off x="5098579" y="762120"/>
+            <a:ext cx="6389021" cy="5333760"/>
+          </a:xfrm>
+          <a:prstGeom prst="rect">
+            <a:avLst/>
+          </a:prstGeom>
+        </p:spPr>
+      </p:pic>
+    </p:spTree>
+    <p:extLst>
+      <p:ext uri="{BB962C8B-B14F-4D97-AF65-F5344CB8AC3E}">
+        <p14:creationId xmlns:p14="http://schemas.microsoft.com/office/powerpoint/2010/main" val="3027645850"/>
+      </p:ext>
+    </p:extLst>
+  </p:cSld>
+  <p:clrMapOvr>
+    <a:masterClrMapping/>
+  </p:clrMapOvr>
+  <p:timing>
+    <p:tnLst>
+      <p:par>
+        <p:cTn id="1" dur="indefinite" restart="never" nodeType="tmRoot">
+          <p:childTnLst>
+            <p:seq>
+              <p:cTn id="2" dur="indefinite" nodeType="mainSeq"/>
+              <p:prevCondLst>
+                <p:cond evt="onPrev" delay="0">
+                  <p:tgtEl>
+                    <p:sldTgt/>
+                  </p:tgtEl>
+                </p:cond>
+              </p:prevCondLst>
+              <p:nextCondLst>
+                <p:cond evt="onNext" delay="0">
+                  <p:tgtEl>
+                    <p:sldTgt/>
+                  </p:tgtEl>
+                </p:cond>
+              </p:nextCondLst>
+            </p:seq>
+          </p:childTnLst>
+        </p:cTn>
+      </p:par>
+    </p:tnLst>
+  </p:timing>
+</p:sld>
+</file>
+
+<file path=ppt/slides/slide6.xml><?xml version="1.0" encoding="utf-8"?>
+<p:sld xmlns:a="http://schemas.openxmlformats.org/drawingml/2006/main" xmlns:r="http://schemas.openxmlformats.org/officeDocument/2006/relationships" xmlns:p="http://schemas.openxmlformats.org/presentationml/2006/main">
   <p:cSld>
     <p:bg>
       <p:bgPr>
         <a:solidFill>
-          <a:srgbClr val="ffffff"/>
+          <a:srgbClr val="FFFFFF"/>
         </a:solidFill>
+        <a:effectLst/>
       </p:bgPr>
     </p:bg>
     <p:spTree>
@@ -4395,7 +6850,7 @@
       </p:grpSpPr>
       <p:sp>
         <p:nvSpPr>
-          <p:cNvPr id="92" name="CustomShape 1"/>
+          <p:cNvPr id="99" name="CustomShape 1"/>
           <p:cNvSpPr/>
           <p:nvPr/>
         </p:nvSpPr>
@@ -4431,7 +6886,7 @@
       </p:sp>
       <p:sp>
         <p:nvSpPr>
-          <p:cNvPr id="93" name="CustomShape 2"/>
+          <p:cNvPr id="100" name="CustomShape 2"/>
           <p:cNvSpPr/>
           <p:nvPr/>
         </p:nvSpPr>
@@ -4444,7 +6899,7 @@
             <a:avLst/>
           </a:prstGeom>
           <a:solidFill>
-            <a:srgbClr val="c8c8c8">
+            <a:srgbClr val="C8C8C8">
               <a:alpha val="50000"/>
             </a:srgbClr>
           </a:solidFill>
@@ -4469,7 +6924,7 @@
       </p:sp>
       <p:sp>
         <p:nvSpPr>
-          <p:cNvPr id="94" name="CustomShape 3"/>
+          <p:cNvPr id="101" name="CustomShape 3"/>
           <p:cNvSpPr/>
           <p:nvPr/>
         </p:nvSpPr>
@@ -4505,7 +6960,7 @@
       </p:sp>
       <p:sp>
         <p:nvSpPr>
-          <p:cNvPr id="95" name="CustomShape 4"/>
+          <p:cNvPr id="102" name="CustomShape 4"/>
           <p:cNvSpPr/>
           <p:nvPr/>
         </p:nvSpPr>
@@ -4541,14 +6996,14 @@
       </p:sp>
       <p:sp>
         <p:nvSpPr>
-          <p:cNvPr id="96" name="TextShape 5"/>
+          <p:cNvPr id="103" name="TextShape 5"/>
           <p:cNvSpPr txBox="1"/>
           <p:nvPr/>
         </p:nvSpPr>
         <p:spPr>
           <a:xfrm>
-            <a:off x="1069920" y="1298520"/>
-            <a:ext cx="3258360" cy="3254760"/>
+            <a:off x="643320" y="1298520"/>
+            <a:ext cx="3684600" cy="3254760"/>
           </a:xfrm>
           <a:prstGeom prst="rect">
             <a:avLst/>
@@ -4562,6 +7017,7 @@
           <a:bodyPr anchor="b">
             <a:normAutofit/>
           </a:bodyPr>
+          <a:lstStyle/>
           <a:p>
             <a:pPr>
               <a:lnSpc>
@@ -4569,15 +7025,15 @@
               </a:lnSpc>
             </a:pPr>
             <a:r>
-              <a:rPr b="0" lang="en-US" sz="5400" spc="-97" strike="noStrike">
+              <a:rPr lang="en-US" sz="5900" b="0" strike="noStrike" spc="-97">
                 <a:solidFill>
-                  <a:srgbClr val="ffffff"/>
+                  <a:srgbClr val="FFFFFF"/>
                 </a:solidFill>
                 <a:latin typeface="Corbel"/>
               </a:rPr>
-              <a:t>Chassis Render</a:t>
+              <a:t>Card Render</a:t>
             </a:r>
-            <a:endParaRPr b="0" lang="en-US" sz="5400" spc="-1" strike="noStrike">
+            <a:endParaRPr lang="en-US" sz="5900" b="0" strike="noStrike" spc="-1">
               <a:solidFill>
                 <a:srgbClr val="000000"/>
               </a:solidFill>
@@ -4588,13 +7044,13 @@
       </p:sp>
       <p:pic>
         <p:nvPicPr>
-          <p:cNvPr id="97" name="Content Placeholder 4" descr=""/>
+          <p:cNvPr id="104" name="Content Placeholder 4"/>
           <p:cNvPicPr/>
           <p:nvPr/>
         </p:nvPicPr>
         <p:blipFill>
-          <a:blip r:embed="rId1"/>
-          <a:srcRect l="12372" t="0" r="11779" b="0"/>
+          <a:blip r:embed="rId2"/>
+          <a:srcRect l="13654" r="7515"/>
           <a:stretch/>
         </p:blipFill>
         <p:spPr>
@@ -4612,7 +7068,7 @@
       </p:pic>
       <p:sp>
         <p:nvSpPr>
-          <p:cNvPr id="98" name="CustomShape 6"/>
+          <p:cNvPr id="105" name="CustomShape 6"/>
           <p:cNvSpPr/>
           <p:nvPr/>
         </p:nvSpPr>
@@ -4625,7 +7081,7 @@
             <a:avLst/>
           </a:prstGeom>
           <a:solidFill>
-            <a:srgbClr val="c8c8c8">
+            <a:srgbClr val="C8C8C8">
               <a:alpha val="50000"/>
             </a:srgbClr>
           </a:solidFill>
@@ -4650,22 +7106,25 @@
       </p:sp>
     </p:spTree>
   </p:cSld>
+  <p:clrMapOvr>
+    <a:masterClrMapping/>
+  </p:clrMapOvr>
   <p:timing>
     <p:tnLst>
       <p:par>
-        <p:cTn id="5" dur="indefinite" restart="never" nodeType="tmRoot">
+        <p:cTn id="1" dur="indefinite" restart="never" nodeType="tmRoot">
           <p:childTnLst>
             <p:seq>
-              <p:cTn id="6" dur="indefinite" nodeType="mainSeq"/>
+              <p:cTn id="2" dur="indefinite" nodeType="mainSeq"/>
               <p:prevCondLst>
-                <p:cond delay="0" evt="onPrev">
+                <p:cond evt="onPrev" delay="0">
                   <p:tgtEl>
                     <p:sldTgt/>
                   </p:tgtEl>
                 </p:cond>
               </p:prevCondLst>
               <p:nextCondLst>
-                <p:cond delay="0" evt="onNext">
+                <p:cond evt="onNext" delay="0">
                   <p:tgtEl>
                     <p:sldTgt/>
                   </p:tgtEl>
@@ -4680,319 +7139,8 @@
 </p:sld>
 </file>
 
-<file path=ppt/slides/slide4.xml><?xml version="1.0" encoding="utf-8"?>
-<p:sld xmlns:a="http://schemas.openxmlformats.org/drawingml/2006/main" xmlns:p="http://schemas.openxmlformats.org/presentationml/2006/main" xmlns:r="http://schemas.openxmlformats.org/officeDocument/2006/relationships" xmlns:p14="http://schemas.microsoft.com/office/powerpoint/2010/main" xmlns:p15="http://schemas.microsoft.com/office/powerpoint/2012/main" xmlns:mc="http://schemas.openxmlformats.org/markup-compatibility/2006">
-  <p:cSld>
-    <p:bg>
-      <p:bgPr>
-        <a:solidFill>
-          <a:srgbClr val="ffffff"/>
-        </a:solidFill>
-      </p:bgPr>
-    </p:bg>
-    <p:spTree>
-      <p:nvGrpSpPr>
-        <p:cNvPr id="1" name=""/>
-        <p:cNvGrpSpPr/>
-        <p:nvPr/>
-      </p:nvGrpSpPr>
-      <p:grpSpPr>
-        <a:xfrm>
-          <a:off x="0" y="0"/>
-          <a:ext cx="0" cy="0"/>
-          <a:chOff x="0" y="0"/>
-          <a:chExt cx="0" cy="0"/>
-        </a:xfrm>
-      </p:grpSpPr>
-      <p:sp>
-        <p:nvSpPr>
-          <p:cNvPr id="99" name="CustomShape 1"/>
-          <p:cNvSpPr/>
-          <p:nvPr/>
-        </p:nvSpPr>
-        <p:spPr>
-          <a:xfrm>
-            <a:off x="0" y="762120"/>
-            <a:ext cx="9141120" cy="5333760"/>
-          </a:xfrm>
-          <a:prstGeom prst="rect">
-            <a:avLst/>
-          </a:prstGeom>
-          <a:solidFill>
-            <a:schemeClr val="accent1"/>
-          </a:solidFill>
-          <a:ln>
-            <a:noFill/>
-          </a:ln>
-        </p:spPr>
-        <p:style>
-          <a:lnRef idx="2">
-            <a:schemeClr val="accent1">
-              <a:shade val="50000"/>
-            </a:schemeClr>
-          </a:lnRef>
-          <a:fillRef idx="1">
-            <a:schemeClr val="accent1"/>
-          </a:fillRef>
-          <a:effectRef idx="0">
-            <a:schemeClr val="accent1"/>
-          </a:effectRef>
-          <a:fontRef idx="minor"/>
-        </p:style>
-      </p:sp>
-      <p:sp>
-        <p:nvSpPr>
-          <p:cNvPr id="100" name="CustomShape 2"/>
-          <p:cNvSpPr/>
-          <p:nvPr/>
-        </p:nvSpPr>
-        <p:spPr>
-          <a:xfrm>
-            <a:off x="9270360" y="762120"/>
-            <a:ext cx="2925000" cy="5333760"/>
-          </a:xfrm>
-          <a:prstGeom prst="rect">
-            <a:avLst/>
-          </a:prstGeom>
-          <a:solidFill>
-            <a:srgbClr val="c8c8c8">
-              <a:alpha val="50000"/>
-            </a:srgbClr>
-          </a:solidFill>
-          <a:ln>
-            <a:noFill/>
-          </a:ln>
-        </p:spPr>
-        <p:style>
-          <a:lnRef idx="2">
-            <a:schemeClr val="accent1">
-              <a:shade val="50000"/>
-            </a:schemeClr>
-          </a:lnRef>
-          <a:fillRef idx="1">
-            <a:schemeClr val="accent1"/>
-          </a:fillRef>
-          <a:effectRef idx="0">
-            <a:schemeClr val="accent1"/>
-          </a:effectRef>
-          <a:fontRef idx="minor"/>
-        </p:style>
-      </p:sp>
-      <p:sp>
-        <p:nvSpPr>
-          <p:cNvPr id="101" name="CustomShape 3"/>
-          <p:cNvSpPr/>
-          <p:nvPr/>
-        </p:nvSpPr>
-        <p:spPr>
-          <a:xfrm>
-            <a:off x="0" y="0"/>
-            <a:ext cx="12191760" cy="6857640"/>
-          </a:xfrm>
-          <a:prstGeom prst="rect">
-            <a:avLst/>
-          </a:prstGeom>
-          <a:solidFill>
-            <a:schemeClr val="bg1"/>
-          </a:solidFill>
-          <a:ln>
-            <a:noFill/>
-          </a:ln>
-        </p:spPr>
-        <p:style>
-          <a:lnRef idx="2">
-            <a:schemeClr val="accent1">
-              <a:shade val="50000"/>
-            </a:schemeClr>
-          </a:lnRef>
-          <a:fillRef idx="1">
-            <a:schemeClr val="accent1"/>
-          </a:fillRef>
-          <a:effectRef idx="0">
-            <a:schemeClr val="accent1"/>
-          </a:effectRef>
-          <a:fontRef idx="minor"/>
-        </p:style>
-      </p:sp>
-      <p:sp>
-        <p:nvSpPr>
-          <p:cNvPr id="102" name="CustomShape 4"/>
-          <p:cNvSpPr/>
-          <p:nvPr/>
-        </p:nvSpPr>
-        <p:spPr>
-          <a:xfrm>
-            <a:off x="0" y="762120"/>
-            <a:ext cx="4641840" cy="5333760"/>
-          </a:xfrm>
-          <a:prstGeom prst="rect">
-            <a:avLst/>
-          </a:prstGeom>
-          <a:solidFill>
-            <a:schemeClr val="accent1"/>
-          </a:solidFill>
-          <a:ln>
-            <a:noFill/>
-          </a:ln>
-        </p:spPr>
-        <p:style>
-          <a:lnRef idx="2">
-            <a:schemeClr val="accent1">
-              <a:shade val="50000"/>
-            </a:schemeClr>
-          </a:lnRef>
-          <a:fillRef idx="1">
-            <a:schemeClr val="accent1"/>
-          </a:fillRef>
-          <a:effectRef idx="0">
-            <a:schemeClr val="accent1"/>
-          </a:effectRef>
-          <a:fontRef idx="minor"/>
-        </p:style>
-      </p:sp>
-      <p:sp>
-        <p:nvSpPr>
-          <p:cNvPr id="103" name="TextShape 5"/>
-          <p:cNvSpPr txBox="1"/>
-          <p:nvPr/>
-        </p:nvSpPr>
-        <p:spPr>
-          <a:xfrm>
-            <a:off x="643320" y="1298520"/>
-            <a:ext cx="3684600" cy="3254760"/>
-          </a:xfrm>
-          <a:prstGeom prst="rect">
-            <a:avLst/>
-          </a:prstGeom>
-          <a:noFill/>
-          <a:ln>
-            <a:noFill/>
-          </a:ln>
-        </p:spPr>
-        <p:txBody>
-          <a:bodyPr anchor="b">
-            <a:normAutofit/>
-          </a:bodyPr>
-          <a:p>
-            <a:pPr>
-              <a:lnSpc>
-                <a:spcPct val="90000"/>
-              </a:lnSpc>
-            </a:pPr>
-            <a:r>
-              <a:rPr b="0" lang="en-US" sz="5900" spc="-97" strike="noStrike">
-                <a:solidFill>
-                  <a:srgbClr val="ffffff"/>
-                </a:solidFill>
-                <a:latin typeface="Corbel"/>
-              </a:rPr>
-              <a:t>Card Render</a:t>
-            </a:r>
-            <a:endParaRPr b="0" lang="en-US" sz="5900" spc="-1" strike="noStrike">
-              <a:solidFill>
-                <a:srgbClr val="000000"/>
-              </a:solidFill>
-              <a:latin typeface="Corbel"/>
-            </a:endParaRPr>
-          </a:p>
-        </p:txBody>
-      </p:sp>
-      <p:pic>
-        <p:nvPicPr>
-          <p:cNvPr id="104" name="Content Placeholder 4" descr=""/>
-          <p:cNvPicPr/>
-          <p:nvPr/>
-        </p:nvPicPr>
-        <p:blipFill>
-          <a:blip r:embed="rId1"/>
-          <a:srcRect l="13654" t="0" r="7515" b="0"/>
-          <a:stretch/>
-        </p:blipFill>
-        <p:spPr>
-          <a:xfrm>
-            <a:off x="5120640" y="759600"/>
-            <a:ext cx="6366960" cy="5330160"/>
-          </a:xfrm>
-          <a:prstGeom prst="rect">
-            <a:avLst/>
-          </a:prstGeom>
-          <a:ln>
-            <a:noFill/>
-          </a:ln>
-        </p:spPr>
-      </p:pic>
-      <p:sp>
-        <p:nvSpPr>
-          <p:cNvPr id="105" name="CustomShape 6"/>
-          <p:cNvSpPr/>
-          <p:nvPr/>
-        </p:nvSpPr>
-        <p:spPr>
-          <a:xfrm>
-            <a:off x="11815920" y="758880"/>
-            <a:ext cx="383760" cy="5330520"/>
-          </a:xfrm>
-          <a:prstGeom prst="rect">
-            <a:avLst/>
-          </a:prstGeom>
-          <a:solidFill>
-            <a:srgbClr val="c8c8c8">
-              <a:alpha val="50000"/>
-            </a:srgbClr>
-          </a:solidFill>
-          <a:ln>
-            <a:noFill/>
-          </a:ln>
-        </p:spPr>
-        <p:style>
-          <a:lnRef idx="2">
-            <a:schemeClr val="accent1">
-              <a:shade val="50000"/>
-            </a:schemeClr>
-          </a:lnRef>
-          <a:fillRef idx="1">
-            <a:schemeClr val="accent1"/>
-          </a:fillRef>
-          <a:effectRef idx="0">
-            <a:schemeClr val="accent1"/>
-          </a:effectRef>
-          <a:fontRef idx="minor"/>
-        </p:style>
-      </p:sp>
-    </p:spTree>
-  </p:cSld>
-  <p:timing>
-    <p:tnLst>
-      <p:par>
-        <p:cTn id="7" dur="indefinite" restart="never" nodeType="tmRoot">
-          <p:childTnLst>
-            <p:seq>
-              <p:cTn id="8" dur="indefinite" nodeType="mainSeq"/>
-              <p:prevCondLst>
-                <p:cond delay="0" evt="onPrev">
-                  <p:tgtEl>
-                    <p:sldTgt/>
-                  </p:tgtEl>
-                </p:cond>
-              </p:prevCondLst>
-              <p:nextCondLst>
-                <p:cond delay="0" evt="onNext">
-                  <p:tgtEl>
-                    <p:sldTgt/>
-                  </p:tgtEl>
-                </p:cond>
-              </p:nextCondLst>
-            </p:seq>
-          </p:childTnLst>
-        </p:cTn>
-      </p:par>
-    </p:tnLst>
-  </p:timing>
-</p:sld>
-</file>
-
-<file path=ppt/slides/slide5.xml><?xml version="1.0" encoding="utf-8"?>
-<p:sld xmlns:a="http://schemas.openxmlformats.org/drawingml/2006/main" xmlns:p="http://schemas.openxmlformats.org/presentationml/2006/main" xmlns:r="http://schemas.openxmlformats.org/officeDocument/2006/relationships" xmlns:p14="http://schemas.microsoft.com/office/powerpoint/2010/main" xmlns:p15="http://schemas.microsoft.com/office/powerpoint/2012/main" xmlns:mc="http://schemas.openxmlformats.org/markup-compatibility/2006">
+<file path=ppt/slides/slide7.xml><?xml version="1.0" encoding="utf-8"?>
+<p:sld xmlns:a="http://schemas.openxmlformats.org/drawingml/2006/main" xmlns:r="http://schemas.openxmlformats.org/officeDocument/2006/relationships" xmlns:p="http://schemas.openxmlformats.org/presentationml/2006/main">
   <p:cSld>
     <p:spTree>
       <p:nvGrpSpPr>
@@ -5029,6 +7177,7 @@
         </p:spPr>
         <p:txBody>
           <a:bodyPr anchor="ctr"/>
+          <a:lstStyle/>
           <a:p>
             <a:pPr>
               <a:lnSpc>
@@ -5036,15 +7185,15 @@
               </a:lnSpc>
             </a:pPr>
             <a:r>
-              <a:rPr b="0" lang="en-US" sz="3600" spc="-58" strike="noStrike">
+              <a:rPr lang="en-US" sz="3600" b="0" strike="noStrike" spc="-58">
                 <a:solidFill>
-                  <a:srgbClr val="ffffff"/>
+                  <a:srgbClr val="FFFFFF"/>
                 </a:solidFill>
                 <a:latin typeface="Corbel"/>
               </a:rPr>
               <a:t>Prototyping Card (P-Card)</a:t>
             </a:r>
-            <a:endParaRPr b="0" lang="en-US" sz="3600" spc="-1" strike="noStrike">
+            <a:endParaRPr lang="en-US" sz="3600" b="0" strike="noStrike" spc="-1">
               <a:solidFill>
                 <a:srgbClr val="000000"/>
               </a:solidFill>
@@ -5076,6 +7225,7 @@
           <a:bodyPr anchor="ctr">
             <a:normAutofit/>
           </a:bodyPr>
+          <a:lstStyle/>
           <a:p>
             <a:pPr marL="182880" indent="-182520">
               <a:lnSpc>
@@ -5085,13 +7235,13 @@
                 <a:spcPts val="1199"/>
               </a:spcBef>
               <a:buClr>
-                <a:srgbClr val="f0a22e"/>
+                <a:srgbClr val="F0A22E"/>
               </a:buClr>
               <a:buFont typeface="Wingdings 2" charset="2"/>
               <a:buChar char=""/>
             </a:pPr>
             <a:r>
-              <a:rPr b="0" lang="en-US" sz="2000" spc="-1" strike="noStrike">
+              <a:rPr lang="en-US" sz="2000" b="0" strike="noStrike" spc="-1">
                 <a:solidFill>
                   <a:srgbClr val="595959"/>
                 </a:solidFill>
@@ -5099,23 +7249,17 @@
               </a:rPr>
               <a:t>Male Socket, Female Socket, Breadboard, High Power Banana Jacks, Double Length For Easy Access</a:t>
             </a:r>
-            <a:endParaRPr b="0" lang="en-US" sz="2000" spc="-1" strike="noStrike">
-              <a:solidFill>
-                <a:srgbClr val="595959"/>
-              </a:solidFill>
-              <a:latin typeface="Corbel"/>
-            </a:endParaRPr>
           </a:p>
         </p:txBody>
       </p:sp>
       <p:pic>
         <p:nvPicPr>
-          <p:cNvPr id="108" name="" descr=""/>
+          <p:cNvPr id="108" name="Picture 107"/>
           <p:cNvPicPr/>
           <p:nvPr/>
         </p:nvPicPr>
         <p:blipFill>
-          <a:blip r:embed="rId1"/>
+          <a:blip r:embed="rId2"/>
           <a:stretch/>
         </p:blipFill>
         <p:spPr>
@@ -5133,22 +7277,25 @@
       </p:pic>
     </p:spTree>
   </p:cSld>
+  <p:clrMapOvr>
+    <a:masterClrMapping/>
+  </p:clrMapOvr>
   <p:timing>
     <p:tnLst>
       <p:par>
-        <p:cTn id="9" dur="indefinite" restart="never" nodeType="tmRoot">
+        <p:cTn id="1" dur="indefinite" restart="never" nodeType="tmRoot">
           <p:childTnLst>
             <p:seq>
-              <p:cTn id="10" dur="indefinite" nodeType="mainSeq"/>
+              <p:cTn id="2" dur="indefinite" nodeType="mainSeq"/>
               <p:prevCondLst>
-                <p:cond delay="0" evt="onPrev">
+                <p:cond evt="onPrev" delay="0">
                   <p:tgtEl>
                     <p:sldTgt/>
                   </p:tgtEl>
                 </p:cond>
               </p:prevCondLst>
               <p:nextCondLst>
-                <p:cond delay="0" evt="onNext">
+                <p:cond evt="onNext" delay="0">
                   <p:tgtEl>
                     <p:sldTgt/>
                   </p:tgtEl>
@@ -5163,8 +7310,8 @@
 </p:sld>
 </file>
 
-<file path=ppt/slides/slide6.xml><?xml version="1.0" encoding="utf-8"?>
-<p:sld xmlns:a="http://schemas.openxmlformats.org/drawingml/2006/main" xmlns:p="http://schemas.openxmlformats.org/presentationml/2006/main" xmlns:r="http://schemas.openxmlformats.org/officeDocument/2006/relationships" xmlns:p14="http://schemas.microsoft.com/office/powerpoint/2010/main" xmlns:p15="http://schemas.microsoft.com/office/powerpoint/2012/main" xmlns:mc="http://schemas.openxmlformats.org/markup-compatibility/2006">
+<file path=ppt/slides/slide8.xml><?xml version="1.0" encoding="utf-8"?>
+<p:sld xmlns:a="http://schemas.openxmlformats.org/drawingml/2006/main" xmlns:r="http://schemas.openxmlformats.org/officeDocument/2006/relationships" xmlns:p="http://schemas.openxmlformats.org/presentationml/2006/main">
   <p:cSld>
     <p:spTree>
       <p:nvGrpSpPr>
@@ -5182,161 +7329,115 @@
       </p:grpSpPr>
       <p:sp>
         <p:nvSpPr>
-          <p:cNvPr id="109" name="TextShape 1"/>
-          <p:cNvSpPr txBox="1"/>
-          <p:nvPr/>
-        </p:nvSpPr>
-        <p:spPr>
-          <a:xfrm>
-            <a:off x="253080" y="1123920"/>
-            <a:ext cx="2946960" cy="4600800"/>
-          </a:xfrm>
-          <a:prstGeom prst="rect">
-            <a:avLst/>
-          </a:prstGeom>
-          <a:noFill/>
-          <a:ln>
-            <a:noFill/>
-          </a:ln>
-        </p:spPr>
-        <p:txBody>
-          <a:bodyPr anchor="ctr"/>
-          <a:p>
-            <a:pPr>
-              <a:lnSpc>
-                <a:spcPct val="90000"/>
-              </a:lnSpc>
-            </a:pPr>
+          <p:cNvPr id="2" name="Title 1">
+            <a:extLst>
+              <a:ext uri="{FF2B5EF4-FFF2-40B4-BE49-F238E27FC236}">
+                <a16:creationId xmlns:a16="http://schemas.microsoft.com/office/drawing/2014/main" id="{B6614508-3021-4DC9-A41F-D0B095B806F5}"/>
+              </a:ext>
+            </a:extLst>
+          </p:cNvPr>
+          <p:cNvSpPr>
+            <a:spLocks noGrp="1"/>
+          </p:cNvSpPr>
+          <p:nvPr>
+            <p:ph type="title"/>
+          </p:nvPr>
+        </p:nvSpPr>
+        <p:spPr/>
+        <p:txBody>
+          <a:bodyPr/>
+          <a:lstStyle/>
+          <a:p>
             <a:r>
-              <a:rPr b="0" lang="en-US" sz="3600" spc="-58" strike="noStrike">
-                <a:solidFill>
-                  <a:srgbClr val="ffffff"/>
-                </a:solidFill>
-                <a:latin typeface="Corbel"/>
-              </a:rPr>
-              <a:t>Backplane</a:t>
+              <a:rPr lang="en-US" dirty="0"/>
+              <a:t>P-Card</a:t>
             </a:r>
-            <a:endParaRPr b="0" lang="en-US" sz="3600" spc="-1" strike="noStrike">
-              <a:solidFill>
-                <a:srgbClr val="000000"/>
-              </a:solidFill>
-              <a:latin typeface="Corbel"/>
-            </a:endParaRPr>
-          </a:p>
-        </p:txBody>
-      </p:sp>
-      <p:sp>
-        <p:nvSpPr>
-          <p:cNvPr id="110" name="TextShape 2"/>
-          <p:cNvSpPr txBox="1"/>
-          <p:nvPr/>
-        </p:nvSpPr>
-        <p:spPr>
-          <a:xfrm>
-            <a:off x="3869280" y="864000"/>
-            <a:ext cx="7314840" cy="1247040"/>
-          </a:xfrm>
-          <a:prstGeom prst="rect">
-            <a:avLst/>
-          </a:prstGeom>
-          <a:noFill/>
-          <a:ln>
-            <a:noFill/>
-          </a:ln>
-        </p:spPr>
-        <p:txBody>
-          <a:bodyPr anchor="ctr">
-            <a:normAutofit/>
-          </a:bodyPr>
-          <a:p>
-            <a:pPr marL="182880" indent="-182520">
-              <a:lnSpc>
-                <a:spcPct val="90000"/>
-              </a:lnSpc>
-              <a:spcBef>
-                <a:spcPts val="1199"/>
-              </a:spcBef>
-              <a:buClr>
-                <a:srgbClr val="f0a22e"/>
-              </a:buClr>
-              <a:buFont typeface="Wingdings 2" charset="2"/>
-              <a:buChar char=""/>
-            </a:pPr>
+            <a:br>
+              <a:rPr lang="en-US" dirty="0"/>
+            </a:br>
             <a:r>
-              <a:rPr b="0" lang="en-US" sz="2000" spc="-1" strike="noStrike">
-                <a:solidFill>
-                  <a:srgbClr val="595959"/>
-                </a:solidFill>
-                <a:latin typeface="Corbel"/>
-              </a:rPr>
-              <a:t>Sockets, Power, SPI, HP Signal I/O, 9 4-pin signal I/Os per card, Arduino Controller (with I2C), On board Temperature Sensors, 7-segment digit display, 5Volt and 20Volt Power, Raspberry Pi (with I2C), Interrupts from Arduino and Pi</a:t>
+              <a:rPr lang="en-US" dirty="0"/>
+              <a:t>Sketch</a:t>
             </a:r>
-            <a:endParaRPr b="0" lang="en-US" sz="2000" spc="-1" strike="noStrike">
-              <a:solidFill>
-                <a:srgbClr val="595959"/>
-              </a:solidFill>
-              <a:latin typeface="Corbel"/>
-            </a:endParaRPr>
+          </a:p>
+        </p:txBody>
+      </p:sp>
+      <p:sp>
+        <p:nvSpPr>
+          <p:cNvPr id="3" name="Subtitle 2">
+            <a:extLst>
+              <a:ext uri="{FF2B5EF4-FFF2-40B4-BE49-F238E27FC236}">
+                <a16:creationId xmlns:a16="http://schemas.microsoft.com/office/drawing/2014/main" id="{2101BECB-06E5-4CC5-A48D-73E8457751D1}"/>
+              </a:ext>
+            </a:extLst>
+          </p:cNvPr>
+          <p:cNvSpPr>
+            <a:spLocks noGrp="1"/>
+          </p:cNvSpPr>
+          <p:nvPr>
+            <p:ph type="subTitle"/>
+          </p:nvPr>
+        </p:nvSpPr>
+        <p:spPr/>
+        <p:txBody>
+          <a:bodyPr/>
+          <a:lstStyle/>
+          <a:p>
+            <a:endParaRPr lang="en-US"/>
           </a:p>
         </p:txBody>
       </p:sp>
       <p:pic>
         <p:nvPicPr>
-          <p:cNvPr id="111" name="" descr=""/>
-          <p:cNvPicPr/>
+          <p:cNvPr id="5" name="Picture 4">
+            <a:extLst>
+              <a:ext uri="{FF2B5EF4-FFF2-40B4-BE49-F238E27FC236}">
+                <a16:creationId xmlns:a16="http://schemas.microsoft.com/office/drawing/2014/main" id="{15058A47-599F-4A58-B9B5-00B26D3DF2FA}"/>
+              </a:ext>
+            </a:extLst>
+          </p:cNvPr>
+          <p:cNvPicPr>
+            <a:picLocks noChangeAspect="1"/>
+          </p:cNvPicPr>
           <p:nvPr/>
         </p:nvPicPr>
         <p:blipFill>
-          <a:blip r:embed="rId1"/>
-          <a:stretch/>
+          <a:blip r:embed="rId2">
+            <a:extLst>
+              <a:ext uri="{28A0092B-C50C-407E-A947-70E740481C1C}">
+                <a14:useLocalDpi xmlns:a14="http://schemas.microsoft.com/office/drawing/2010/main" val="0"/>
+              </a:ext>
+            </a:extLst>
+          </a:blip>
+          <a:stretch>
+            <a:fillRect/>
+          </a:stretch>
         </p:blipFill>
         <p:spPr>
           <a:xfrm>
-            <a:off x="4075920" y="1969200"/>
-            <a:ext cx="6073920" cy="4693320"/>
-          </a:xfrm>
-          <a:prstGeom prst="rect">
-            <a:avLst/>
-          </a:prstGeom>
-          <a:ln>
-            <a:noFill/>
-          </a:ln>
+            <a:off x="3869280" y="864000"/>
+            <a:ext cx="7314840" cy="5120280"/>
+          </a:xfrm>
+          <a:prstGeom prst="rect">
+            <a:avLst/>
+          </a:prstGeom>
         </p:spPr>
       </p:pic>
     </p:spTree>
+    <p:extLst>
+      <p:ext uri="{BB962C8B-B14F-4D97-AF65-F5344CB8AC3E}">
+        <p14:creationId xmlns:p14="http://schemas.microsoft.com/office/powerpoint/2010/main" val="4122891352"/>
+      </p:ext>
+    </p:extLst>
   </p:cSld>
-  <p:timing>
-    <p:tnLst>
-      <p:par>
-        <p:cTn id="11" dur="indefinite" restart="never" nodeType="tmRoot">
-          <p:childTnLst>
-            <p:seq>
-              <p:cTn id="12" dur="indefinite" nodeType="mainSeq"/>
-              <p:prevCondLst>
-                <p:cond delay="0" evt="onPrev">
-                  <p:tgtEl>
-                    <p:sldTgt/>
-                  </p:tgtEl>
-                </p:cond>
-              </p:prevCondLst>
-              <p:nextCondLst>
-                <p:cond delay="0" evt="onNext">
-                  <p:tgtEl>
-                    <p:sldTgt/>
-                  </p:tgtEl>
-                </p:cond>
-              </p:nextCondLst>
-            </p:seq>
-          </p:childTnLst>
-        </p:cTn>
-      </p:par>
-    </p:tnLst>
-  </p:timing>
+  <p:clrMapOvr>
+    <a:masterClrMapping/>
+  </p:clrMapOvr>
 </p:sld>
 </file>
 
-<file path=ppt/slides/slide7.xml><?xml version="1.0" encoding="utf-8"?>
-<p:sld xmlns:a="http://schemas.openxmlformats.org/drawingml/2006/main" xmlns:p="http://schemas.openxmlformats.org/presentationml/2006/main" xmlns:r="http://schemas.openxmlformats.org/officeDocument/2006/relationships" xmlns:p14="http://schemas.microsoft.com/office/powerpoint/2010/main" xmlns:p15="http://schemas.microsoft.com/office/powerpoint/2012/main" xmlns:mc="http://schemas.openxmlformats.org/markup-compatibility/2006">
+<file path=ppt/slides/slide9.xml><?xml version="1.0" encoding="utf-8"?>
+<p:sld xmlns:a="http://schemas.openxmlformats.org/drawingml/2006/main" xmlns:r="http://schemas.openxmlformats.org/officeDocument/2006/relationships" xmlns:p="http://schemas.openxmlformats.org/presentationml/2006/main">
   <p:cSld>
     <p:spTree>
       <p:nvGrpSpPr>
@@ -5354,7 +7455,7 @@
       </p:grpSpPr>
       <p:sp>
         <p:nvSpPr>
-          <p:cNvPr id="112" name="TextShape 1"/>
+          <p:cNvPr id="109" name="TextShape 1"/>
           <p:cNvSpPr txBox="1"/>
           <p:nvPr/>
         </p:nvSpPr>
@@ -5373,6 +7474,7 @@
         </p:spPr>
         <p:txBody>
           <a:bodyPr anchor="ctr"/>
+          <a:lstStyle/>
           <a:p>
             <a:pPr>
               <a:lnSpc>
@@ -5380,15 +7482,15 @@
               </a:lnSpc>
             </a:pPr>
             <a:r>
-              <a:rPr b="0" lang="en-US" sz="3600" spc="-58" strike="noStrike">
+              <a:rPr lang="en-US" sz="3600" b="0" strike="noStrike" spc="-58">
                 <a:solidFill>
-                  <a:srgbClr val="ffffff"/>
+                  <a:srgbClr val="FFFFFF"/>
                 </a:solidFill>
                 <a:latin typeface="Corbel"/>
               </a:rPr>
-              <a:t>Next Steps</a:t>
+              <a:t>Backplane</a:t>
             </a:r>
-            <a:endParaRPr b="0" lang="en-US" sz="3600" spc="-1" strike="noStrike">
+            <a:endParaRPr lang="en-US" sz="3600" b="0" strike="noStrike" spc="-1">
               <a:solidFill>
                 <a:srgbClr val="000000"/>
               </a:solidFill>
@@ -5399,14 +7501,14 @@
       </p:sp>
       <p:sp>
         <p:nvSpPr>
-          <p:cNvPr id="113" name="TextShape 2"/>
+          <p:cNvPr id="110" name="TextShape 2"/>
           <p:cNvSpPr txBox="1"/>
           <p:nvPr/>
         </p:nvSpPr>
         <p:spPr>
           <a:xfrm>
             <a:off x="3869280" y="864000"/>
-            <a:ext cx="7314840" cy="5120280"/>
+            <a:ext cx="7314840" cy="1247040"/>
           </a:xfrm>
           <a:prstGeom prst="rect">
             <a:avLst/>
@@ -5417,32 +7519,10 @@
           </a:ln>
         </p:spPr>
         <p:txBody>
-          <a:bodyPr anchor="ctr"/>
-          <a:p>
-            <a:pPr>
-              <a:lnSpc>
-                <a:spcPct val="100000"/>
-              </a:lnSpc>
-              <a:spcBef>
-                <a:spcPts val="1199"/>
-              </a:spcBef>
-            </a:pPr>
-            <a:r>
-              <a:rPr b="0" lang="en-US" sz="2000" spc="-1" strike="noStrike">
-                <a:solidFill>
-                  <a:srgbClr val="595959"/>
-                </a:solidFill>
-                <a:latin typeface="Corbel"/>
-              </a:rPr>
-              <a:t>Finish Technical Guide</a:t>
-            </a:r>
-            <a:endParaRPr b="0" lang="en-US" sz="2000" spc="-1" strike="noStrike">
-              <a:solidFill>
-                <a:srgbClr val="595959"/>
-              </a:solidFill>
-              <a:latin typeface="Corbel"/>
-            </a:endParaRPr>
-          </a:p>
+          <a:bodyPr anchor="ctr">
+            <a:normAutofit/>
+          </a:bodyPr>
+          <a:lstStyle/>
           <a:p>
             <a:pPr marL="182880" indent="-182520">
               <a:lnSpc>
@@ -5452,241 +7532,67 @@
                 <a:spcPts val="1199"/>
               </a:spcBef>
               <a:buClr>
-                <a:srgbClr val="f0a22e"/>
+                <a:srgbClr val="F0A22E"/>
               </a:buClr>
               <a:buFont typeface="Wingdings 2" charset="2"/>
               <a:buChar char=""/>
             </a:pPr>
             <a:r>
-              <a:rPr b="0" lang="en-US" sz="2000" spc="-1" strike="noStrike">
+              <a:rPr lang="en-US" sz="2000" b="0" strike="noStrike" spc="-1">
                 <a:solidFill>
                   <a:srgbClr val="595959"/>
                 </a:solidFill>
                 <a:latin typeface="Corbel"/>
               </a:rPr>
-              <a:t>Summarize completed work</a:t>
+              <a:t>Sockets, Power, SPI, HP Signal I/O, 9 4-pin signal I/Os per card, Arduino Controller (with I2C), On board Temperature Sensors, 7-segment digit display, 5Volt and 20Volt Power, Raspberry Pi (with I2C), Interrupts from Arduino and Pi</a:t>
             </a:r>
-            <a:endParaRPr b="0" lang="en-US" sz="2000" spc="-1" strike="noStrike">
-              <a:solidFill>
-                <a:srgbClr val="595959"/>
-              </a:solidFill>
-              <a:latin typeface="Corbel"/>
-            </a:endParaRPr>
-          </a:p>
-          <a:p>
-            <a:pPr marL="182880" indent="-182520">
-              <a:lnSpc>
-                <a:spcPct val="90000"/>
-              </a:lnSpc>
-              <a:spcBef>
-                <a:spcPts val="1199"/>
-              </a:spcBef>
-              <a:buClr>
-                <a:srgbClr val="f0a22e"/>
-              </a:buClr>
-              <a:buFont typeface="Wingdings 2" charset="2"/>
-              <a:buChar char=""/>
-            </a:pPr>
-            <a:r>
-              <a:rPr b="0" lang="en-US" sz="2000" spc="-1" strike="noStrike">
-                <a:solidFill>
-                  <a:srgbClr val="595959"/>
-                </a:solidFill>
-                <a:latin typeface="Corbel"/>
-              </a:rPr>
-              <a:t>Guide future designers and end users</a:t>
-            </a:r>
-            <a:endParaRPr b="0" lang="en-US" sz="2000" spc="-1" strike="noStrike">
-              <a:solidFill>
-                <a:srgbClr val="595959"/>
-              </a:solidFill>
-              <a:latin typeface="Corbel"/>
-            </a:endParaRPr>
-          </a:p>
-          <a:p>
-            <a:pPr>
-              <a:lnSpc>
-                <a:spcPct val="90000"/>
-              </a:lnSpc>
-              <a:spcBef>
-                <a:spcPts val="1199"/>
-              </a:spcBef>
-            </a:pPr>
-            <a:endParaRPr b="0" lang="en-US" sz="2000" spc="-1" strike="noStrike">
-              <a:solidFill>
-                <a:srgbClr val="595959"/>
-              </a:solidFill>
-              <a:latin typeface="Corbel"/>
-            </a:endParaRPr>
-          </a:p>
-          <a:p>
-            <a:pPr>
-              <a:lnSpc>
-                <a:spcPct val="100000"/>
-              </a:lnSpc>
-              <a:spcBef>
-                <a:spcPts val="1199"/>
-              </a:spcBef>
-            </a:pPr>
-            <a:r>
-              <a:rPr b="0" lang="en-US" sz="2000" spc="-1" strike="noStrike">
-                <a:solidFill>
-                  <a:srgbClr val="595959"/>
-                </a:solidFill>
-                <a:latin typeface="Corbel"/>
-              </a:rPr>
-              <a:t>Finish Backplane PCB Layout</a:t>
-            </a:r>
-            <a:endParaRPr b="0" lang="en-US" sz="2000" spc="-1" strike="noStrike">
-              <a:solidFill>
-                <a:srgbClr val="595959"/>
-              </a:solidFill>
-              <a:latin typeface="Corbel"/>
-            </a:endParaRPr>
-          </a:p>
-          <a:p>
-            <a:pPr>
-              <a:lnSpc>
-                <a:spcPct val="100000"/>
-              </a:lnSpc>
-              <a:spcBef>
-                <a:spcPts val="1199"/>
-              </a:spcBef>
-            </a:pPr>
-            <a:endParaRPr b="0" lang="en-US" sz="2000" spc="-1" strike="noStrike">
-              <a:solidFill>
-                <a:srgbClr val="595959"/>
-              </a:solidFill>
-              <a:latin typeface="Corbel"/>
-            </a:endParaRPr>
-          </a:p>
-          <a:p>
-            <a:pPr>
-              <a:lnSpc>
-                <a:spcPct val="100000"/>
-              </a:lnSpc>
-              <a:spcBef>
-                <a:spcPts val="1199"/>
-              </a:spcBef>
-            </a:pPr>
-            <a:r>
-              <a:rPr b="0" lang="en-US" sz="2000" spc="-1" strike="noStrike">
-                <a:solidFill>
-                  <a:srgbClr val="595959"/>
-                </a:solidFill>
-                <a:latin typeface="Corbel"/>
-              </a:rPr>
-              <a:t>Build and Test Everything</a:t>
-            </a:r>
-            <a:endParaRPr b="0" lang="en-US" sz="2000" spc="-1" strike="noStrike">
-              <a:solidFill>
-                <a:srgbClr val="595959"/>
-              </a:solidFill>
-              <a:latin typeface="Corbel"/>
-            </a:endParaRPr>
-          </a:p>
-          <a:p>
-            <a:pPr>
-              <a:lnSpc>
-                <a:spcPct val="100000"/>
-              </a:lnSpc>
-              <a:spcBef>
-                <a:spcPts val="1199"/>
-              </a:spcBef>
-            </a:pPr>
-            <a:endParaRPr b="0" lang="en-US" sz="2000" spc="-1" strike="noStrike">
-              <a:solidFill>
-                <a:srgbClr val="595959"/>
-              </a:solidFill>
-              <a:latin typeface="Corbel"/>
-            </a:endParaRPr>
-          </a:p>
-          <a:p>
-            <a:pPr>
-              <a:lnSpc>
-                <a:spcPct val="100000"/>
-              </a:lnSpc>
-              <a:spcBef>
-                <a:spcPts val="1199"/>
-              </a:spcBef>
-            </a:pPr>
-            <a:r>
-              <a:rPr b="0" lang="en-US" sz="2000" spc="-1" strike="noStrike">
-                <a:solidFill>
-                  <a:srgbClr val="595959"/>
-                </a:solidFill>
-                <a:latin typeface="Corbel"/>
-              </a:rPr>
-              <a:t>Program Controllers</a:t>
-            </a:r>
-            <a:endParaRPr b="0" lang="en-US" sz="2000" spc="-1" strike="noStrike">
-              <a:solidFill>
-                <a:srgbClr val="595959"/>
-              </a:solidFill>
-              <a:latin typeface="Corbel"/>
-            </a:endParaRPr>
-          </a:p>
-          <a:p>
-            <a:pPr>
-              <a:lnSpc>
-                <a:spcPct val="100000"/>
-              </a:lnSpc>
-              <a:spcBef>
-                <a:spcPts val="1199"/>
-              </a:spcBef>
-            </a:pPr>
-            <a:endParaRPr b="0" lang="en-US" sz="2000" spc="-1" strike="noStrike">
-              <a:solidFill>
-                <a:srgbClr val="595959"/>
-              </a:solidFill>
-              <a:latin typeface="Corbel"/>
-            </a:endParaRPr>
-          </a:p>
-          <a:p>
-            <a:pPr>
-              <a:lnSpc>
-                <a:spcPct val="100000"/>
-              </a:lnSpc>
-              <a:spcBef>
-                <a:spcPts val="1199"/>
-              </a:spcBef>
-            </a:pPr>
-            <a:r>
-              <a:rPr b="0" lang="en-US" sz="2000" spc="-1" strike="noStrike">
-                <a:solidFill>
-                  <a:srgbClr val="595959"/>
-                </a:solidFill>
-                <a:latin typeface="Corbel"/>
-              </a:rPr>
-              <a:t>Design/Build Cards</a:t>
-            </a:r>
-            <a:endParaRPr b="0" lang="en-US" sz="2000" spc="-1" strike="noStrike">
-              <a:solidFill>
-                <a:srgbClr val="595959"/>
-              </a:solidFill>
-              <a:latin typeface="Corbel"/>
-            </a:endParaRPr>
-          </a:p>
-        </p:txBody>
-      </p:sp>
+          </a:p>
+        </p:txBody>
+      </p:sp>
+      <p:pic>
+        <p:nvPicPr>
+          <p:cNvPr id="111" name="Picture 110"/>
+          <p:cNvPicPr/>
+          <p:nvPr/>
+        </p:nvPicPr>
+        <p:blipFill>
+          <a:blip r:embed="rId2"/>
+          <a:stretch/>
+        </p:blipFill>
+        <p:spPr>
+          <a:xfrm>
+            <a:off x="4075920" y="1969200"/>
+            <a:ext cx="6073920" cy="4693320"/>
+          </a:xfrm>
+          <a:prstGeom prst="rect">
+            <a:avLst/>
+          </a:prstGeom>
+          <a:ln>
+            <a:noFill/>
+          </a:ln>
+        </p:spPr>
+      </p:pic>
     </p:spTree>
   </p:cSld>
+  <p:clrMapOvr>
+    <a:masterClrMapping/>
+  </p:clrMapOvr>
   <p:timing>
     <p:tnLst>
       <p:par>
-        <p:cTn id="13" dur="indefinite" restart="never" nodeType="tmRoot">
+        <p:cTn id="1" dur="indefinite" restart="never" nodeType="tmRoot">
           <p:childTnLst>
             <p:seq>
-              <p:cTn id="14" dur="indefinite" nodeType="mainSeq"/>
+              <p:cTn id="2" dur="indefinite" nodeType="mainSeq"/>
               <p:prevCondLst>
-                <p:cond delay="0" evt="onPrev">
+                <p:cond evt="onPrev" delay="0">
                   <p:tgtEl>
                     <p:sldTgt/>
                   </p:tgtEl>
                 </p:cond>
               </p:prevCondLst>
               <p:nextCondLst>
-                <p:cond delay="0" evt="onNext">
+                <p:cond evt="onNext" delay="0">
                   <p:tgtEl>
                     <p:sldTgt/>
                   </p:tgtEl>
@@ -5712,34 +7618,34 @@
         <a:sysClr val="window" lastClr="FFFFFF"/>
       </a:lt1>
       <a:dk2>
-        <a:srgbClr val="4e3b30"/>
+        <a:srgbClr val="4E3B30"/>
       </a:dk2>
       <a:lt2>
-        <a:srgbClr val="fbeec9"/>
+        <a:srgbClr val="FBEEC9"/>
       </a:lt2>
       <a:accent1>
-        <a:srgbClr val="f0a22e"/>
+        <a:srgbClr val="F0A22E"/>
       </a:accent1>
       <a:accent2>
-        <a:srgbClr val="a5644e"/>
+        <a:srgbClr val="A5644E"/>
       </a:accent2>
       <a:accent3>
-        <a:srgbClr val="b58b80"/>
+        <a:srgbClr val="B58B80"/>
       </a:accent3>
       <a:accent4>
-        <a:srgbClr val="c3986d"/>
+        <a:srgbClr val="C3986D"/>
       </a:accent4>
       <a:accent5>
-        <a:srgbClr val="a19574"/>
+        <a:srgbClr val="A19574"/>
       </a:accent5>
       <a:accent6>
-        <a:srgbClr val="c17529"/>
+        <a:srgbClr val="C17529"/>
       </a:accent6>
       <a:hlink>
-        <a:srgbClr val="ad1f1f"/>
+        <a:srgbClr val="AD1F1F"/>
       </a:hlink>
       <a:folHlink>
-        <a:srgbClr val="ffc42f"/>
+        <a:srgbClr val="FFC42F"/>
       </a:folHlink>
     </a:clrScheme>
     <a:fontScheme name="Office">
@@ -5921,6 +7827,8 @@
       </a:bgFillStyleLst>
     </a:fmtScheme>
   </a:themeElements>
+  <a:objectDefaults/>
+  <a:extraClrSchemeLst/>
 </a:theme>
 </file>
 
@@ -5935,31 +7843,31 @@
         <a:sysClr val="window" lastClr="FFFFFF"/>
       </a:lt1>
       <a:dk2>
-        <a:srgbClr val="1f497d"/>
+        <a:srgbClr val="1F497D"/>
       </a:dk2>
       <a:lt2>
-        <a:srgbClr val="eeece1"/>
+        <a:srgbClr val="EEECE1"/>
       </a:lt2>
       <a:accent1>
-        <a:srgbClr val="4f81bd"/>
+        <a:srgbClr val="4F81BD"/>
       </a:accent1>
       <a:accent2>
-        <a:srgbClr val="c0504d"/>
+        <a:srgbClr val="C0504D"/>
       </a:accent2>
       <a:accent3>
-        <a:srgbClr val="9bbb59"/>
+        <a:srgbClr val="9BBB59"/>
       </a:accent3>
       <a:accent4>
-        <a:srgbClr val="8064a2"/>
+        <a:srgbClr val="8064A2"/>
       </a:accent4>
       <a:accent5>
-        <a:srgbClr val="4bacc6"/>
+        <a:srgbClr val="4BACC6"/>
       </a:accent5>
       <a:accent6>
-        <a:srgbClr val="f79646"/>
+        <a:srgbClr val="F79646"/>
       </a:accent6>
       <a:hlink>
-        <a:srgbClr val="0000ff"/>
+        <a:srgbClr val="0000FF"/>
       </a:hlink>
       <a:folHlink>
         <a:srgbClr val="800080"/>
@@ -6144,5 +8052,302 @@
       </a:bgFillStyleLst>
     </a:fmtScheme>
   </a:themeElements>
+  <a:objectDefaults/>
+  <a:extraClrSchemeLst/>
+</a:theme>
+</file>
+
+<file path=ppt/theme/theme3.xml><?xml version="1.0" encoding="utf-8"?>
+<a:theme xmlns:a="http://schemas.openxmlformats.org/drawingml/2006/main" name="Office Theme">
+  <a:themeElements>
+    <a:clrScheme name="Office">
+      <a:dk1>
+        <a:sysClr val="windowText" lastClr="000000"/>
+      </a:dk1>
+      <a:lt1>
+        <a:sysClr val="window" lastClr="FFFFFF"/>
+      </a:lt1>
+      <a:dk2>
+        <a:srgbClr val="44546A"/>
+      </a:dk2>
+      <a:lt2>
+        <a:srgbClr val="E7E6E6"/>
+      </a:lt2>
+      <a:accent1>
+        <a:srgbClr val="4472C4"/>
+      </a:accent1>
+      <a:accent2>
+        <a:srgbClr val="ED7D31"/>
+      </a:accent2>
+      <a:accent3>
+        <a:srgbClr val="A5A5A5"/>
+      </a:accent3>
+      <a:accent4>
+        <a:srgbClr val="FFC000"/>
+      </a:accent4>
+      <a:accent5>
+        <a:srgbClr val="5B9BD5"/>
+      </a:accent5>
+      <a:accent6>
+        <a:srgbClr val="70AD47"/>
+      </a:accent6>
+      <a:hlink>
+        <a:srgbClr val="0563C1"/>
+      </a:hlink>
+      <a:folHlink>
+        <a:srgbClr val="954F72"/>
+      </a:folHlink>
+    </a:clrScheme>
+    <a:fontScheme name="Office">
+      <a:majorFont>
+        <a:latin typeface="Calibri Light" panose="020F0302020204030204"/>
+        <a:ea typeface=""/>
+        <a:cs typeface=""/>
+        <a:font script="Jpan" typeface="游ゴシック Light"/>
+        <a:font script="Hang" typeface="맑은 고딕"/>
+        <a:font script="Hans" typeface="等线 Light"/>
+        <a:font script="Hant" typeface="新細明體"/>
+        <a:font script="Arab" typeface="Times New Roman"/>
+        <a:font script="Hebr" typeface="Times New Roman"/>
+        <a:font script="Thai" typeface="Angsana New"/>
+        <a:font script="Ethi" typeface="Nyala"/>
+        <a:font script="Beng" typeface="Vrinda"/>
+        <a:font script="Gujr" typeface="Shruti"/>
+        <a:font script="Khmr" typeface="MoolBoran"/>
+        <a:font script="Knda" typeface="Tunga"/>
+        <a:font script="Guru" typeface="Raavi"/>
+        <a:font script="Cans" typeface="Euphemia"/>
+        <a:font script="Cher" typeface="Plantagenet Cherokee"/>
+        <a:font script="Yiii" typeface="Microsoft Yi Baiti"/>
+        <a:font script="Tibt" typeface="Microsoft Himalaya"/>
+        <a:font script="Thaa" typeface="MV Boli"/>
+        <a:font script="Deva" typeface="Mangal"/>
+        <a:font script="Telu" typeface="Gautami"/>
+        <a:font script="Taml" typeface="Latha"/>
+        <a:font script="Syrc" typeface="Estrangelo Edessa"/>
+        <a:font script="Orya" typeface="Kalinga"/>
+        <a:font script="Mlym" typeface="Kartika"/>
+        <a:font script="Laoo" typeface="DokChampa"/>
+        <a:font script="Sinh" typeface="Iskoola Pota"/>
+        <a:font script="Mong" typeface="Mongolian Baiti"/>
+        <a:font script="Viet" typeface="Times New Roman"/>
+        <a:font script="Uigh" typeface="Microsoft Uighur"/>
+        <a:font script="Geor" typeface="Sylfaen"/>
+        <a:font script="Armn" typeface="Arial"/>
+        <a:font script="Bugi" typeface="Leelawadee UI"/>
+        <a:font script="Bopo" typeface="Microsoft JhengHei"/>
+        <a:font script="Java" typeface="Javanese Text"/>
+        <a:font script="Lisu" typeface="Segoe UI"/>
+        <a:font script="Mymr" typeface="Myanmar Text"/>
+        <a:font script="Nkoo" typeface="Ebrima"/>
+        <a:font script="Olck" typeface="Nirmala UI"/>
+        <a:font script="Osma" typeface="Ebrima"/>
+        <a:font script="Phag" typeface="Phagspa"/>
+        <a:font script="Syrn" typeface="Estrangelo Edessa"/>
+        <a:font script="Syrj" typeface="Estrangelo Edessa"/>
+        <a:font script="Syre" typeface="Estrangelo Edessa"/>
+        <a:font script="Sora" typeface="Nirmala UI"/>
+        <a:font script="Tale" typeface="Microsoft Tai Le"/>
+        <a:font script="Talu" typeface="Microsoft New Tai Lue"/>
+        <a:font script="Tfng" typeface="Ebrima"/>
+      </a:majorFont>
+      <a:minorFont>
+        <a:latin typeface="Calibri" panose="020F0502020204030204"/>
+        <a:ea typeface=""/>
+        <a:cs typeface=""/>
+        <a:font script="Jpan" typeface="游ゴシック"/>
+        <a:font script="Hang" typeface="맑은 고딕"/>
+        <a:font script="Hans" typeface="等线"/>
+        <a:font script="Hant" typeface="新細明體"/>
+        <a:font script="Arab" typeface="Arial"/>
+        <a:font script="Hebr" typeface="Arial"/>
+        <a:font script="Thai" typeface="Cordia New"/>
+        <a:font script="Ethi" typeface="Nyala"/>
+        <a:font script="Beng" typeface="Vrinda"/>
+        <a:font script="Gujr" typeface="Shruti"/>
+        <a:font script="Khmr" typeface="DaunPenh"/>
+        <a:font script="Knda" typeface="Tunga"/>
+        <a:font script="Guru" typeface="Raavi"/>
+        <a:font script="Cans" typeface="Euphemia"/>
+        <a:font script="Cher" typeface="Plantagenet Cherokee"/>
+        <a:font script="Yiii" typeface="Microsoft Yi Baiti"/>
+        <a:font script="Tibt" typeface="Microsoft Himalaya"/>
+        <a:font script="Thaa" typeface="MV Boli"/>
+        <a:font script="Deva" typeface="Mangal"/>
+        <a:font script="Telu" typeface="Gautami"/>
+        <a:font script="Taml" typeface="Latha"/>
+        <a:font script="Syrc" typeface="Estrangelo Edessa"/>
+        <a:font script="Orya" typeface="Kalinga"/>
+        <a:font script="Mlym" typeface="Kartika"/>
+        <a:font script="Laoo" typeface="DokChampa"/>
+        <a:font script="Sinh" typeface="Iskoola Pota"/>
+        <a:font script="Mong" typeface="Mongolian Baiti"/>
+        <a:font script="Viet" typeface="Arial"/>
+        <a:font script="Uigh" typeface="Microsoft Uighur"/>
+        <a:font script="Geor" typeface="Sylfaen"/>
+        <a:font script="Armn" typeface="Arial"/>
+        <a:font script="Bugi" typeface="Leelawadee UI"/>
+        <a:font script="Bopo" typeface="Microsoft JhengHei"/>
+        <a:font script="Java" typeface="Javanese Text"/>
+        <a:font script="Lisu" typeface="Segoe UI"/>
+        <a:font script="Mymr" typeface="Myanmar Text"/>
+        <a:font script="Nkoo" typeface="Ebrima"/>
+        <a:font script="Olck" typeface="Nirmala UI"/>
+        <a:font script="Osma" typeface="Ebrima"/>
+        <a:font script="Phag" typeface="Phagspa"/>
+        <a:font script="Syrn" typeface="Estrangelo Edessa"/>
+        <a:font script="Syrj" typeface="Estrangelo Edessa"/>
+        <a:font script="Syre" typeface="Estrangelo Edessa"/>
+        <a:font script="Sora" typeface="Nirmala UI"/>
+        <a:font script="Tale" typeface="Microsoft Tai Le"/>
+        <a:font script="Talu" typeface="Microsoft New Tai Lue"/>
+        <a:font script="Tfng" typeface="Ebrima"/>
+      </a:minorFont>
+    </a:fontScheme>
+    <a:fmtScheme name="Office">
+      <a:fillStyleLst>
+        <a:solidFill>
+          <a:schemeClr val="phClr"/>
+        </a:solidFill>
+        <a:gradFill rotWithShape="1">
+          <a:gsLst>
+            <a:gs pos="0">
+              <a:schemeClr val="phClr">
+                <a:lumMod val="110000"/>
+                <a:satMod val="105000"/>
+                <a:tint val="67000"/>
+              </a:schemeClr>
+            </a:gs>
+            <a:gs pos="50000">
+              <a:schemeClr val="phClr">
+                <a:lumMod val="105000"/>
+                <a:satMod val="103000"/>
+                <a:tint val="73000"/>
+              </a:schemeClr>
+            </a:gs>
+            <a:gs pos="100000">
+              <a:schemeClr val="phClr">
+                <a:lumMod val="105000"/>
+                <a:satMod val="109000"/>
+                <a:tint val="81000"/>
+              </a:schemeClr>
+            </a:gs>
+          </a:gsLst>
+          <a:lin ang="5400000" scaled="0"/>
+        </a:gradFill>
+        <a:gradFill rotWithShape="1">
+          <a:gsLst>
+            <a:gs pos="0">
+              <a:schemeClr val="phClr">
+                <a:satMod val="103000"/>
+                <a:lumMod val="102000"/>
+                <a:tint val="94000"/>
+              </a:schemeClr>
+            </a:gs>
+            <a:gs pos="50000">
+              <a:schemeClr val="phClr">
+                <a:satMod val="110000"/>
+                <a:lumMod val="100000"/>
+                <a:shade val="100000"/>
+              </a:schemeClr>
+            </a:gs>
+            <a:gs pos="100000">
+              <a:schemeClr val="phClr">
+                <a:lumMod val="99000"/>
+                <a:satMod val="120000"/>
+                <a:shade val="78000"/>
+              </a:schemeClr>
+            </a:gs>
+          </a:gsLst>
+          <a:lin ang="5400000" scaled="0"/>
+        </a:gradFill>
+      </a:fillStyleLst>
+      <a:lnStyleLst>
+        <a:ln w="6350" cap="flat" cmpd="sng" algn="ctr">
+          <a:solidFill>
+            <a:schemeClr val="phClr"/>
+          </a:solidFill>
+          <a:prstDash val="solid"/>
+          <a:miter lim="800000"/>
+        </a:ln>
+        <a:ln w="12700" cap="flat" cmpd="sng" algn="ctr">
+          <a:solidFill>
+            <a:schemeClr val="phClr"/>
+          </a:solidFill>
+          <a:prstDash val="solid"/>
+          <a:miter lim="800000"/>
+        </a:ln>
+        <a:ln w="19050" cap="flat" cmpd="sng" algn="ctr">
+          <a:solidFill>
+            <a:schemeClr val="phClr"/>
+          </a:solidFill>
+          <a:prstDash val="solid"/>
+          <a:miter lim="800000"/>
+        </a:ln>
+      </a:lnStyleLst>
+      <a:effectStyleLst>
+        <a:effectStyle>
+          <a:effectLst/>
+        </a:effectStyle>
+        <a:effectStyle>
+          <a:effectLst/>
+        </a:effectStyle>
+        <a:effectStyle>
+          <a:effectLst>
+            <a:outerShdw blurRad="57150" dist="19050" dir="5400000" algn="ctr" rotWithShape="0">
+              <a:srgbClr val="000000">
+                <a:alpha val="63000"/>
+              </a:srgbClr>
+            </a:outerShdw>
+          </a:effectLst>
+        </a:effectStyle>
+      </a:effectStyleLst>
+      <a:bgFillStyleLst>
+        <a:solidFill>
+          <a:schemeClr val="phClr"/>
+        </a:solidFill>
+        <a:solidFill>
+          <a:schemeClr val="phClr">
+            <a:tint val="95000"/>
+            <a:satMod val="170000"/>
+          </a:schemeClr>
+        </a:solidFill>
+        <a:gradFill rotWithShape="1">
+          <a:gsLst>
+            <a:gs pos="0">
+              <a:schemeClr val="phClr">
+                <a:tint val="93000"/>
+                <a:satMod val="150000"/>
+                <a:shade val="98000"/>
+                <a:lumMod val="102000"/>
+              </a:schemeClr>
+            </a:gs>
+            <a:gs pos="50000">
+              <a:schemeClr val="phClr">
+                <a:tint val="98000"/>
+                <a:satMod val="130000"/>
+                <a:shade val="90000"/>
+                <a:lumMod val="103000"/>
+              </a:schemeClr>
+            </a:gs>
+            <a:gs pos="100000">
+              <a:schemeClr val="phClr">
+                <a:shade val="63000"/>
+                <a:satMod val="120000"/>
+              </a:schemeClr>
+            </a:gs>
+          </a:gsLst>
+          <a:lin ang="5400000" scaled="0"/>
+        </a:gradFill>
+      </a:bgFillStyleLst>
+    </a:fmtScheme>
+  </a:themeElements>
+  <a:objectDefaults/>
+  <a:extraClrSchemeLst/>
+  <a:extLst>
+    <a:ext uri="{05A4C25C-085E-4340-85A3-A5531E510DB2}">
+      <thm15:themeFamily xmlns:thm15="http://schemas.microsoft.com/office/thememl/2012/main" name="Office Theme" id="{62F939B6-93AF-4DB8-9C6B-D6C7DFDC589F}" vid="{4A3C46E8-61CC-4603-A589-7422A47A8E4A}"/>
+    </a:ext>
+  </a:extLst>
 </a:theme>
 </file>